--- a/presentation/mCP_BDX.pptx
+++ b/presentation/mCP_BDX.pptx
@@ -17,9 +17,23 @@
     <p:sldId id="314" r:id="rId11"/>
     <p:sldId id="316" r:id="rId12"/>
     <p:sldId id="308" r:id="rId13"/>
-    <p:sldId id="313" r:id="rId14"/>
-    <p:sldId id="305" r:id="rId15"/>
-    <p:sldId id="304" r:id="rId16"/>
+    <p:sldId id="318" r:id="rId14"/>
+    <p:sldId id="319" r:id="rId15"/>
+    <p:sldId id="313" r:id="rId16"/>
+    <p:sldId id="305" r:id="rId17"/>
+    <p:sldId id="317" r:id="rId18"/>
+    <p:sldId id="304" r:id="rId19"/>
+    <p:sldId id="320" r:id="rId20"/>
+    <p:sldId id="322" r:id="rId21"/>
+    <p:sldId id="321" r:id="rId22"/>
+    <p:sldId id="323" r:id="rId23"/>
+    <p:sldId id="324" r:id="rId24"/>
+    <p:sldId id="330" r:id="rId25"/>
+    <p:sldId id="325" r:id="rId26"/>
+    <p:sldId id="329" r:id="rId27"/>
+    <p:sldId id="331" r:id="rId28"/>
+    <p:sldId id="326" r:id="rId29"/>
+    <p:sldId id="327" r:id="rId30"/>
   </p:sldIdLst>
   <p:sldSz cx="12192000" cy="6858000"/>
   <p:notesSz cx="6858000" cy="9144000"/>
@@ -273,7 +287,7 @@
           <a:p>
             <a:fld id="{A8B10835-36F3-4C76-8F1E-BB4E173C4018}" type="datetimeFigureOut">
               <a:rPr lang="zh-CN" altLang="en-US" smtClean="0"/>
-              <a:t>2024/8/23</a:t>
+              <a:t>2024/9/13</a:t>
             </a:fld>
             <a:endParaRPr lang="zh-CN" altLang="en-US"/>
           </a:p>
@@ -471,7 +485,7 @@
           <a:p>
             <a:fld id="{A8B10835-36F3-4C76-8F1E-BB4E173C4018}" type="datetimeFigureOut">
               <a:rPr lang="zh-CN" altLang="en-US" smtClean="0"/>
-              <a:t>2024/8/23</a:t>
+              <a:t>2024/9/13</a:t>
             </a:fld>
             <a:endParaRPr lang="zh-CN" altLang="en-US"/>
           </a:p>
@@ -679,7 +693,7 @@
           <a:p>
             <a:fld id="{A8B10835-36F3-4C76-8F1E-BB4E173C4018}" type="datetimeFigureOut">
               <a:rPr lang="zh-CN" altLang="en-US" smtClean="0"/>
-              <a:t>2024/8/23</a:t>
+              <a:t>2024/9/13</a:t>
             </a:fld>
             <a:endParaRPr lang="zh-CN" altLang="en-US"/>
           </a:p>
@@ -877,7 +891,7 @@
           <a:p>
             <a:fld id="{A8B10835-36F3-4C76-8F1E-BB4E173C4018}" type="datetimeFigureOut">
               <a:rPr lang="zh-CN" altLang="en-US" smtClean="0"/>
-              <a:t>2024/8/23</a:t>
+              <a:t>2024/9/13</a:t>
             </a:fld>
             <a:endParaRPr lang="zh-CN" altLang="en-US"/>
           </a:p>
@@ -1152,7 +1166,7 @@
           <a:p>
             <a:fld id="{A8B10835-36F3-4C76-8F1E-BB4E173C4018}" type="datetimeFigureOut">
               <a:rPr lang="zh-CN" altLang="en-US" smtClean="0"/>
-              <a:t>2024/8/23</a:t>
+              <a:t>2024/9/13</a:t>
             </a:fld>
             <a:endParaRPr lang="zh-CN" altLang="en-US"/>
           </a:p>
@@ -1417,7 +1431,7 @@
           <a:p>
             <a:fld id="{A8B10835-36F3-4C76-8F1E-BB4E173C4018}" type="datetimeFigureOut">
               <a:rPr lang="zh-CN" altLang="en-US" smtClean="0"/>
-              <a:t>2024/8/23</a:t>
+              <a:t>2024/9/13</a:t>
             </a:fld>
             <a:endParaRPr lang="zh-CN" altLang="en-US"/>
           </a:p>
@@ -1829,7 +1843,7 @@
           <a:p>
             <a:fld id="{A8B10835-36F3-4C76-8F1E-BB4E173C4018}" type="datetimeFigureOut">
               <a:rPr lang="zh-CN" altLang="en-US" smtClean="0"/>
-              <a:t>2024/8/23</a:t>
+              <a:t>2024/9/13</a:t>
             </a:fld>
             <a:endParaRPr lang="zh-CN" altLang="en-US"/>
           </a:p>
@@ -1970,7 +1984,7 @@
           <a:p>
             <a:fld id="{A8B10835-36F3-4C76-8F1E-BB4E173C4018}" type="datetimeFigureOut">
               <a:rPr lang="zh-CN" altLang="en-US" smtClean="0"/>
-              <a:t>2024/8/23</a:t>
+              <a:t>2024/9/13</a:t>
             </a:fld>
             <a:endParaRPr lang="zh-CN" altLang="en-US"/>
           </a:p>
@@ -2083,7 +2097,7 @@
           <a:p>
             <a:fld id="{A8B10835-36F3-4C76-8F1E-BB4E173C4018}" type="datetimeFigureOut">
               <a:rPr lang="zh-CN" altLang="en-US" smtClean="0"/>
-              <a:t>2024/8/23</a:t>
+              <a:t>2024/9/13</a:t>
             </a:fld>
             <a:endParaRPr lang="zh-CN" altLang="en-US"/>
           </a:p>
@@ -2394,7 +2408,7 @@
           <a:p>
             <a:fld id="{A8B10835-36F3-4C76-8F1E-BB4E173C4018}" type="datetimeFigureOut">
               <a:rPr lang="zh-CN" altLang="en-US" smtClean="0"/>
-              <a:t>2024/8/23</a:t>
+              <a:t>2024/9/13</a:t>
             </a:fld>
             <a:endParaRPr lang="zh-CN" altLang="en-US"/>
           </a:p>
@@ -2682,7 +2696,7 @@
           <a:p>
             <a:fld id="{A8B10835-36F3-4C76-8F1E-BB4E173C4018}" type="datetimeFigureOut">
               <a:rPr lang="zh-CN" altLang="en-US" smtClean="0"/>
-              <a:t>2024/8/23</a:t>
+              <a:t>2024/9/13</a:t>
             </a:fld>
             <a:endParaRPr lang="zh-CN" altLang="en-US"/>
           </a:p>
@@ -2926,7 +2940,7 @@
           <a:p>
             <a:fld id="{A8B10835-36F3-4C76-8F1E-BB4E173C4018}" type="datetimeFigureOut">
               <a:rPr lang="zh-CN" altLang="en-US" smtClean="0"/>
-              <a:t>2024/8/23</a:t>
+              <a:t>2024/9/13</a:t>
             </a:fld>
             <a:endParaRPr lang="zh-CN" altLang="en-US"/>
           </a:p>
@@ -3513,57 +3527,14 @@
         </p:blipFill>
         <p:spPr>
           <a:xfrm>
-            <a:off x="193945" y="1186774"/>
-            <a:ext cx="7267170" cy="4955835"/>
+            <a:off x="0" y="1186776"/>
+            <a:ext cx="5919770" cy="4036978"/>
           </a:xfrm>
           <a:prstGeom prst="rect">
             <a:avLst/>
           </a:prstGeom>
         </p:spPr>
       </p:pic>
-      <p:sp>
-        <p:nvSpPr>
-          <p:cNvPr id="10" name="文本框 9">
-            <a:extLst>
-              <a:ext uri="{FF2B5EF4-FFF2-40B4-BE49-F238E27FC236}">
-                <a16:creationId xmlns:a16="http://schemas.microsoft.com/office/drawing/2014/main" id="{65141264-B5E7-0638-E4E4-CB18D65B30E5}"/>
-              </a:ext>
-            </a:extLst>
-          </p:cNvPr>
-          <p:cNvSpPr txBox="1"/>
-          <p:nvPr/>
-        </p:nvSpPr>
-        <p:spPr>
-          <a:xfrm>
-            <a:off x="7976681" y="5116748"/>
-            <a:ext cx="1916349" cy="369332"/>
-          </a:xfrm>
-          <a:prstGeom prst="rect">
-            <a:avLst/>
-          </a:prstGeom>
-          <a:noFill/>
-        </p:spPr>
-        <p:txBody>
-          <a:bodyPr wrap="square" rtlCol="0">
-            <a:spAutoFit/>
-          </a:bodyPr>
-          <a:lstStyle/>
-          <a:p>
-            <a:pPr algn="l"/>
-            <a:r>
-              <a:rPr lang="en-US" altLang="zh-CN" dirty="0">
-                <a:latin typeface="Times New Roman" panose="02020603050405020304" pitchFamily="18" charset="0"/>
-                <a:cs typeface="Times New Roman" panose="02020603050405020304" pitchFamily="18" charset="0"/>
-              </a:rPr>
-              <a:t>Bin width: 0.5</a:t>
-            </a:r>
-            <a:endParaRPr lang="zh-CN" altLang="en-US" dirty="0" err="1">
-              <a:latin typeface="Times New Roman" panose="02020603050405020304" pitchFamily="18" charset="0"/>
-              <a:cs typeface="Times New Roman" panose="02020603050405020304" pitchFamily="18" charset="0"/>
-            </a:endParaRPr>
-          </a:p>
-        </p:txBody>
-      </p:sp>
       <p:pic>
         <p:nvPicPr>
           <p:cNvPr id="3" name="内容占位符 4" descr="图表, 折线图&#10;&#10;描述已自动生成">
@@ -3594,9 +3565,45 @@
         </p:blipFill>
         <p:spPr>
           <a:xfrm>
-            <a:off x="7455496" y="0"/>
-            <a:ext cx="4736504" cy="3015574"/>
+            <a:off x="7852750" y="0"/>
+            <a:ext cx="4339249" cy="2762655"/>
           </a:xfrm>
+        </p:spPr>
+      </p:pic>
+      <p:pic>
+        <p:nvPicPr>
+          <p:cNvPr id="5" name="图片 4" descr="图片包含 图表&#10;&#10;描述已自动生成">
+            <a:extLst>
+              <a:ext uri="{FF2B5EF4-FFF2-40B4-BE49-F238E27FC236}">
+                <a16:creationId xmlns:a16="http://schemas.microsoft.com/office/drawing/2014/main" id="{AAA48D32-A314-74B2-6281-D1F2DE974635}"/>
+              </a:ext>
+            </a:extLst>
+          </p:cNvPr>
+          <p:cNvPicPr>
+            <a:picLocks noChangeAspect="1"/>
+          </p:cNvPicPr>
+          <p:nvPr/>
+        </p:nvPicPr>
+        <p:blipFill>
+          <a:blip r:embed="rId4">
+            <a:extLst>
+              <a:ext uri="{28A0092B-C50C-407E-A947-70E740481C1C}">
+                <a14:useLocalDpi xmlns:a14="http://schemas.microsoft.com/office/drawing/2010/main" val="0"/>
+              </a:ext>
+            </a:extLst>
+          </a:blip>
+          <a:stretch>
+            <a:fillRect/>
+          </a:stretch>
+        </p:blipFill>
+        <p:spPr>
+          <a:xfrm>
+            <a:off x="6272230" y="2762655"/>
+            <a:ext cx="5919770" cy="4036978"/>
+          </a:xfrm>
+          <a:prstGeom prst="rect">
+            <a:avLst/>
+          </a:prstGeom>
         </p:spPr>
       </p:pic>
     </p:spTree>
@@ -3694,6 +3701,42 @@
           <a:chExt cx="0" cy="0"/>
         </a:xfrm>
       </p:grpSpPr>
+      <p:pic>
+        <p:nvPicPr>
+          <p:cNvPr id="6" name="图片 5" descr="图表, 折线图&#10;&#10;描述已自动生成">
+            <a:extLst>
+              <a:ext uri="{FF2B5EF4-FFF2-40B4-BE49-F238E27FC236}">
+                <a16:creationId xmlns:a16="http://schemas.microsoft.com/office/drawing/2014/main" id="{87228BCD-ADB6-0BA9-99D8-8B63C0154411}"/>
+              </a:ext>
+            </a:extLst>
+          </p:cNvPr>
+          <p:cNvPicPr>
+            <a:picLocks noChangeAspect="1"/>
+          </p:cNvPicPr>
+          <p:nvPr/>
+        </p:nvPicPr>
+        <p:blipFill>
+          <a:blip r:embed="rId2">
+            <a:extLst>
+              <a:ext uri="{28A0092B-C50C-407E-A947-70E740481C1C}">
+                <a14:useLocalDpi xmlns:a14="http://schemas.microsoft.com/office/drawing/2010/main" val="0"/>
+              </a:ext>
+            </a:extLst>
+          </a:blip>
+          <a:stretch>
+            <a:fillRect/>
+          </a:stretch>
+        </p:blipFill>
+        <p:spPr>
+          <a:xfrm>
+            <a:off x="838200" y="1549513"/>
+            <a:ext cx="7968915" cy="5102804"/>
+          </a:xfrm>
+          <a:prstGeom prst="rect">
+            <a:avLst/>
+          </a:prstGeom>
+        </p:spPr>
+      </p:pic>
       <p:sp>
         <p:nvSpPr>
           <p:cNvPr id="2" name="标题 1">
@@ -3723,42 +3766,6 @@
           </a:p>
         </p:txBody>
       </p:sp>
-      <p:pic>
-        <p:nvPicPr>
-          <p:cNvPr id="7" name="图片 6" descr="图表, 折线图, 散点图&#10;&#10;描述已自动生成">
-            <a:extLst>
-              <a:ext uri="{FF2B5EF4-FFF2-40B4-BE49-F238E27FC236}">
-                <a16:creationId xmlns:a16="http://schemas.microsoft.com/office/drawing/2014/main" id="{17897F5F-07F9-42D0-11A4-CFFC70F3D750}"/>
-              </a:ext>
-            </a:extLst>
-          </p:cNvPr>
-          <p:cNvPicPr>
-            <a:picLocks noChangeAspect="1"/>
-          </p:cNvPicPr>
-          <p:nvPr/>
-        </p:nvPicPr>
-        <p:blipFill>
-          <a:blip r:embed="rId2">
-            <a:extLst>
-              <a:ext uri="{28A0092B-C50C-407E-A947-70E740481C1C}">
-                <a14:useLocalDpi xmlns:a14="http://schemas.microsoft.com/office/drawing/2010/main" val="0"/>
-              </a:ext>
-            </a:extLst>
-          </a:blip>
-          <a:stretch>
-            <a:fillRect/>
-          </a:stretch>
-        </p:blipFill>
-        <p:spPr>
-          <a:xfrm>
-            <a:off x="838200" y="1922996"/>
-            <a:ext cx="7266804" cy="4653214"/>
-          </a:xfrm>
-          <a:prstGeom prst="rect">
-            <a:avLst/>
-          </a:prstGeom>
-        </p:spPr>
-      </p:pic>
       <p:sp>
         <p:nvSpPr>
           <p:cNvPr id="8" name="文本框 7">
@@ -3774,7 +3781,7 @@
         <p:spPr>
           <a:xfrm>
             <a:off x="3365769" y="3648271"/>
-            <a:ext cx="3699753" cy="1200329"/>
+            <a:ext cx="3699753" cy="1754326"/>
           </a:xfrm>
           <a:prstGeom prst="rect">
             <a:avLst/>
@@ -3825,11 +3832,34 @@
                 <a:latin typeface="Times New Roman" panose="02020603050405020304" pitchFamily="18" charset="0"/>
                 <a:cs typeface="Times New Roman" panose="02020603050405020304" pitchFamily="18" charset="0"/>
               </a:rPr>
-              <a:t>Yellow: updated result (applied)</a:t>
+              <a:t>Yellow: applied formfactor</a:t>
+            </a:r>
+          </a:p>
+          <a:p>
+            <a:pPr algn="l"/>
+            <a:endParaRPr lang="en-US" altLang="zh-CN" dirty="0">
+              <a:solidFill>
+                <a:srgbClr val="FFC000"/>
+              </a:solidFill>
+              <a:latin typeface="Times New Roman" panose="02020603050405020304" pitchFamily="18" charset="0"/>
+              <a:cs typeface="Times New Roman" panose="02020603050405020304" pitchFamily="18" charset="0"/>
+            </a:endParaRPr>
+          </a:p>
+          <a:p>
+            <a:pPr algn="l"/>
+            <a:r>
+              <a:rPr lang="en-US" altLang="zh-CN" dirty="0">
+                <a:solidFill>
+                  <a:schemeClr val="accent3"/>
+                </a:solidFill>
+                <a:latin typeface="Times New Roman" panose="02020603050405020304" pitchFamily="18" charset="0"/>
+                <a:cs typeface="Times New Roman" panose="02020603050405020304" pitchFamily="18" charset="0"/>
+              </a:rPr>
+              <a:t>Dark green: updated formfactor</a:t>
             </a:r>
             <a:endParaRPr lang="zh-CN" altLang="en-US" dirty="0" err="1">
               <a:solidFill>
-                <a:srgbClr val="FFC000"/>
+                <a:schemeClr val="accent3"/>
               </a:solidFill>
               <a:latin typeface="Times New Roman" panose="02020603050405020304" pitchFamily="18" charset="0"/>
               <a:cs typeface="Times New Roman" panose="02020603050405020304" pitchFamily="18" charset="0"/>
@@ -3872,6 +3902,208 @@
           <p:cNvPr id="2" name="标题 1">
             <a:extLst>
               <a:ext uri="{FF2B5EF4-FFF2-40B4-BE49-F238E27FC236}">
+                <a16:creationId xmlns:a16="http://schemas.microsoft.com/office/drawing/2014/main" id="{88F80A8F-73BA-BEFD-4248-86D914A1F785}"/>
+              </a:ext>
+            </a:extLst>
+          </p:cNvPr>
+          <p:cNvSpPr>
+            <a:spLocks noGrp="1"/>
+          </p:cNvSpPr>
+          <p:nvPr>
+            <p:ph type="title"/>
+          </p:nvPr>
+        </p:nvSpPr>
+        <p:spPr/>
+        <p:txBody>
+          <a:bodyPr/>
+          <a:lstStyle/>
+          <a:p>
+            <a:r>
+              <a:rPr lang="en-US" altLang="zh-CN" dirty="0"/>
+              <a:t>Contribution from </a:t>
+            </a:r>
+            <a:r>
+              <a:rPr lang="en-US" altLang="zh-CN" dirty="0" err="1"/>
+              <a:t>CsI</a:t>
+            </a:r>
+            <a:r>
+              <a:rPr lang="en-US" altLang="zh-CN" dirty="0"/>
+              <a:t> detector</a:t>
+            </a:r>
+            <a:endParaRPr lang="zh-CN" altLang="en-US" dirty="0"/>
+          </a:p>
+        </p:txBody>
+      </p:sp>
+      <p:sp>
+        <p:nvSpPr>
+          <p:cNvPr id="3" name="内容占位符 2">
+            <a:extLst>
+              <a:ext uri="{FF2B5EF4-FFF2-40B4-BE49-F238E27FC236}">
+                <a16:creationId xmlns:a16="http://schemas.microsoft.com/office/drawing/2014/main" id="{1B2EFA9B-17A9-3E3A-0B62-4F8B34C8118D}"/>
+              </a:ext>
+            </a:extLst>
+          </p:cNvPr>
+          <p:cNvSpPr>
+            <a:spLocks noGrp="1"/>
+          </p:cNvSpPr>
+          <p:nvPr>
+            <p:ph idx="1"/>
+          </p:nvPr>
+        </p:nvSpPr>
+        <p:spPr>
+          <a:xfrm>
+            <a:off x="838200" y="1825625"/>
+            <a:ext cx="10515600" cy="4205524"/>
+          </a:xfrm>
+        </p:spPr>
+        <p:txBody>
+          <a:bodyPr/>
+          <a:lstStyle/>
+          <a:p>
+            <a:r>
+              <a:rPr lang="en-US" altLang="zh-CN" dirty="0"/>
+              <a:t>The energy threshold is 300 MeV</a:t>
+            </a:r>
+            <a:endParaRPr lang="zh-CN" altLang="en-US" dirty="0"/>
+          </a:p>
+        </p:txBody>
+      </p:sp>
+      <p:pic>
+        <p:nvPicPr>
+          <p:cNvPr id="7" name="图片 6" descr="表格&#10;&#10;描述已自动生成">
+            <a:extLst>
+              <a:ext uri="{FF2B5EF4-FFF2-40B4-BE49-F238E27FC236}">
+                <a16:creationId xmlns:a16="http://schemas.microsoft.com/office/drawing/2014/main" id="{9BEBD17E-CD89-06B1-C491-1F3A741C6DCD}"/>
+              </a:ext>
+            </a:extLst>
+          </p:cNvPr>
+          <p:cNvPicPr>
+            <a:picLocks noChangeAspect="1"/>
+          </p:cNvPicPr>
+          <p:nvPr/>
+        </p:nvPicPr>
+        <p:blipFill>
+          <a:blip r:embed="rId2">
+            <a:extLst>
+              <a:ext uri="{28A0092B-C50C-407E-A947-70E740481C1C}">
+                <a14:useLocalDpi xmlns:a14="http://schemas.microsoft.com/office/drawing/2010/main" val="0"/>
+              </a:ext>
+            </a:extLst>
+          </a:blip>
+          <a:stretch>
+            <a:fillRect/>
+          </a:stretch>
+        </p:blipFill>
+        <p:spPr>
+          <a:xfrm>
+            <a:off x="161021" y="2382062"/>
+            <a:ext cx="11570535" cy="2859193"/>
+          </a:xfrm>
+          <a:prstGeom prst="rect">
+            <a:avLst/>
+          </a:prstGeom>
+        </p:spPr>
+      </p:pic>
+    </p:spTree>
+    <p:extLst>
+      <p:ext uri="{BB962C8B-B14F-4D97-AF65-F5344CB8AC3E}">
+        <p14:creationId xmlns:p14="http://schemas.microsoft.com/office/powerpoint/2010/main" val="706288418"/>
+      </p:ext>
+    </p:extLst>
+  </p:cSld>
+  <p:clrMapOvr>
+    <a:masterClrMapping/>
+  </p:clrMapOvr>
+</p:sld>
+</file>
+
+<file path=ppt/slides/slide14.xml><?xml version="1.0" encoding="utf-8"?>
+<p:sld xmlns:a="http://schemas.openxmlformats.org/drawingml/2006/main" xmlns:r="http://schemas.openxmlformats.org/officeDocument/2006/relationships" xmlns:p="http://schemas.openxmlformats.org/presentationml/2006/main">
+  <p:cSld>
+    <p:spTree>
+      <p:nvGrpSpPr>
+        <p:cNvPr id="1" name=""/>
+        <p:cNvGrpSpPr/>
+        <p:nvPr/>
+      </p:nvGrpSpPr>
+      <p:grpSpPr>
+        <a:xfrm>
+          <a:off x="0" y="0"/>
+          <a:ext cx="0" cy="0"/>
+          <a:chOff x="0" y="0"/>
+          <a:chExt cx="0" cy="0"/>
+        </a:xfrm>
+      </p:grpSpPr>
+      <p:sp>
+        <p:nvSpPr>
+          <p:cNvPr id="2" name="标题 1">
+            <a:extLst>
+              <a:ext uri="{FF2B5EF4-FFF2-40B4-BE49-F238E27FC236}">
+                <a16:creationId xmlns:a16="http://schemas.microsoft.com/office/drawing/2014/main" id="{3967AB1F-4D2B-B6E1-5760-17BFBD8A1EA4}"/>
+              </a:ext>
+            </a:extLst>
+          </p:cNvPr>
+          <p:cNvSpPr>
+            <a:spLocks noGrp="1"/>
+          </p:cNvSpPr>
+          <p:nvPr>
+            <p:ph type="title"/>
+          </p:nvPr>
+        </p:nvSpPr>
+        <p:spPr>
+          <a:xfrm>
+            <a:off x="838200" y="2766218"/>
+            <a:ext cx="10515600" cy="1325563"/>
+          </a:xfrm>
+        </p:spPr>
+        <p:txBody>
+          <a:bodyPr/>
+          <a:lstStyle/>
+          <a:p>
+            <a:pPr algn="ctr"/>
+            <a:r>
+              <a:rPr lang="en-US" altLang="zh-CN" dirty="0"/>
+              <a:t>Back up</a:t>
+            </a:r>
+            <a:endParaRPr lang="zh-CN" altLang="en-US" dirty="0"/>
+          </a:p>
+        </p:txBody>
+      </p:sp>
+    </p:spTree>
+    <p:extLst>
+      <p:ext uri="{BB962C8B-B14F-4D97-AF65-F5344CB8AC3E}">
+        <p14:creationId xmlns:p14="http://schemas.microsoft.com/office/powerpoint/2010/main" val="2376176228"/>
+      </p:ext>
+    </p:extLst>
+  </p:cSld>
+  <p:clrMapOvr>
+    <a:masterClrMapping/>
+  </p:clrMapOvr>
+</p:sld>
+</file>
+
+<file path=ppt/slides/slide15.xml><?xml version="1.0" encoding="utf-8"?>
+<p:sld xmlns:a="http://schemas.openxmlformats.org/drawingml/2006/main" xmlns:r="http://schemas.openxmlformats.org/officeDocument/2006/relationships" xmlns:p="http://schemas.openxmlformats.org/presentationml/2006/main">
+  <p:cSld>
+    <p:spTree>
+      <p:nvGrpSpPr>
+        <p:cNvPr id="1" name=""/>
+        <p:cNvGrpSpPr/>
+        <p:nvPr/>
+      </p:nvGrpSpPr>
+      <p:grpSpPr>
+        <a:xfrm>
+          <a:off x="0" y="0"/>
+          <a:ext cx="0" cy="0"/>
+          <a:chOff x="0" y="0"/>
+          <a:chExt cx="0" cy="0"/>
+        </a:xfrm>
+      </p:grpSpPr>
+      <p:sp>
+        <p:nvSpPr>
+          <p:cNvPr id="2" name="标题 1">
+            <a:extLst>
+              <a:ext uri="{FF2B5EF4-FFF2-40B4-BE49-F238E27FC236}">
                 <a16:creationId xmlns:a16="http://schemas.microsoft.com/office/drawing/2014/main" id="{B3E3DFAF-FB13-2D3B-8415-5A1691BAA53E}"/>
               </a:ext>
             </a:extLst>
@@ -4038,7 +4270,7 @@
 </p:sld>
 </file>
 
-<file path=ppt/slides/slide14.xml><?xml version="1.0" encoding="utf-8"?>
+<file path=ppt/slides/slide16.xml><?xml version="1.0" encoding="utf-8"?>
 <p:sld xmlns:a="http://schemas.openxmlformats.org/drawingml/2006/main" xmlns:r="http://schemas.openxmlformats.org/officeDocument/2006/relationships" xmlns:p="http://schemas.openxmlformats.org/presentationml/2006/main">
   <p:cSld>
     <p:spTree>
@@ -4677,7 +4909,7 @@
 </p:sld>
 </file>
 
-<file path=ppt/slides/slide15.xml><?xml version="1.0" encoding="utf-8"?>
+<file path=ppt/slides/slide17.xml><?xml version="1.0" encoding="utf-8"?>
 <p:sld xmlns:a="http://schemas.openxmlformats.org/drawingml/2006/main" xmlns:r="http://schemas.openxmlformats.org/officeDocument/2006/relationships" xmlns:p="http://schemas.openxmlformats.org/presentationml/2006/main">
   <p:cSld>
     <p:spTree>
@@ -4699,7 +4931,7 @@
           <p:cNvPr id="2" name="标题 1">
             <a:extLst>
               <a:ext uri="{FF2B5EF4-FFF2-40B4-BE49-F238E27FC236}">
-                <a16:creationId xmlns:a16="http://schemas.microsoft.com/office/drawing/2014/main" id="{1E3DAB98-ADE4-B465-3AA2-845893310F06}"/>
+                <a16:creationId xmlns:a16="http://schemas.microsoft.com/office/drawing/2014/main" id="{C9BB2B5F-73D3-3DC7-3103-3DD103B33F8B}"/>
               </a:ext>
             </a:extLst>
           </p:cNvPr>
@@ -4710,14 +4942,1381 @@
             <p:ph type="title"/>
           </p:nvPr>
         </p:nvSpPr>
-        <p:spPr/>
+        <p:spPr>
+          <a:xfrm>
+            <a:off x="0" y="0"/>
+            <a:ext cx="5154038" cy="928654"/>
+          </a:xfrm>
+        </p:spPr>
         <p:txBody>
           <a:bodyPr/>
           <a:lstStyle/>
           <a:p>
             <a:r>
               <a:rPr lang="en-US" altLang="zh-CN" dirty="0"/>
-              <a:t>SLAC</a:t>
+              <a:t>Form factor (updated)</a:t>
+            </a:r>
+            <a:endParaRPr lang="zh-CN" altLang="en-US" dirty="0"/>
+          </a:p>
+        </p:txBody>
+      </p:sp>
+      <mc:AlternateContent xmlns:mc="http://schemas.openxmlformats.org/markup-compatibility/2006">
+        <mc:Choice xmlns:a14="http://schemas.microsoft.com/office/drawing/2010/main" Requires="a14">
+          <p:sp>
+            <p:nvSpPr>
+              <p:cNvPr id="3" name="内容占位符 2">
+                <a:extLst>
+                  <a:ext uri="{FF2B5EF4-FFF2-40B4-BE49-F238E27FC236}">
+                    <a16:creationId xmlns:a16="http://schemas.microsoft.com/office/drawing/2014/main" id="{01425376-5385-4997-C6A7-14DA98C74851}"/>
+                  </a:ext>
+                </a:extLst>
+              </p:cNvPr>
+              <p:cNvSpPr>
+                <a:spLocks noGrp="1"/>
+              </p:cNvSpPr>
+              <p:nvPr>
+                <p:ph idx="1"/>
+              </p:nvPr>
+            </p:nvSpPr>
+            <p:spPr>
+              <a:xfrm>
+                <a:off x="136187" y="2581534"/>
+                <a:ext cx="11935839" cy="3800993"/>
+              </a:xfrm>
+            </p:spPr>
+            <p:txBody>
+              <a:bodyPr>
+                <a:normAutofit/>
+              </a:bodyPr>
+              <a:lstStyle/>
+              <a:p>
+                <a:r>
+                  <a:rPr lang="en-US" altLang="zh-CN" dirty="0"/>
+                  <a:t>Form factor </a:t>
+                </a:r>
+                <a14:m>
+                  <m:oMath xmlns:m="http://schemas.openxmlformats.org/officeDocument/2006/math">
+                    <m:sSup>
+                      <m:sSupPr>
+                        <m:ctrlPr>
+                          <a:rPr lang="en-US" altLang="zh-CN" b="0" i="1" smtClean="0">
+                            <a:latin typeface="Cambria Math" panose="02040503050406030204" pitchFamily="18" charset="0"/>
+                          </a:rPr>
+                        </m:ctrlPr>
+                      </m:sSupPr>
+                      <m:e>
+                        <m:d>
+                          <m:dPr>
+                            <m:begChr m:val="|"/>
+                            <m:endChr m:val="|"/>
+                            <m:ctrlPr>
+                              <a:rPr lang="en-US" altLang="zh-CN" b="0" i="1" smtClean="0">
+                                <a:latin typeface="Cambria Math" panose="02040503050406030204" pitchFamily="18" charset="0"/>
+                              </a:rPr>
+                            </m:ctrlPr>
+                          </m:dPr>
+                          <m:e>
+                            <m:r>
+                              <a:rPr lang="en-US" altLang="zh-CN" b="0" i="1" smtClean="0">
+                                <a:latin typeface="Cambria Math" panose="02040503050406030204" pitchFamily="18" charset="0"/>
+                              </a:rPr>
+                              <m:t>𝐹</m:t>
+                            </m:r>
+                            <m:d>
+                              <m:dPr>
+                                <m:ctrlPr>
+                                  <a:rPr lang="en-US" altLang="zh-CN" b="0" i="1" smtClean="0">
+                                    <a:latin typeface="Cambria Math" panose="02040503050406030204" pitchFamily="18" charset="0"/>
+                                  </a:rPr>
+                                </m:ctrlPr>
+                              </m:dPr>
+                              <m:e>
+                                <m:sSup>
+                                  <m:sSupPr>
+                                    <m:ctrlPr>
+                                      <a:rPr lang="en-US" altLang="zh-CN" b="0" i="1" smtClean="0">
+                                        <a:latin typeface="Cambria Math" panose="02040503050406030204" pitchFamily="18" charset="0"/>
+                                      </a:rPr>
+                                    </m:ctrlPr>
+                                  </m:sSupPr>
+                                  <m:e>
+                                    <m:r>
+                                      <a:rPr lang="en-US" altLang="zh-CN" b="0" i="1" smtClean="0">
+                                        <a:latin typeface="Cambria Math" panose="02040503050406030204" pitchFamily="18" charset="0"/>
+                                      </a:rPr>
+                                      <m:t>𝑞</m:t>
+                                    </m:r>
+                                  </m:e>
+                                  <m:sup>
+                                    <m:r>
+                                      <a:rPr lang="en-US" altLang="zh-CN" b="0" i="1" smtClean="0">
+                                        <a:latin typeface="Cambria Math" panose="02040503050406030204" pitchFamily="18" charset="0"/>
+                                      </a:rPr>
+                                      <m:t>2</m:t>
+                                    </m:r>
+                                  </m:sup>
+                                </m:sSup>
+                                <m:r>
+                                  <a:rPr lang="en-US" altLang="zh-CN" b="0" i="1" smtClean="0">
+                                    <a:latin typeface="Cambria Math" panose="02040503050406030204" pitchFamily="18" charset="0"/>
+                                  </a:rPr>
+                                  <m:t>=</m:t>
+                                </m:r>
+                                <m:r>
+                                  <a:rPr lang="en-US" altLang="zh-CN" b="0" i="1" smtClean="0">
+                                    <a:latin typeface="Cambria Math" panose="02040503050406030204" pitchFamily="18" charset="0"/>
+                                  </a:rPr>
+                                  <m:t>𝑡</m:t>
+                                </m:r>
+                              </m:e>
+                            </m:d>
+                          </m:e>
+                        </m:d>
+                      </m:e>
+                      <m:sup>
+                        <m:r>
+                          <a:rPr lang="en-US" altLang="zh-CN" b="0" i="1" smtClean="0">
+                            <a:latin typeface="Cambria Math" panose="02040503050406030204" pitchFamily="18" charset="0"/>
+                          </a:rPr>
+                          <m:t>2</m:t>
+                        </m:r>
+                      </m:sup>
+                    </m:sSup>
+                    <m:r>
+                      <a:rPr lang="en-US" altLang="zh-CN" b="0" i="1" smtClean="0">
+                        <a:latin typeface="Cambria Math" panose="02040503050406030204" pitchFamily="18" charset="0"/>
+                      </a:rPr>
+                      <m:t>=</m:t>
+                    </m:r>
+                    <m:sSup>
+                      <m:sSupPr>
+                        <m:ctrlPr>
+                          <a:rPr lang="en-US" altLang="zh-CN" b="0" i="1" smtClean="0">
+                            <a:latin typeface="Cambria Math" panose="02040503050406030204" pitchFamily="18" charset="0"/>
+                          </a:rPr>
+                        </m:ctrlPr>
+                      </m:sSupPr>
+                      <m:e>
+                        <m:r>
+                          <a:rPr lang="en-US" altLang="zh-CN" b="0" i="1" smtClean="0">
+                            <a:latin typeface="Cambria Math" panose="02040503050406030204" pitchFamily="18" charset="0"/>
+                          </a:rPr>
+                          <m:t>𝑍</m:t>
+                        </m:r>
+                      </m:e>
+                      <m:sup>
+                        <m:r>
+                          <a:rPr lang="en-US" altLang="zh-CN" b="0" i="1" smtClean="0">
+                            <a:latin typeface="Cambria Math" panose="02040503050406030204" pitchFamily="18" charset="0"/>
+                          </a:rPr>
+                          <m:t>2</m:t>
+                        </m:r>
+                      </m:sup>
+                    </m:sSup>
+                    <m:sSup>
+                      <m:sSupPr>
+                        <m:ctrlPr>
+                          <a:rPr lang="en-US" altLang="zh-CN" b="0" i="1" smtClean="0">
+                            <a:latin typeface="Cambria Math" panose="02040503050406030204" pitchFamily="18" charset="0"/>
+                          </a:rPr>
+                        </m:ctrlPr>
+                      </m:sSupPr>
+                      <m:e>
+                        <m:d>
+                          <m:dPr>
+                            <m:ctrlPr>
+                              <a:rPr lang="en-US" altLang="zh-CN" b="0" i="1" smtClean="0">
+                                <a:latin typeface="Cambria Math" panose="02040503050406030204" pitchFamily="18" charset="0"/>
+                              </a:rPr>
+                            </m:ctrlPr>
+                          </m:dPr>
+                          <m:e>
+                            <m:f>
+                              <m:fPr>
+                                <m:ctrlPr>
+                                  <a:rPr lang="en-US" altLang="zh-CN" b="0" i="1" smtClean="0">
+                                    <a:latin typeface="Cambria Math" panose="02040503050406030204" pitchFamily="18" charset="0"/>
+                                  </a:rPr>
+                                </m:ctrlPr>
+                              </m:fPr>
+                              <m:num>
+                                <m:r>
+                                  <a:rPr lang="en-US" altLang="zh-CN" b="0" i="1" smtClean="0">
+                                    <a:latin typeface="Cambria Math" panose="02040503050406030204" pitchFamily="18" charset="0"/>
+                                  </a:rPr>
+                                  <m:t>−</m:t>
+                                </m:r>
+                                <m:sSup>
+                                  <m:sSupPr>
+                                    <m:ctrlPr>
+                                      <a:rPr lang="en-US" altLang="zh-CN" b="0" i="1" smtClean="0">
+                                        <a:latin typeface="Cambria Math" panose="02040503050406030204" pitchFamily="18" charset="0"/>
+                                      </a:rPr>
+                                    </m:ctrlPr>
+                                  </m:sSupPr>
+                                  <m:e>
+                                    <m:r>
+                                      <a:rPr lang="en-US" altLang="zh-CN" b="0" i="1" smtClean="0">
+                                        <a:latin typeface="Cambria Math" panose="02040503050406030204" pitchFamily="18" charset="0"/>
+                                      </a:rPr>
+                                      <m:t>𝑎</m:t>
+                                    </m:r>
+                                  </m:e>
+                                  <m:sup>
+                                    <m:r>
+                                      <a:rPr lang="en-US" altLang="zh-CN" b="0" i="1" smtClean="0">
+                                        <a:latin typeface="Cambria Math" panose="02040503050406030204" pitchFamily="18" charset="0"/>
+                                      </a:rPr>
+                                      <m:t>2</m:t>
+                                    </m:r>
+                                  </m:sup>
+                                </m:sSup>
+                                <m:r>
+                                  <a:rPr lang="en-US" altLang="zh-CN" b="0" i="1" smtClean="0">
+                                    <a:latin typeface="Cambria Math" panose="02040503050406030204" pitchFamily="18" charset="0"/>
+                                  </a:rPr>
+                                  <m:t>𝑡</m:t>
+                                </m:r>
+                              </m:num>
+                              <m:den>
+                                <m:d>
+                                  <m:dPr>
+                                    <m:ctrlPr>
+                                      <a:rPr lang="en-US" altLang="zh-CN" b="0" i="1" smtClean="0">
+                                        <a:latin typeface="Cambria Math" panose="02040503050406030204" pitchFamily="18" charset="0"/>
+                                      </a:rPr>
+                                    </m:ctrlPr>
+                                  </m:dPr>
+                                  <m:e>
+                                    <m:r>
+                                      <a:rPr lang="en-US" altLang="zh-CN" b="0" i="1" smtClean="0">
+                                        <a:latin typeface="Cambria Math" panose="02040503050406030204" pitchFamily="18" charset="0"/>
+                                      </a:rPr>
+                                      <m:t>1−</m:t>
+                                    </m:r>
+                                    <m:sSup>
+                                      <m:sSupPr>
+                                        <m:ctrlPr>
+                                          <a:rPr lang="en-US" altLang="zh-CN" b="0" i="1" smtClean="0">
+                                            <a:latin typeface="Cambria Math" panose="02040503050406030204" pitchFamily="18" charset="0"/>
+                                          </a:rPr>
+                                        </m:ctrlPr>
+                                      </m:sSupPr>
+                                      <m:e>
+                                        <m:r>
+                                          <a:rPr lang="en-US" altLang="zh-CN" b="0" i="1" smtClean="0">
+                                            <a:latin typeface="Cambria Math" panose="02040503050406030204" pitchFamily="18" charset="0"/>
+                                          </a:rPr>
+                                          <m:t>𝑎</m:t>
+                                        </m:r>
+                                      </m:e>
+                                      <m:sup>
+                                        <m:r>
+                                          <a:rPr lang="en-US" altLang="zh-CN" b="0" i="1" smtClean="0">
+                                            <a:latin typeface="Cambria Math" panose="02040503050406030204" pitchFamily="18" charset="0"/>
+                                          </a:rPr>
+                                          <m:t>2</m:t>
+                                        </m:r>
+                                      </m:sup>
+                                    </m:sSup>
+                                    <m:r>
+                                      <a:rPr lang="en-US" altLang="zh-CN" b="0" i="1" smtClean="0">
+                                        <a:latin typeface="Cambria Math" panose="02040503050406030204" pitchFamily="18" charset="0"/>
+                                      </a:rPr>
+                                      <m:t>𝑡</m:t>
+                                    </m:r>
+                                  </m:e>
+                                </m:d>
+                              </m:den>
+                            </m:f>
+                            <m:f>
+                              <m:fPr>
+                                <m:ctrlPr>
+                                  <a:rPr lang="en-US" altLang="zh-CN" b="0" i="1" smtClean="0">
+                                    <a:latin typeface="Cambria Math" panose="02040503050406030204" pitchFamily="18" charset="0"/>
+                                  </a:rPr>
+                                </m:ctrlPr>
+                              </m:fPr>
+                              <m:num>
+                                <m:r>
+                                  <a:rPr lang="en-US" altLang="zh-CN" b="0" i="1" smtClean="0">
+                                    <a:latin typeface="Cambria Math" panose="02040503050406030204" pitchFamily="18" charset="0"/>
+                                  </a:rPr>
+                                  <m:t>1</m:t>
+                                </m:r>
+                              </m:num>
+                              <m:den>
+                                <m:d>
+                                  <m:dPr>
+                                    <m:ctrlPr>
+                                      <a:rPr lang="en-US" altLang="zh-CN" b="0" i="1" smtClean="0">
+                                        <a:latin typeface="Cambria Math" panose="02040503050406030204" pitchFamily="18" charset="0"/>
+                                      </a:rPr>
+                                    </m:ctrlPr>
+                                  </m:dPr>
+                                  <m:e>
+                                    <m:r>
+                                      <a:rPr lang="en-US" altLang="zh-CN" b="0" i="1" smtClean="0">
+                                        <a:latin typeface="Cambria Math" panose="02040503050406030204" pitchFamily="18" charset="0"/>
+                                      </a:rPr>
+                                      <m:t>1−</m:t>
+                                    </m:r>
+                                    <m:f>
+                                      <m:fPr>
+                                        <m:ctrlPr>
+                                          <a:rPr lang="en-US" altLang="zh-CN" b="0" i="1" smtClean="0">
+                                            <a:latin typeface="Cambria Math" panose="02040503050406030204" pitchFamily="18" charset="0"/>
+                                          </a:rPr>
+                                        </m:ctrlPr>
+                                      </m:fPr>
+                                      <m:num>
+                                        <m:r>
+                                          <a:rPr lang="en-US" altLang="zh-CN" b="0" i="1" smtClean="0">
+                                            <a:latin typeface="Cambria Math" panose="02040503050406030204" pitchFamily="18" charset="0"/>
+                                          </a:rPr>
+                                          <m:t>𝑡</m:t>
+                                        </m:r>
+                                      </m:num>
+                                      <m:den>
+                                        <m:r>
+                                          <a:rPr lang="en-US" altLang="zh-CN" b="0" i="1" smtClean="0">
+                                            <a:latin typeface="Cambria Math" panose="02040503050406030204" pitchFamily="18" charset="0"/>
+                                          </a:rPr>
+                                          <m:t>𝑑</m:t>
+                                        </m:r>
+                                      </m:den>
+                                    </m:f>
+                                  </m:e>
+                                </m:d>
+                              </m:den>
+                            </m:f>
+                          </m:e>
+                        </m:d>
+                      </m:e>
+                      <m:sup>
+                        <m:r>
+                          <a:rPr lang="en-US" altLang="zh-CN" b="0" i="1" smtClean="0">
+                            <a:latin typeface="Cambria Math" panose="02040503050406030204" pitchFamily="18" charset="0"/>
+                          </a:rPr>
+                          <m:t>2</m:t>
+                        </m:r>
+                      </m:sup>
+                    </m:sSup>
+                    <m:r>
+                      <a:rPr lang="en-US" altLang="zh-CN" b="0" i="1" smtClean="0">
+                        <a:latin typeface="Cambria Math" panose="02040503050406030204" pitchFamily="18" charset="0"/>
+                      </a:rPr>
+                      <m:t>+</m:t>
+                    </m:r>
+                    <m:r>
+                      <a:rPr lang="en-US" altLang="zh-CN" b="0" i="1" smtClean="0">
+                        <a:latin typeface="Cambria Math" panose="02040503050406030204" pitchFamily="18" charset="0"/>
+                      </a:rPr>
+                      <m:t>𝑍</m:t>
+                    </m:r>
+                    <m:sSup>
+                      <m:sSupPr>
+                        <m:ctrlPr>
+                          <a:rPr lang="en-US" altLang="zh-CN" b="0" i="1" smtClean="0">
+                            <a:latin typeface="Cambria Math" panose="02040503050406030204" pitchFamily="18" charset="0"/>
+                          </a:rPr>
+                        </m:ctrlPr>
+                      </m:sSupPr>
+                      <m:e>
+                        <m:d>
+                          <m:dPr>
+                            <m:ctrlPr>
+                              <a:rPr lang="en-US" altLang="zh-CN" b="0" i="1" smtClean="0">
+                                <a:latin typeface="Cambria Math" panose="02040503050406030204" pitchFamily="18" charset="0"/>
+                              </a:rPr>
+                            </m:ctrlPr>
+                          </m:dPr>
+                          <m:e>
+                            <m:f>
+                              <m:fPr>
+                                <m:ctrlPr>
+                                  <a:rPr lang="en-US" altLang="zh-CN" b="0" i="1" smtClean="0">
+                                    <a:latin typeface="Cambria Math" panose="02040503050406030204" pitchFamily="18" charset="0"/>
+                                  </a:rPr>
+                                </m:ctrlPr>
+                              </m:fPr>
+                              <m:num>
+                                <m:r>
+                                  <a:rPr lang="en-US" altLang="zh-CN" b="0" i="1" smtClean="0">
+                                    <a:latin typeface="Cambria Math" panose="02040503050406030204" pitchFamily="18" charset="0"/>
+                                  </a:rPr>
+                                  <m:t>−</m:t>
+                                </m:r>
+                                <m:sSup>
+                                  <m:sSupPr>
+                                    <m:ctrlPr>
+                                      <a:rPr lang="en-US" altLang="zh-CN" b="0" i="1" smtClean="0">
+                                        <a:latin typeface="Cambria Math" panose="02040503050406030204" pitchFamily="18" charset="0"/>
+                                      </a:rPr>
+                                    </m:ctrlPr>
+                                  </m:sSupPr>
+                                  <m:e>
+                                    <m:sSup>
+                                      <m:sSupPr>
+                                        <m:ctrlPr>
+                                          <a:rPr lang="en-US" altLang="zh-CN" b="0" i="1" smtClean="0">
+                                            <a:latin typeface="Cambria Math" panose="02040503050406030204" pitchFamily="18" charset="0"/>
+                                          </a:rPr>
+                                        </m:ctrlPr>
+                                      </m:sSupPr>
+                                      <m:e>
+                                        <m:r>
+                                          <a:rPr lang="en-US" altLang="zh-CN" b="0" i="1" smtClean="0">
+                                            <a:latin typeface="Cambria Math" panose="02040503050406030204" pitchFamily="18" charset="0"/>
+                                          </a:rPr>
+                                          <m:t>𝑎</m:t>
+                                        </m:r>
+                                      </m:e>
+                                      <m:sup>
+                                        <m:r>
+                                          <a:rPr lang="en-US" altLang="zh-CN" b="0" i="1" smtClean="0">
+                                            <a:latin typeface="Cambria Math" panose="02040503050406030204" pitchFamily="18" charset="0"/>
+                                          </a:rPr>
+                                          <m:t>′</m:t>
+                                        </m:r>
+                                      </m:sup>
+                                    </m:sSup>
+                                  </m:e>
+                                  <m:sup>
+                                    <m:r>
+                                      <a:rPr lang="en-US" altLang="zh-CN" b="0" i="1" smtClean="0">
+                                        <a:latin typeface="Cambria Math" panose="02040503050406030204" pitchFamily="18" charset="0"/>
+                                      </a:rPr>
+                                      <m:t>2</m:t>
+                                    </m:r>
+                                  </m:sup>
+                                </m:sSup>
+                                <m:r>
+                                  <a:rPr lang="en-US" altLang="zh-CN" b="0" i="1" smtClean="0">
+                                    <a:latin typeface="Cambria Math" panose="02040503050406030204" pitchFamily="18" charset="0"/>
+                                  </a:rPr>
+                                  <m:t>𝑡</m:t>
+                                </m:r>
+                              </m:num>
+                              <m:den>
+                                <m:r>
+                                  <a:rPr lang="en-US" altLang="zh-CN" b="0" i="1" smtClean="0">
+                                    <a:latin typeface="Cambria Math" panose="02040503050406030204" pitchFamily="18" charset="0"/>
+                                  </a:rPr>
+                                  <m:t>1−</m:t>
+                                </m:r>
+                                <m:sSup>
+                                  <m:sSupPr>
+                                    <m:ctrlPr>
+                                      <a:rPr lang="en-US" altLang="zh-CN" b="0" i="1" smtClean="0">
+                                        <a:latin typeface="Cambria Math" panose="02040503050406030204" pitchFamily="18" charset="0"/>
+                                      </a:rPr>
+                                    </m:ctrlPr>
+                                  </m:sSupPr>
+                                  <m:e>
+                                    <m:sSup>
+                                      <m:sSupPr>
+                                        <m:ctrlPr>
+                                          <a:rPr lang="en-US" altLang="zh-CN" b="0" i="1" smtClean="0">
+                                            <a:latin typeface="Cambria Math" panose="02040503050406030204" pitchFamily="18" charset="0"/>
+                                          </a:rPr>
+                                        </m:ctrlPr>
+                                      </m:sSupPr>
+                                      <m:e>
+                                        <m:r>
+                                          <a:rPr lang="en-US" altLang="zh-CN" b="0" i="1" smtClean="0">
+                                            <a:latin typeface="Cambria Math" panose="02040503050406030204" pitchFamily="18" charset="0"/>
+                                          </a:rPr>
+                                          <m:t>𝑎</m:t>
+                                        </m:r>
+                                      </m:e>
+                                      <m:sup>
+                                        <m:r>
+                                          <a:rPr lang="en-US" altLang="zh-CN" b="0" i="1" smtClean="0">
+                                            <a:latin typeface="Cambria Math" panose="02040503050406030204" pitchFamily="18" charset="0"/>
+                                          </a:rPr>
+                                          <m:t>′</m:t>
+                                        </m:r>
+                                      </m:sup>
+                                    </m:sSup>
+                                  </m:e>
+                                  <m:sup>
+                                    <m:r>
+                                      <a:rPr lang="en-US" altLang="zh-CN" b="0" i="1" smtClean="0">
+                                        <a:latin typeface="Cambria Math" panose="02040503050406030204" pitchFamily="18" charset="0"/>
+                                      </a:rPr>
+                                      <m:t>2</m:t>
+                                    </m:r>
+                                  </m:sup>
+                                </m:sSup>
+                                <m:r>
+                                  <a:rPr lang="en-US" altLang="zh-CN" b="0" i="1" smtClean="0">
+                                    <a:latin typeface="Cambria Math" panose="02040503050406030204" pitchFamily="18" charset="0"/>
+                                  </a:rPr>
+                                  <m:t>𝑡</m:t>
+                                </m:r>
+                              </m:den>
+                            </m:f>
+                          </m:e>
+                        </m:d>
+                      </m:e>
+                      <m:sup>
+                        <m:r>
+                          <a:rPr lang="en-US" altLang="zh-CN" b="0" i="1" smtClean="0">
+                            <a:latin typeface="Cambria Math" panose="02040503050406030204" pitchFamily="18" charset="0"/>
+                          </a:rPr>
+                          <m:t>2</m:t>
+                        </m:r>
+                      </m:sup>
+                    </m:sSup>
+                    <m:d>
+                      <m:dPr>
+                        <m:ctrlPr>
+                          <a:rPr lang="en-US" altLang="zh-CN" b="0" i="1" smtClean="0">
+                            <a:latin typeface="Cambria Math" panose="02040503050406030204" pitchFamily="18" charset="0"/>
+                          </a:rPr>
+                        </m:ctrlPr>
+                      </m:dPr>
+                      <m:e>
+                        <m:f>
+                          <m:fPr>
+                            <m:ctrlPr>
+                              <a:rPr lang="en-US" altLang="zh-CN" b="0" i="1" smtClean="0">
+                                <a:latin typeface="Cambria Math" panose="02040503050406030204" pitchFamily="18" charset="0"/>
+                              </a:rPr>
+                            </m:ctrlPr>
+                          </m:fPr>
+                          <m:num>
+                            <m:r>
+                              <a:rPr lang="en-US" altLang="zh-CN" b="0" i="1" smtClean="0">
+                                <a:latin typeface="Cambria Math" panose="02040503050406030204" pitchFamily="18" charset="0"/>
+                              </a:rPr>
+                              <m:t>1−</m:t>
+                            </m:r>
+                            <m:f>
+                              <m:fPr>
+                                <m:ctrlPr>
+                                  <a:rPr lang="en-US" altLang="zh-CN" b="0" i="1" smtClean="0">
+                                    <a:latin typeface="Cambria Math" panose="02040503050406030204" pitchFamily="18" charset="0"/>
+                                  </a:rPr>
+                                </m:ctrlPr>
+                              </m:fPr>
+                              <m:num>
+                                <m:r>
+                                  <a:rPr lang="en-US" altLang="zh-CN" b="0" i="1" smtClean="0">
+                                    <a:latin typeface="Cambria Math" panose="02040503050406030204" pitchFamily="18" charset="0"/>
+                                  </a:rPr>
+                                  <m:t>𝑡</m:t>
+                                </m:r>
+                              </m:num>
+                              <m:den>
+                                <m:r>
+                                  <a:rPr lang="en-US" altLang="zh-CN" b="0" i="1" smtClean="0">
+                                    <a:latin typeface="Cambria Math" panose="02040503050406030204" pitchFamily="18" charset="0"/>
+                                  </a:rPr>
+                                  <m:t>4</m:t>
+                                </m:r>
+                                <m:sSubSup>
+                                  <m:sSubSupPr>
+                                    <m:ctrlPr>
+                                      <a:rPr lang="en-US" altLang="zh-CN" b="0" i="1" smtClean="0">
+                                        <a:latin typeface="Cambria Math" panose="02040503050406030204" pitchFamily="18" charset="0"/>
+                                      </a:rPr>
+                                    </m:ctrlPr>
+                                  </m:sSubSupPr>
+                                  <m:e>
+                                    <m:r>
+                                      <a:rPr lang="en-US" altLang="zh-CN" b="0" i="1" smtClean="0">
+                                        <a:latin typeface="Cambria Math" panose="02040503050406030204" pitchFamily="18" charset="0"/>
+                                      </a:rPr>
+                                      <m:t>𝑚</m:t>
+                                    </m:r>
+                                  </m:e>
+                                  <m:sub>
+                                    <m:r>
+                                      <a:rPr lang="en-US" altLang="zh-CN" b="0" i="1" smtClean="0">
+                                        <a:latin typeface="Cambria Math" panose="02040503050406030204" pitchFamily="18" charset="0"/>
+                                      </a:rPr>
+                                      <m:t>𝑝</m:t>
+                                    </m:r>
+                                  </m:sub>
+                                  <m:sup>
+                                    <m:r>
+                                      <a:rPr lang="en-US" altLang="zh-CN" b="0" i="1" smtClean="0">
+                                        <a:latin typeface="Cambria Math" panose="02040503050406030204" pitchFamily="18" charset="0"/>
+                                      </a:rPr>
+                                      <m:t>2</m:t>
+                                    </m:r>
+                                  </m:sup>
+                                </m:sSubSup>
+                              </m:den>
+                            </m:f>
+                            <m:r>
+                              <a:rPr lang="en-US" altLang="zh-CN" b="0" i="1" smtClean="0">
+                                <a:latin typeface="Cambria Math" panose="02040503050406030204" pitchFamily="18" charset="0"/>
+                              </a:rPr>
+                              <m:t>(</m:t>
+                            </m:r>
+                            <m:sSubSup>
+                              <m:sSubSupPr>
+                                <m:ctrlPr>
+                                  <a:rPr lang="en-US" altLang="zh-CN" b="0" i="1" smtClean="0">
+                                    <a:latin typeface="Cambria Math" panose="02040503050406030204" pitchFamily="18" charset="0"/>
+                                  </a:rPr>
+                                </m:ctrlPr>
+                              </m:sSubSupPr>
+                              <m:e>
+                                <m:r>
+                                  <a:rPr lang="en-US" altLang="zh-CN" b="0" i="1" smtClean="0">
+                                    <a:latin typeface="Cambria Math" panose="02040503050406030204" pitchFamily="18" charset="0"/>
+                                  </a:rPr>
+                                  <m:t>𝜇</m:t>
+                                </m:r>
+                              </m:e>
+                              <m:sub>
+                                <m:r>
+                                  <a:rPr lang="en-US" altLang="zh-CN" b="0" i="1" smtClean="0">
+                                    <a:latin typeface="Cambria Math" panose="02040503050406030204" pitchFamily="18" charset="0"/>
+                                  </a:rPr>
+                                  <m:t>𝑝</m:t>
+                                </m:r>
+                              </m:sub>
+                              <m:sup>
+                                <m:r>
+                                  <a:rPr lang="en-US" altLang="zh-CN" b="0" i="1" smtClean="0">
+                                    <a:latin typeface="Cambria Math" panose="02040503050406030204" pitchFamily="18" charset="0"/>
+                                  </a:rPr>
+                                  <m:t>2</m:t>
+                                </m:r>
+                              </m:sup>
+                            </m:sSubSup>
+                            <m:r>
+                              <a:rPr lang="en-US" altLang="zh-CN" b="0" i="1" smtClean="0">
+                                <a:latin typeface="Cambria Math" panose="02040503050406030204" pitchFamily="18" charset="0"/>
+                              </a:rPr>
+                              <m:t>−1)</m:t>
+                            </m:r>
+                          </m:num>
+                          <m:den>
+                            <m:sSup>
+                              <m:sSupPr>
+                                <m:ctrlPr>
+                                  <a:rPr lang="en-US" altLang="zh-CN" b="0" i="1" smtClean="0">
+                                    <a:latin typeface="Cambria Math" panose="02040503050406030204" pitchFamily="18" charset="0"/>
+                                  </a:rPr>
+                                </m:ctrlPr>
+                              </m:sSupPr>
+                              <m:e>
+                                <m:d>
+                                  <m:dPr>
+                                    <m:ctrlPr>
+                                      <a:rPr lang="en-US" altLang="zh-CN" b="0" i="1" smtClean="0">
+                                        <a:latin typeface="Cambria Math" panose="02040503050406030204" pitchFamily="18" charset="0"/>
+                                      </a:rPr>
+                                    </m:ctrlPr>
+                                  </m:dPr>
+                                  <m:e>
+                                    <m:r>
+                                      <a:rPr lang="en-US" altLang="zh-CN" b="0" i="1" smtClean="0">
+                                        <a:latin typeface="Cambria Math" panose="02040503050406030204" pitchFamily="18" charset="0"/>
+                                      </a:rPr>
+                                      <m:t>1−</m:t>
+                                    </m:r>
+                                    <m:r>
+                                      <a:rPr lang="en-US" altLang="zh-CN" b="0" i="1" smtClean="0">
+                                        <a:latin typeface="Cambria Math" panose="02040503050406030204" pitchFamily="18" charset="0"/>
+                                      </a:rPr>
+                                      <m:t>𝑡</m:t>
+                                    </m:r>
+                                    <m:r>
+                                      <a:rPr lang="en-US" altLang="zh-CN" b="0" i="1" smtClean="0">
+                                        <a:latin typeface="Cambria Math" panose="02040503050406030204" pitchFamily="18" charset="0"/>
+                                      </a:rPr>
+                                      <m:t>/</m:t>
+                                    </m:r>
+                                    <m:sSubSup>
+                                      <m:sSubSupPr>
+                                        <m:ctrlPr>
+                                          <a:rPr lang="en-US" altLang="zh-CN" b="0" i="1" smtClean="0">
+                                            <a:latin typeface="Cambria Math" panose="02040503050406030204" pitchFamily="18" charset="0"/>
+                                          </a:rPr>
+                                        </m:ctrlPr>
+                                      </m:sSubSupPr>
+                                      <m:e>
+                                        <m:r>
+                                          <m:rPr>
+                                            <m:sty m:val="p"/>
+                                          </m:rPr>
+                                          <a:rPr lang="en-US" altLang="zh-CN" b="0" i="0" smtClean="0">
+                                            <a:latin typeface="Cambria Math" panose="02040503050406030204" pitchFamily="18" charset="0"/>
+                                          </a:rPr>
+                                          <m:t>Λ</m:t>
+                                        </m:r>
+                                      </m:e>
+                                      <m:sub>
+                                        <m:r>
+                                          <a:rPr lang="en-US" altLang="zh-CN" b="0" i="1" smtClean="0">
+                                            <a:latin typeface="Cambria Math" panose="02040503050406030204" pitchFamily="18" charset="0"/>
+                                          </a:rPr>
+                                          <m:t>𝐻</m:t>
+                                        </m:r>
+                                      </m:sub>
+                                      <m:sup>
+                                        <m:r>
+                                          <a:rPr lang="en-US" altLang="zh-CN" b="0" i="1" smtClean="0">
+                                            <a:latin typeface="Cambria Math" panose="02040503050406030204" pitchFamily="18" charset="0"/>
+                                          </a:rPr>
+                                          <m:t>2</m:t>
+                                        </m:r>
+                                      </m:sup>
+                                    </m:sSubSup>
+                                  </m:e>
+                                </m:d>
+                              </m:e>
+                              <m:sup>
+                                <m:r>
+                                  <a:rPr lang="en-US" altLang="zh-CN" b="0" i="1" smtClean="0">
+                                    <a:latin typeface="Cambria Math" panose="02040503050406030204" pitchFamily="18" charset="0"/>
+                                  </a:rPr>
+                                  <m:t>4</m:t>
+                                </m:r>
+                              </m:sup>
+                            </m:sSup>
+                          </m:den>
+                        </m:f>
+                      </m:e>
+                    </m:d>
+                  </m:oMath>
+                </a14:m>
+                <a:endParaRPr lang="en-US" altLang="zh-CN" dirty="0"/>
+              </a:p>
+              <a:p>
+                <a:pPr lvl="1"/>
+                <a:endParaRPr lang="en-US" altLang="zh-CN" b="0" i="1" dirty="0">
+                  <a:latin typeface="Cambria Math" panose="02040503050406030204" pitchFamily="18" charset="0"/>
+                </a:endParaRPr>
+              </a:p>
+              <a:p>
+                <a:pPr lvl="1"/>
+                <a14:m>
+                  <m:oMath xmlns:m="http://schemas.openxmlformats.org/officeDocument/2006/math">
+                    <m:r>
+                      <a:rPr lang="en-US" altLang="zh-CN" b="0" i="1" smtClean="0">
+                        <a:latin typeface="Cambria Math" panose="02040503050406030204" pitchFamily="18" charset="0"/>
+                      </a:rPr>
+                      <m:t>𝑎</m:t>
+                    </m:r>
+                    <m:r>
+                      <a:rPr lang="en-US" altLang="zh-CN" b="0" i="1" smtClean="0">
+                        <a:latin typeface="Cambria Math" panose="02040503050406030204" pitchFamily="18" charset="0"/>
+                      </a:rPr>
+                      <m:t>=</m:t>
+                    </m:r>
+                    <m:f>
+                      <m:fPr>
+                        <m:ctrlPr>
+                          <a:rPr lang="en-US" altLang="zh-CN" b="0" i="1" smtClean="0">
+                            <a:latin typeface="Cambria Math" panose="02040503050406030204" pitchFamily="18" charset="0"/>
+                          </a:rPr>
+                        </m:ctrlPr>
+                      </m:fPr>
+                      <m:num>
+                        <m:r>
+                          <a:rPr lang="en-US" altLang="zh-CN" b="0" i="1" smtClean="0">
+                            <a:latin typeface="Cambria Math" panose="02040503050406030204" pitchFamily="18" charset="0"/>
+                          </a:rPr>
+                          <m:t>111</m:t>
+                        </m:r>
+                      </m:num>
+                      <m:den>
+                        <m:sSup>
+                          <m:sSupPr>
+                            <m:ctrlPr>
+                              <a:rPr lang="en-US" altLang="zh-CN" b="0" i="1" smtClean="0">
+                                <a:latin typeface="Cambria Math" panose="02040503050406030204" pitchFamily="18" charset="0"/>
+                              </a:rPr>
+                            </m:ctrlPr>
+                          </m:sSupPr>
+                          <m:e>
+                            <m:r>
+                              <a:rPr lang="en-US" altLang="zh-CN" b="0" i="1" smtClean="0">
+                                <a:latin typeface="Cambria Math" panose="02040503050406030204" pitchFamily="18" charset="0"/>
+                              </a:rPr>
+                              <m:t>𝑍</m:t>
+                            </m:r>
+                          </m:e>
+                          <m:sup>
+                            <m:r>
+                              <a:rPr lang="en-US" altLang="zh-CN" b="0" i="1" smtClean="0">
+                                <a:latin typeface="Cambria Math" panose="02040503050406030204" pitchFamily="18" charset="0"/>
+                              </a:rPr>
+                              <m:t>1/3</m:t>
+                            </m:r>
+                          </m:sup>
+                        </m:sSup>
+                        <m:sSub>
+                          <m:sSubPr>
+                            <m:ctrlPr>
+                              <a:rPr lang="en-US" altLang="zh-CN" b="0" i="1" smtClean="0">
+                                <a:latin typeface="Cambria Math" panose="02040503050406030204" pitchFamily="18" charset="0"/>
+                              </a:rPr>
+                            </m:ctrlPr>
+                          </m:sSubPr>
+                          <m:e>
+                            <m:r>
+                              <a:rPr lang="en-US" altLang="zh-CN" b="0" i="1" smtClean="0">
+                                <a:latin typeface="Cambria Math" panose="02040503050406030204" pitchFamily="18" charset="0"/>
+                              </a:rPr>
+                              <m:t>𝑚</m:t>
+                            </m:r>
+                          </m:e>
+                          <m:sub>
+                            <m:r>
+                              <a:rPr lang="en-US" altLang="zh-CN" b="0" i="1" smtClean="0">
+                                <a:latin typeface="Cambria Math" panose="02040503050406030204" pitchFamily="18" charset="0"/>
+                              </a:rPr>
+                              <m:t>𝑒</m:t>
+                            </m:r>
+                          </m:sub>
+                        </m:sSub>
+                      </m:den>
+                    </m:f>
+                  </m:oMath>
+                </a14:m>
+                <a:r>
+                  <a:rPr lang="en-US" altLang="zh-CN" dirty="0"/>
+                  <a:t>,  </a:t>
+                </a:r>
+                <a14:m>
+                  <m:oMath xmlns:m="http://schemas.openxmlformats.org/officeDocument/2006/math">
+                    <m:r>
+                      <a:rPr lang="en-US" altLang="zh-CN" b="0" i="1" dirty="0" smtClean="0">
+                        <a:latin typeface="Cambria Math" panose="02040503050406030204" pitchFamily="18" charset="0"/>
+                      </a:rPr>
+                      <m:t>𝑑</m:t>
+                    </m:r>
+                    <m:r>
+                      <a:rPr lang="en-US" altLang="zh-CN" b="0" i="1" dirty="0" smtClean="0">
+                        <a:latin typeface="Cambria Math" panose="02040503050406030204" pitchFamily="18" charset="0"/>
+                      </a:rPr>
+                      <m:t>=0.164∗</m:t>
+                    </m:r>
+                    <m:sSup>
+                      <m:sSupPr>
+                        <m:ctrlPr>
+                          <a:rPr lang="en-US" altLang="zh-CN" b="0" i="1" dirty="0" smtClean="0">
+                            <a:latin typeface="Cambria Math" panose="02040503050406030204" pitchFamily="18" charset="0"/>
+                          </a:rPr>
+                        </m:ctrlPr>
+                      </m:sSupPr>
+                      <m:e>
+                        <m:r>
+                          <a:rPr lang="en-US" altLang="zh-CN" b="0" i="1" dirty="0" smtClean="0">
+                            <a:latin typeface="Cambria Math" panose="02040503050406030204" pitchFamily="18" charset="0"/>
+                          </a:rPr>
+                          <m:t>𝐴</m:t>
+                        </m:r>
+                      </m:e>
+                      <m:sup>
+                        <m:r>
+                          <a:rPr lang="en-US" altLang="zh-CN" b="0" i="1" dirty="0" smtClean="0">
+                            <a:latin typeface="Cambria Math" panose="02040503050406030204" pitchFamily="18" charset="0"/>
+                          </a:rPr>
+                          <m:t>−2/3</m:t>
+                        </m:r>
+                      </m:sup>
+                    </m:sSup>
+                    <m:r>
+                      <a:rPr lang="en-US" altLang="zh-CN" b="0" i="1" dirty="0" smtClean="0">
+                        <a:latin typeface="Cambria Math" panose="02040503050406030204" pitchFamily="18" charset="0"/>
+                      </a:rPr>
+                      <m:t> </m:t>
+                    </m:r>
+                    <m:sSup>
+                      <m:sSupPr>
+                        <m:ctrlPr>
+                          <a:rPr lang="en-US" altLang="zh-CN" b="0" i="1" dirty="0" smtClean="0">
+                            <a:latin typeface="Cambria Math" panose="02040503050406030204" pitchFamily="18" charset="0"/>
+                          </a:rPr>
+                        </m:ctrlPr>
+                      </m:sSupPr>
+                      <m:e>
+                        <m:r>
+                          <m:rPr>
+                            <m:sty m:val="p"/>
+                          </m:rPr>
+                          <a:rPr lang="en-US" altLang="zh-CN" b="0" i="0" dirty="0" smtClean="0">
+                            <a:latin typeface="Cambria Math" panose="02040503050406030204" pitchFamily="18" charset="0"/>
+                          </a:rPr>
+                          <m:t>GeV</m:t>
+                        </m:r>
+                      </m:e>
+                      <m:sup>
+                        <m:r>
+                          <a:rPr lang="en-US" altLang="zh-CN" b="0" i="0" dirty="0" smtClean="0">
+                            <a:latin typeface="Cambria Math" panose="02040503050406030204" pitchFamily="18" charset="0"/>
+                          </a:rPr>
+                          <m:t>2</m:t>
+                        </m:r>
+                      </m:sup>
+                    </m:sSup>
+                  </m:oMath>
+                </a14:m>
+                <a:r>
+                  <a:rPr lang="en-US" altLang="zh-CN" dirty="0"/>
+                  <a:t>,  </a:t>
+                </a:r>
+                <a14:m>
+                  <m:oMath xmlns:m="http://schemas.openxmlformats.org/officeDocument/2006/math">
+                    <m:r>
+                      <a:rPr lang="en-US" altLang="zh-CN" i="1">
+                        <a:latin typeface="Cambria Math" panose="02040503050406030204" pitchFamily="18" charset="0"/>
+                      </a:rPr>
+                      <m:t>𝑎</m:t>
+                    </m:r>
+                    <m:r>
+                      <a:rPr lang="en-US" altLang="zh-CN" b="0" i="1" smtClean="0">
+                        <a:latin typeface="Cambria Math" panose="02040503050406030204" pitchFamily="18" charset="0"/>
+                      </a:rPr>
+                      <m:t>′</m:t>
+                    </m:r>
+                    <m:r>
+                      <a:rPr lang="en-US" altLang="zh-CN" i="1">
+                        <a:latin typeface="Cambria Math" panose="02040503050406030204" pitchFamily="18" charset="0"/>
+                      </a:rPr>
+                      <m:t>=</m:t>
+                    </m:r>
+                    <m:f>
+                      <m:fPr>
+                        <m:ctrlPr>
+                          <a:rPr lang="en-US" altLang="zh-CN" i="1">
+                            <a:latin typeface="Cambria Math" panose="02040503050406030204" pitchFamily="18" charset="0"/>
+                          </a:rPr>
+                        </m:ctrlPr>
+                      </m:fPr>
+                      <m:num>
+                        <m:r>
+                          <a:rPr lang="en-US" altLang="zh-CN" b="0" i="1" smtClean="0">
+                            <a:latin typeface="Cambria Math" panose="02040503050406030204" pitchFamily="18" charset="0"/>
+                          </a:rPr>
+                          <m:t>773</m:t>
+                        </m:r>
+                      </m:num>
+                      <m:den>
+                        <m:sSup>
+                          <m:sSupPr>
+                            <m:ctrlPr>
+                              <a:rPr lang="en-US" altLang="zh-CN" i="1">
+                                <a:latin typeface="Cambria Math" panose="02040503050406030204" pitchFamily="18" charset="0"/>
+                              </a:rPr>
+                            </m:ctrlPr>
+                          </m:sSupPr>
+                          <m:e>
+                            <m:r>
+                              <a:rPr lang="en-US" altLang="zh-CN" i="1">
+                                <a:latin typeface="Cambria Math" panose="02040503050406030204" pitchFamily="18" charset="0"/>
+                              </a:rPr>
+                              <m:t>𝑍</m:t>
+                            </m:r>
+                          </m:e>
+                          <m:sup>
+                            <m:r>
+                              <a:rPr lang="en-US" altLang="zh-CN" b="0" i="1" smtClean="0">
+                                <a:latin typeface="Cambria Math" panose="02040503050406030204" pitchFamily="18" charset="0"/>
+                              </a:rPr>
+                              <m:t>2</m:t>
+                            </m:r>
+                            <m:r>
+                              <a:rPr lang="en-US" altLang="zh-CN" i="1">
+                                <a:latin typeface="Cambria Math" panose="02040503050406030204" pitchFamily="18" charset="0"/>
+                              </a:rPr>
+                              <m:t>/3</m:t>
+                            </m:r>
+                          </m:sup>
+                        </m:sSup>
+                        <m:sSub>
+                          <m:sSubPr>
+                            <m:ctrlPr>
+                              <a:rPr lang="en-US" altLang="zh-CN" i="1">
+                                <a:latin typeface="Cambria Math" panose="02040503050406030204" pitchFamily="18" charset="0"/>
+                              </a:rPr>
+                            </m:ctrlPr>
+                          </m:sSubPr>
+                          <m:e>
+                            <m:r>
+                              <a:rPr lang="en-US" altLang="zh-CN" i="1">
+                                <a:latin typeface="Cambria Math" panose="02040503050406030204" pitchFamily="18" charset="0"/>
+                              </a:rPr>
+                              <m:t>𝑚</m:t>
+                            </m:r>
+                          </m:e>
+                          <m:sub>
+                            <m:r>
+                              <a:rPr lang="en-US" altLang="zh-CN" i="1">
+                                <a:latin typeface="Cambria Math" panose="02040503050406030204" pitchFamily="18" charset="0"/>
+                              </a:rPr>
+                              <m:t>𝑒</m:t>
+                            </m:r>
+                          </m:sub>
+                        </m:sSub>
+                      </m:den>
+                    </m:f>
+                  </m:oMath>
+                </a14:m>
+                <a:r>
+                  <a:rPr lang="en-US" altLang="zh-CN" dirty="0"/>
+                  <a:t> ,  </a:t>
+                </a:r>
+                <a14:m>
+                  <m:oMath xmlns:m="http://schemas.openxmlformats.org/officeDocument/2006/math">
+                    <m:sSub>
+                      <m:sSubPr>
+                        <m:ctrlPr>
+                          <a:rPr lang="en-US" altLang="zh-CN" b="0" i="1" smtClean="0">
+                            <a:latin typeface="Cambria Math" panose="02040503050406030204" pitchFamily="18" charset="0"/>
+                          </a:rPr>
+                        </m:ctrlPr>
+                      </m:sSubPr>
+                      <m:e>
+                        <m:r>
+                          <m:rPr>
+                            <m:sty m:val="p"/>
+                          </m:rPr>
+                          <a:rPr lang="en-US" altLang="zh-CN" b="0" i="0" smtClean="0">
+                            <a:latin typeface="Cambria Math" panose="02040503050406030204" pitchFamily="18" charset="0"/>
+                          </a:rPr>
+                          <m:t>Λ</m:t>
+                        </m:r>
+                      </m:e>
+                      <m:sub>
+                        <m:r>
+                          <a:rPr lang="en-US" altLang="zh-CN" b="0" i="1" smtClean="0">
+                            <a:latin typeface="Cambria Math" panose="02040503050406030204" pitchFamily="18" charset="0"/>
+                          </a:rPr>
+                          <m:t>𝐻</m:t>
+                        </m:r>
+                      </m:sub>
+                    </m:sSub>
+                    <m:r>
+                      <a:rPr lang="en-US" altLang="zh-CN" b="0" i="1" smtClean="0">
+                        <a:latin typeface="Cambria Math" panose="02040503050406030204" pitchFamily="18" charset="0"/>
+                      </a:rPr>
+                      <m:t>=0.84</m:t>
+                    </m:r>
+                  </m:oMath>
+                </a14:m>
+                <a:r>
+                  <a:rPr lang="en-US" altLang="zh-CN" dirty="0"/>
+                  <a:t> GeV,  </a:t>
+                </a:r>
+                <a14:m>
+                  <m:oMath xmlns:m="http://schemas.openxmlformats.org/officeDocument/2006/math">
+                    <m:sSub>
+                      <m:sSubPr>
+                        <m:ctrlPr>
+                          <a:rPr lang="en-US" altLang="zh-CN" b="0" i="1" smtClean="0">
+                            <a:latin typeface="Cambria Math" panose="02040503050406030204" pitchFamily="18" charset="0"/>
+                          </a:rPr>
+                        </m:ctrlPr>
+                      </m:sSubPr>
+                      <m:e>
+                        <m:r>
+                          <a:rPr lang="en-US" altLang="zh-CN" b="0" i="1" smtClean="0">
+                            <a:latin typeface="Cambria Math" panose="02040503050406030204" pitchFamily="18" charset="0"/>
+                          </a:rPr>
+                          <m:t>𝜇</m:t>
+                        </m:r>
+                      </m:e>
+                      <m:sub>
+                        <m:r>
+                          <a:rPr lang="en-US" altLang="zh-CN" b="0" i="1" smtClean="0">
+                            <a:latin typeface="Cambria Math" panose="02040503050406030204" pitchFamily="18" charset="0"/>
+                          </a:rPr>
+                          <m:t>𝑝</m:t>
+                        </m:r>
+                      </m:sub>
+                    </m:sSub>
+                    <m:r>
+                      <a:rPr lang="en-US" altLang="zh-CN" b="0" i="1" smtClean="0">
+                        <a:latin typeface="Cambria Math" panose="02040503050406030204" pitchFamily="18" charset="0"/>
+                      </a:rPr>
+                      <m:t>=2.79</m:t>
+                    </m:r>
+                  </m:oMath>
+                </a14:m>
+                <a:r>
+                  <a:rPr lang="en-US" altLang="zh-CN" dirty="0"/>
+                  <a:t>,  </a:t>
+                </a:r>
+              </a:p>
+              <a:p>
+                <a:pPr marL="457200" lvl="1" indent="0">
+                  <a:buNone/>
+                </a:pPr>
+                <a14:m>
+                  <m:oMath xmlns:m="http://schemas.openxmlformats.org/officeDocument/2006/math">
+                    <m:sSub>
+                      <m:sSubPr>
+                        <m:ctrlPr>
+                          <a:rPr lang="en-US" altLang="zh-CN" b="0" i="1" smtClean="0">
+                            <a:latin typeface="Cambria Math" panose="02040503050406030204" pitchFamily="18" charset="0"/>
+                          </a:rPr>
+                        </m:ctrlPr>
+                      </m:sSubPr>
+                      <m:e>
+                        <m:r>
+                          <a:rPr lang="en-US" altLang="zh-CN" b="0" i="1" smtClean="0">
+                            <a:latin typeface="Cambria Math" panose="02040503050406030204" pitchFamily="18" charset="0"/>
+                          </a:rPr>
+                          <m:t>𝑚</m:t>
+                        </m:r>
+                      </m:e>
+                      <m:sub>
+                        <m:r>
+                          <a:rPr lang="en-US" altLang="zh-CN" b="0" i="1" smtClean="0">
+                            <a:latin typeface="Cambria Math" panose="02040503050406030204" pitchFamily="18" charset="0"/>
+                          </a:rPr>
+                          <m:t>𝑒</m:t>
+                        </m:r>
+                      </m:sub>
+                    </m:sSub>
+                    <m:r>
+                      <a:rPr lang="en-US" altLang="zh-CN" b="0" i="1" smtClean="0">
+                        <a:latin typeface="Cambria Math" panose="02040503050406030204" pitchFamily="18" charset="0"/>
+                      </a:rPr>
+                      <m:t>=0.000511</m:t>
+                    </m:r>
+                  </m:oMath>
+                </a14:m>
+                <a:r>
+                  <a:rPr lang="en-US" altLang="zh-CN" dirty="0"/>
+                  <a:t> GeV,  </a:t>
+                </a:r>
+                <a14:m>
+                  <m:oMath xmlns:m="http://schemas.openxmlformats.org/officeDocument/2006/math">
+                    <m:sSub>
+                      <m:sSubPr>
+                        <m:ctrlPr>
+                          <a:rPr lang="en-US" altLang="zh-CN" b="0" i="1" smtClean="0">
+                            <a:latin typeface="Cambria Math" panose="02040503050406030204" pitchFamily="18" charset="0"/>
+                          </a:rPr>
+                        </m:ctrlPr>
+                      </m:sSubPr>
+                      <m:e>
+                        <m:r>
+                          <a:rPr lang="en-US" altLang="zh-CN" b="0" i="1" smtClean="0">
+                            <a:latin typeface="Cambria Math" panose="02040503050406030204" pitchFamily="18" charset="0"/>
+                          </a:rPr>
+                          <m:t>𝑚</m:t>
+                        </m:r>
+                      </m:e>
+                      <m:sub>
+                        <m:r>
+                          <a:rPr lang="en-US" altLang="zh-CN" b="0" i="1" smtClean="0">
+                            <a:latin typeface="Cambria Math" panose="02040503050406030204" pitchFamily="18" charset="0"/>
+                          </a:rPr>
+                          <m:t>𝑝</m:t>
+                        </m:r>
+                      </m:sub>
+                    </m:sSub>
+                    <m:r>
+                      <a:rPr lang="en-US" altLang="zh-CN" b="0" i="1" smtClean="0">
+                        <a:latin typeface="Cambria Math" panose="02040503050406030204" pitchFamily="18" charset="0"/>
+                      </a:rPr>
+                      <m:t>=0.938</m:t>
+                    </m:r>
+                  </m:oMath>
+                </a14:m>
+                <a:r>
+                  <a:rPr lang="en-US" altLang="zh-CN" dirty="0"/>
+                  <a:t> GeV</a:t>
+                </a:r>
+              </a:p>
+            </p:txBody>
+          </p:sp>
+        </mc:Choice>
+        <mc:Fallback>
+          <p:sp>
+            <p:nvSpPr>
+              <p:cNvPr id="3" name="内容占位符 2">
+                <a:extLst>
+                  <a:ext uri="{FF2B5EF4-FFF2-40B4-BE49-F238E27FC236}">
+                    <a16:creationId xmlns:a16="http://schemas.microsoft.com/office/drawing/2014/main" id="{01425376-5385-4997-C6A7-14DA98C74851}"/>
+                  </a:ext>
+                </a:extLst>
+              </p:cNvPr>
+              <p:cNvSpPr>
+                <a:spLocks noGrp="1" noRot="1" noChangeAspect="1" noMove="1" noResize="1" noEditPoints="1" noAdjustHandles="1" noChangeArrowheads="1" noChangeShapeType="1" noTextEdit="1"/>
+              </p:cNvSpPr>
+              <p:nvPr>
+                <p:ph idx="1"/>
+              </p:nvPr>
+            </p:nvSpPr>
+            <p:spPr>
+              <a:xfrm>
+                <a:off x="136187" y="2581534"/>
+                <a:ext cx="11935839" cy="3800993"/>
+              </a:xfrm>
+              <a:blipFill>
+                <a:blip r:embed="rId2"/>
+                <a:stretch>
+                  <a:fillRect l="-919"/>
+                </a:stretch>
+              </a:blipFill>
+            </p:spPr>
+            <p:txBody>
+              <a:bodyPr/>
+              <a:lstStyle/>
+              <a:p>
+                <a:r>
+                  <a:rPr lang="zh-CN" altLang="en-US">
+                    <a:noFill/>
+                  </a:rPr>
+                  <a:t> </a:t>
+                </a:r>
+              </a:p>
+            </p:txBody>
+          </p:sp>
+        </mc:Fallback>
+      </mc:AlternateContent>
+      <p:pic>
+        <p:nvPicPr>
+          <p:cNvPr id="4" name="图片 3" descr="一群鸟飞在空中&#10;&#10;中度可信度描述已自动生成">
+            <a:extLst>
+              <a:ext uri="{FF2B5EF4-FFF2-40B4-BE49-F238E27FC236}">
+                <a16:creationId xmlns:a16="http://schemas.microsoft.com/office/drawing/2014/main" id="{C6D436DA-3DF6-46CD-5FA7-A64DED086C8D}"/>
+              </a:ext>
+            </a:extLst>
+          </p:cNvPr>
+          <p:cNvPicPr>
+            <a:picLocks noChangeAspect="1"/>
+          </p:cNvPicPr>
+          <p:nvPr/>
+        </p:nvPicPr>
+        <p:blipFill>
+          <a:blip r:embed="rId3">
+            <a:extLst>
+              <a:ext uri="{28A0092B-C50C-407E-A947-70E740481C1C}">
+                <a14:useLocalDpi xmlns:a14="http://schemas.microsoft.com/office/drawing/2010/main" val="0"/>
+              </a:ext>
+            </a:extLst>
+          </a:blip>
+          <a:stretch>
+            <a:fillRect/>
+          </a:stretch>
+        </p:blipFill>
+        <p:spPr>
+          <a:xfrm>
+            <a:off x="5578572" y="0"/>
+            <a:ext cx="6613428" cy="2375970"/>
+          </a:xfrm>
+          <a:prstGeom prst="rect">
+            <a:avLst/>
+          </a:prstGeom>
+        </p:spPr>
+      </p:pic>
+      <p:sp>
+        <p:nvSpPr>
+          <p:cNvPr id="5" name="文本框 4">
+            <a:extLst>
+              <a:ext uri="{FF2B5EF4-FFF2-40B4-BE49-F238E27FC236}">
+                <a16:creationId xmlns:a16="http://schemas.microsoft.com/office/drawing/2014/main" id="{388F26EE-2CC4-D886-637C-9C7905EFC089}"/>
+              </a:ext>
+            </a:extLst>
+          </p:cNvPr>
+          <p:cNvSpPr txBox="1"/>
+          <p:nvPr/>
+        </p:nvSpPr>
+        <p:spPr>
+          <a:xfrm>
+            <a:off x="8885286" y="6059361"/>
+            <a:ext cx="2791326" cy="646331"/>
+          </a:xfrm>
+          <a:prstGeom prst="rect">
+            <a:avLst/>
+          </a:prstGeom>
+          <a:noFill/>
+        </p:spPr>
+        <p:txBody>
+          <a:bodyPr wrap="square" rtlCol="0">
+            <a:spAutoFit/>
+          </a:bodyPr>
+          <a:lstStyle/>
+          <a:p>
+            <a:pPr algn="l"/>
+            <a:r>
+              <a:rPr lang="en-US" altLang="zh-CN" dirty="0">
+                <a:latin typeface="Times New Roman" panose="02020603050405020304" pitchFamily="18" charset="0"/>
+                <a:cs typeface="Times New Roman" panose="02020603050405020304" pitchFamily="18" charset="0"/>
+              </a:rPr>
+              <a:t>https://arxiv.org/pdf/2401.06843</a:t>
+            </a:r>
+            <a:endParaRPr lang="zh-CN" altLang="en-US" dirty="0" err="1">
+              <a:latin typeface="Times New Roman" panose="02020603050405020304" pitchFamily="18" charset="0"/>
+              <a:cs typeface="Times New Roman" panose="02020603050405020304" pitchFamily="18" charset="0"/>
+            </a:endParaRPr>
+          </a:p>
+        </p:txBody>
+      </p:sp>
+    </p:spTree>
+    <p:extLst>
+      <p:ext uri="{BB962C8B-B14F-4D97-AF65-F5344CB8AC3E}">
+        <p14:creationId xmlns:p14="http://schemas.microsoft.com/office/powerpoint/2010/main" val="2805831499"/>
+      </p:ext>
+    </p:extLst>
+  </p:cSld>
+  <p:clrMapOvr>
+    <a:masterClrMapping/>
+  </p:clrMapOvr>
+</p:sld>
+</file>
+
+<file path=ppt/slides/slide18.xml><?xml version="1.0" encoding="utf-8"?>
+<p:sld xmlns:a="http://schemas.openxmlformats.org/drawingml/2006/main" xmlns:r="http://schemas.openxmlformats.org/officeDocument/2006/relationships" xmlns:p="http://schemas.openxmlformats.org/presentationml/2006/main">
+  <p:cSld>
+    <p:spTree>
+      <p:nvGrpSpPr>
+        <p:cNvPr id="1" name=""/>
+        <p:cNvGrpSpPr/>
+        <p:nvPr/>
+      </p:nvGrpSpPr>
+      <p:grpSpPr>
+        <a:xfrm>
+          <a:off x="0" y="0"/>
+          <a:ext cx="0" cy="0"/>
+          <a:chOff x="0" y="0"/>
+          <a:chExt cx="0" cy="0"/>
+        </a:xfrm>
+      </p:grpSpPr>
+      <p:sp>
+        <p:nvSpPr>
+          <p:cNvPr id="2" name="标题 1">
+            <a:extLst>
+              <a:ext uri="{FF2B5EF4-FFF2-40B4-BE49-F238E27FC236}">
+                <a16:creationId xmlns:a16="http://schemas.microsoft.com/office/drawing/2014/main" id="{1E3DAB98-ADE4-B465-3AA2-845893310F06}"/>
+              </a:ext>
+            </a:extLst>
+          </p:cNvPr>
+          <p:cNvSpPr>
+            <a:spLocks noGrp="1"/>
+          </p:cNvSpPr>
+          <p:nvPr>
+            <p:ph type="title"/>
+          </p:nvPr>
+        </p:nvSpPr>
+        <p:spPr>
+          <a:xfrm>
+            <a:off x="562583" y="201207"/>
+            <a:ext cx="5533417" cy="1325563"/>
+          </a:xfrm>
+        </p:spPr>
+        <p:txBody>
+          <a:bodyPr/>
+          <a:lstStyle/>
+          <a:p>
+            <a:r>
+              <a:rPr lang="en-US" altLang="zh-CN" dirty="0"/>
+              <a:t>SLAC  production</a:t>
             </a:r>
             <a:endParaRPr lang="zh-CN" altLang="en-US" dirty="0"/>
           </a:p>
@@ -4753,7 +6352,7 @@
         </p:blipFill>
         <p:spPr>
           <a:xfrm>
-            <a:off x="838200" y="1864536"/>
+            <a:off x="0" y="1567843"/>
             <a:ext cx="5384874" cy="4351338"/>
           </a:xfrm>
         </p:spPr>
@@ -4772,7 +6371,7 @@
         </p:nvSpPr>
         <p:spPr>
           <a:xfrm>
-            <a:off x="6575897" y="5233480"/>
+            <a:off x="7922170" y="5032442"/>
             <a:ext cx="3258766" cy="646331"/>
           </a:xfrm>
           <a:prstGeom prst="rect">
@@ -4788,7 +6387,7 @@
           <a:p>
             <a:pPr algn="l"/>
             <a:r>
-              <a:rPr lang="en-US" altLang="zh-CN">
+              <a:rPr lang="en-US" altLang="zh-CN" dirty="0">
                 <a:latin typeface="Times New Roman" panose="02020603050405020304" pitchFamily="18" charset="0"/>
                 <a:cs typeface="Times New Roman" panose="02020603050405020304" pitchFamily="18" charset="0"/>
               </a:rPr>
@@ -4801,10 +6400,1830 @@
           </a:p>
         </p:txBody>
       </p:sp>
+      <p:pic>
+        <p:nvPicPr>
+          <p:cNvPr id="7" name="图片 6" descr="报纸上的文字&#10;&#10;描述已自动生成">
+            <a:extLst>
+              <a:ext uri="{FF2B5EF4-FFF2-40B4-BE49-F238E27FC236}">
+                <a16:creationId xmlns:a16="http://schemas.microsoft.com/office/drawing/2014/main" id="{CCBBA033-2E74-0188-051F-9F8477282C8B}"/>
+              </a:ext>
+            </a:extLst>
+          </p:cNvPr>
+          <p:cNvPicPr>
+            <a:picLocks noChangeAspect="1"/>
+          </p:cNvPicPr>
+          <p:nvPr/>
+        </p:nvPicPr>
+        <p:blipFill>
+          <a:blip r:embed="rId3">
+            <a:extLst>
+              <a:ext uri="{28A0092B-C50C-407E-A947-70E740481C1C}">
+                <a14:useLocalDpi xmlns:a14="http://schemas.microsoft.com/office/drawing/2010/main" val="0"/>
+              </a:ext>
+            </a:extLst>
+          </a:blip>
+          <a:stretch>
+            <a:fillRect/>
+          </a:stretch>
+        </p:blipFill>
+        <p:spPr>
+          <a:xfrm>
+            <a:off x="5384873" y="1567843"/>
+            <a:ext cx="6816797" cy="2984702"/>
+          </a:xfrm>
+          <a:prstGeom prst="rect">
+            <a:avLst/>
+          </a:prstGeom>
+        </p:spPr>
+      </p:pic>
+      <p:cxnSp>
+        <p:nvCxnSpPr>
+          <p:cNvPr id="9" name="直接连接符 8">
+            <a:extLst>
+              <a:ext uri="{FF2B5EF4-FFF2-40B4-BE49-F238E27FC236}">
+                <a16:creationId xmlns:a16="http://schemas.microsoft.com/office/drawing/2014/main" id="{1DBC480E-8E28-E2A1-7D17-0D5C1D40F91B}"/>
+              </a:ext>
+            </a:extLst>
+          </p:cNvPr>
+          <p:cNvCxnSpPr/>
+          <p:nvPr/>
+        </p:nvCxnSpPr>
+        <p:spPr>
+          <a:xfrm>
+            <a:off x="9805481" y="3326859"/>
+            <a:ext cx="2295728" cy="0"/>
+          </a:xfrm>
+          <a:prstGeom prst="line">
+            <a:avLst/>
+          </a:prstGeom>
+        </p:spPr>
+        <p:style>
+          <a:lnRef idx="3">
+            <a:schemeClr val="accent2"/>
+          </a:lnRef>
+          <a:fillRef idx="0">
+            <a:schemeClr val="accent2"/>
+          </a:fillRef>
+          <a:effectRef idx="2">
+            <a:schemeClr val="accent2"/>
+          </a:effectRef>
+          <a:fontRef idx="minor">
+            <a:schemeClr val="tx1"/>
+          </a:fontRef>
+        </p:style>
+      </p:cxnSp>
+      <p:cxnSp>
+        <p:nvCxnSpPr>
+          <p:cNvPr id="10" name="直接连接符 9">
+            <a:extLst>
+              <a:ext uri="{FF2B5EF4-FFF2-40B4-BE49-F238E27FC236}">
+                <a16:creationId xmlns:a16="http://schemas.microsoft.com/office/drawing/2014/main" id="{B3D53957-CB39-6D52-8715-B59969B96370}"/>
+              </a:ext>
+            </a:extLst>
+          </p:cNvPr>
+          <p:cNvCxnSpPr>
+            <a:cxnSpLocks/>
+          </p:cNvCxnSpPr>
+          <p:nvPr/>
+        </p:nvCxnSpPr>
+        <p:spPr>
+          <a:xfrm>
+            <a:off x="5463702" y="3605719"/>
+            <a:ext cx="6637507" cy="0"/>
+          </a:xfrm>
+          <a:prstGeom prst="line">
+            <a:avLst/>
+          </a:prstGeom>
+        </p:spPr>
+        <p:style>
+          <a:lnRef idx="3">
+            <a:schemeClr val="accent2"/>
+          </a:lnRef>
+          <a:fillRef idx="0">
+            <a:schemeClr val="accent2"/>
+          </a:fillRef>
+          <a:effectRef idx="2">
+            <a:schemeClr val="accent2"/>
+          </a:effectRef>
+          <a:fontRef idx="minor">
+            <a:schemeClr val="tx1"/>
+          </a:fontRef>
+        </p:style>
+      </p:cxnSp>
+      <p:cxnSp>
+        <p:nvCxnSpPr>
+          <p:cNvPr id="12" name="直接连接符 11">
+            <a:extLst>
+              <a:ext uri="{FF2B5EF4-FFF2-40B4-BE49-F238E27FC236}">
+                <a16:creationId xmlns:a16="http://schemas.microsoft.com/office/drawing/2014/main" id="{375EA6D3-C5A7-0E16-3302-A8BF0E3813A1}"/>
+              </a:ext>
+            </a:extLst>
+          </p:cNvPr>
+          <p:cNvCxnSpPr>
+            <a:cxnSpLocks/>
+          </p:cNvCxnSpPr>
+          <p:nvPr/>
+        </p:nvCxnSpPr>
+        <p:spPr>
+          <a:xfrm>
+            <a:off x="5463702" y="3917004"/>
+            <a:ext cx="1549941" cy="0"/>
+          </a:xfrm>
+          <a:prstGeom prst="line">
+            <a:avLst/>
+          </a:prstGeom>
+        </p:spPr>
+        <p:style>
+          <a:lnRef idx="3">
+            <a:schemeClr val="accent2"/>
+          </a:lnRef>
+          <a:fillRef idx="0">
+            <a:schemeClr val="accent2"/>
+          </a:fillRef>
+          <a:effectRef idx="2">
+            <a:schemeClr val="accent2"/>
+          </a:effectRef>
+          <a:fontRef idx="minor">
+            <a:schemeClr val="tx1"/>
+          </a:fontRef>
+        </p:style>
+      </p:cxnSp>
+      <p:cxnSp>
+        <p:nvCxnSpPr>
+          <p:cNvPr id="14" name="直接连接符 13">
+            <a:extLst>
+              <a:ext uri="{FF2B5EF4-FFF2-40B4-BE49-F238E27FC236}">
+                <a16:creationId xmlns:a16="http://schemas.microsoft.com/office/drawing/2014/main" id="{F5B309B5-C62A-2BD9-E6A5-0C7C04CB2896}"/>
+              </a:ext>
+            </a:extLst>
+          </p:cNvPr>
+          <p:cNvCxnSpPr/>
+          <p:nvPr/>
+        </p:nvCxnSpPr>
+        <p:spPr>
+          <a:xfrm>
+            <a:off x="9805481" y="4179651"/>
+            <a:ext cx="2295728" cy="0"/>
+          </a:xfrm>
+          <a:prstGeom prst="line">
+            <a:avLst/>
+          </a:prstGeom>
+        </p:spPr>
+        <p:style>
+          <a:lnRef idx="3">
+            <a:schemeClr val="accent2"/>
+          </a:lnRef>
+          <a:fillRef idx="0">
+            <a:schemeClr val="accent2"/>
+          </a:fillRef>
+          <a:effectRef idx="2">
+            <a:schemeClr val="accent2"/>
+          </a:effectRef>
+          <a:fontRef idx="minor">
+            <a:schemeClr val="tx1"/>
+          </a:fontRef>
+        </p:style>
+      </p:cxnSp>
+      <p:cxnSp>
+        <p:nvCxnSpPr>
+          <p:cNvPr id="15" name="直接连接符 14">
+            <a:extLst>
+              <a:ext uri="{FF2B5EF4-FFF2-40B4-BE49-F238E27FC236}">
+                <a16:creationId xmlns:a16="http://schemas.microsoft.com/office/drawing/2014/main" id="{BAB34EAF-9DEF-31D1-DA5B-CA0A015FDBD9}"/>
+              </a:ext>
+            </a:extLst>
+          </p:cNvPr>
+          <p:cNvCxnSpPr>
+            <a:cxnSpLocks/>
+          </p:cNvCxnSpPr>
+          <p:nvPr/>
+        </p:nvCxnSpPr>
+        <p:spPr>
+          <a:xfrm>
+            <a:off x="5384873" y="4458510"/>
+            <a:ext cx="3058736" cy="0"/>
+          </a:xfrm>
+          <a:prstGeom prst="line">
+            <a:avLst/>
+          </a:prstGeom>
+        </p:spPr>
+        <p:style>
+          <a:lnRef idx="3">
+            <a:schemeClr val="accent2"/>
+          </a:lnRef>
+          <a:fillRef idx="0">
+            <a:schemeClr val="accent2"/>
+          </a:fillRef>
+          <a:effectRef idx="2">
+            <a:schemeClr val="accent2"/>
+          </a:effectRef>
+          <a:fontRef idx="minor">
+            <a:schemeClr val="tx1"/>
+          </a:fontRef>
+        </p:style>
+      </p:cxnSp>
     </p:spTree>
     <p:extLst>
       <p:ext uri="{BB962C8B-B14F-4D97-AF65-F5344CB8AC3E}">
         <p14:creationId xmlns:p14="http://schemas.microsoft.com/office/powerpoint/2010/main" val="3637039064"/>
+      </p:ext>
+    </p:extLst>
+  </p:cSld>
+  <p:clrMapOvr>
+    <a:masterClrMapping/>
+  </p:clrMapOvr>
+</p:sld>
+</file>
+
+<file path=ppt/slides/slide19.xml><?xml version="1.0" encoding="utf-8"?>
+<p:sld xmlns:a="http://schemas.openxmlformats.org/drawingml/2006/main" xmlns:r="http://schemas.openxmlformats.org/officeDocument/2006/relationships" xmlns:p="http://schemas.openxmlformats.org/presentationml/2006/main">
+  <p:cSld>
+    <p:spTree>
+      <p:nvGrpSpPr>
+        <p:cNvPr id="1" name=""/>
+        <p:cNvGrpSpPr/>
+        <p:nvPr/>
+      </p:nvGrpSpPr>
+      <p:grpSpPr>
+        <a:xfrm>
+          <a:off x="0" y="0"/>
+          <a:ext cx="0" cy="0"/>
+          <a:chOff x="0" y="0"/>
+          <a:chExt cx="0" cy="0"/>
+        </a:xfrm>
+      </p:grpSpPr>
+      <p:sp>
+        <p:nvSpPr>
+          <p:cNvPr id="2" name="标题 1">
+            <a:extLst>
+              <a:ext uri="{FF2B5EF4-FFF2-40B4-BE49-F238E27FC236}">
+                <a16:creationId xmlns:a16="http://schemas.microsoft.com/office/drawing/2014/main" id="{F82899A0-35E6-5013-CDC9-17B63700E1D5}"/>
+              </a:ext>
+            </a:extLst>
+          </p:cNvPr>
+          <p:cNvSpPr>
+            <a:spLocks noGrp="1"/>
+          </p:cNvSpPr>
+          <p:nvPr>
+            <p:ph type="title"/>
+          </p:nvPr>
+        </p:nvSpPr>
+        <p:spPr>
+          <a:xfrm>
+            <a:off x="838200" y="7228"/>
+            <a:ext cx="6175443" cy="594265"/>
+          </a:xfrm>
+        </p:spPr>
+        <p:txBody>
+          <a:bodyPr>
+            <a:normAutofit/>
+          </a:bodyPr>
+          <a:lstStyle/>
+          <a:p>
+            <a:r>
+              <a:rPr lang="en-US" altLang="zh-CN" sz="3200" dirty="0"/>
+              <a:t>SLAC detection</a:t>
+            </a:r>
+            <a:endParaRPr lang="zh-CN" altLang="en-US" sz="3200" dirty="0"/>
+          </a:p>
+        </p:txBody>
+      </p:sp>
+      <mc:AlternateContent xmlns:mc="http://schemas.openxmlformats.org/markup-compatibility/2006" xmlns:a14="http://schemas.microsoft.com/office/drawing/2010/main">
+        <mc:Choice Requires="a14">
+          <p:sp>
+            <p:nvSpPr>
+              <p:cNvPr id="3" name="内容占位符 2">
+                <a:extLst>
+                  <a:ext uri="{FF2B5EF4-FFF2-40B4-BE49-F238E27FC236}">
+                    <a16:creationId xmlns:a16="http://schemas.microsoft.com/office/drawing/2014/main" id="{6216A8FE-E1F4-4E24-98F6-571BE4097B73}"/>
+                  </a:ext>
+                </a:extLst>
+              </p:cNvPr>
+              <p:cNvSpPr>
+                <a:spLocks noGrp="1"/>
+              </p:cNvSpPr>
+              <p:nvPr>
+                <p:ph idx="1"/>
+              </p:nvPr>
+            </p:nvSpPr>
+            <p:spPr>
+              <a:xfrm>
+                <a:off x="838200" y="492549"/>
+                <a:ext cx="10515600" cy="2208179"/>
+              </a:xfrm>
+            </p:spPr>
+            <p:txBody>
+              <a:bodyPr/>
+              <a:lstStyle/>
+              <a:p>
+                <a:r>
+                  <a:rPr lang="en-US" altLang="zh-CN" dirty="0"/>
+                  <a:t>EOT: </a:t>
+                </a:r>
+                <a14:m>
+                  <m:oMath xmlns:m="http://schemas.openxmlformats.org/officeDocument/2006/math">
+                    <m:r>
+                      <a:rPr lang="en-US" altLang="zh-CN" b="0" i="1" smtClean="0">
+                        <a:latin typeface="Cambria Math" panose="02040503050406030204" pitchFamily="18" charset="0"/>
+                      </a:rPr>
+                      <m:t>8.4×</m:t>
+                    </m:r>
+                    <m:sSup>
+                      <m:sSupPr>
+                        <m:ctrlPr>
+                          <a:rPr lang="en-US" altLang="zh-CN" b="0" i="1" smtClean="0">
+                            <a:latin typeface="Cambria Math" panose="02040503050406030204" pitchFamily="18" charset="0"/>
+                          </a:rPr>
+                        </m:ctrlPr>
+                      </m:sSupPr>
+                      <m:e>
+                        <m:r>
+                          <a:rPr lang="en-US" altLang="zh-CN" b="0" i="1" smtClean="0">
+                            <a:latin typeface="Cambria Math" panose="02040503050406030204" pitchFamily="18" charset="0"/>
+                          </a:rPr>
+                          <m:t>10</m:t>
+                        </m:r>
+                      </m:e>
+                      <m:sup>
+                        <m:r>
+                          <a:rPr lang="en-US" altLang="zh-CN" b="0" i="1" smtClean="0">
+                            <a:latin typeface="Cambria Math" panose="02040503050406030204" pitchFamily="18" charset="0"/>
+                          </a:rPr>
+                          <m:t>18</m:t>
+                        </m:r>
+                      </m:sup>
+                    </m:sSup>
+                  </m:oMath>
+                </a14:m>
+                <a:endParaRPr lang="en-US" altLang="zh-CN" dirty="0"/>
+              </a:p>
+              <a:p>
+                <a:r>
+                  <a:rPr lang="en-US" altLang="zh-CN" dirty="0"/>
+                  <a:t>Dimension of detector: </a:t>
+                </a:r>
+                <a14:m>
+                  <m:oMath xmlns:m="http://schemas.openxmlformats.org/officeDocument/2006/math">
+                    <m:r>
+                      <a:rPr lang="en-US" altLang="zh-CN" b="0" i="1" smtClean="0">
+                        <a:latin typeface="Cambria Math" panose="02040503050406030204" pitchFamily="18" charset="0"/>
+                      </a:rPr>
+                      <m:t>0.4×0.4×1.4 </m:t>
+                    </m:r>
+                    <m:sSup>
+                      <m:sSupPr>
+                        <m:ctrlPr>
+                          <a:rPr lang="en-US" altLang="zh-CN" b="0" i="1" smtClean="0">
+                            <a:latin typeface="Cambria Math" panose="02040503050406030204" pitchFamily="18" charset="0"/>
+                          </a:rPr>
+                        </m:ctrlPr>
+                      </m:sSupPr>
+                      <m:e>
+                        <m:r>
+                          <a:rPr lang="en-US" altLang="zh-CN" b="0" i="1" smtClean="0">
+                            <a:latin typeface="Cambria Math" panose="02040503050406030204" pitchFamily="18" charset="0"/>
+                          </a:rPr>
+                          <m:t>𝑚</m:t>
+                        </m:r>
+                      </m:e>
+                      <m:sup>
+                        <m:r>
+                          <a:rPr lang="en-US" altLang="zh-CN" b="0" i="1" smtClean="0">
+                            <a:latin typeface="Cambria Math" panose="02040503050406030204" pitchFamily="18" charset="0"/>
+                          </a:rPr>
+                          <m:t>3</m:t>
+                        </m:r>
+                      </m:sup>
+                    </m:sSup>
+                  </m:oMath>
+                </a14:m>
+                <a:endParaRPr lang="en-US" altLang="zh-CN" dirty="0"/>
+              </a:p>
+              <a:p>
+                <a:r>
+                  <a:rPr lang="en-US" altLang="zh-CN" dirty="0"/>
+                  <a:t>Energy threshold: 100 keV (or 3 keV)</a:t>
+                </a:r>
+              </a:p>
+              <a:p>
+                <a:r>
+                  <a:rPr lang="en-US" altLang="zh-CN" dirty="0"/>
+                  <a:t>Distance between target (W) and detector: 90 m</a:t>
+                </a:r>
+              </a:p>
+              <a:p>
+                <a:endParaRPr lang="zh-CN" altLang="en-US" dirty="0"/>
+              </a:p>
+            </p:txBody>
+          </p:sp>
+        </mc:Choice>
+        <mc:Fallback xmlns="">
+          <p:sp>
+            <p:nvSpPr>
+              <p:cNvPr id="3" name="内容占位符 2">
+                <a:extLst>
+                  <a:ext uri="{FF2B5EF4-FFF2-40B4-BE49-F238E27FC236}">
+                    <a16:creationId xmlns:a16="http://schemas.microsoft.com/office/drawing/2014/main" id="{6216A8FE-E1F4-4E24-98F6-571BE4097B73}"/>
+                  </a:ext>
+                </a:extLst>
+              </p:cNvPr>
+              <p:cNvSpPr>
+                <a:spLocks noGrp="1" noRot="1" noChangeAspect="1" noMove="1" noResize="1" noEditPoints="1" noAdjustHandles="1" noChangeArrowheads="1" noChangeShapeType="1" noTextEdit="1"/>
+              </p:cNvSpPr>
+              <p:nvPr>
+                <p:ph idx="1"/>
+              </p:nvPr>
+            </p:nvSpPr>
+            <p:spPr>
+              <a:xfrm>
+                <a:off x="838200" y="492549"/>
+                <a:ext cx="10515600" cy="2208179"/>
+              </a:xfrm>
+              <a:blipFill>
+                <a:blip r:embed="rId2"/>
+                <a:stretch>
+                  <a:fillRect l="-1043" t="-4972"/>
+                </a:stretch>
+              </a:blipFill>
+            </p:spPr>
+            <p:txBody>
+              <a:bodyPr/>
+              <a:lstStyle/>
+              <a:p>
+                <a:r>
+                  <a:rPr lang="zh-CN" altLang="en-US">
+                    <a:noFill/>
+                  </a:rPr>
+                  <a:t> </a:t>
+                </a:r>
+              </a:p>
+            </p:txBody>
+          </p:sp>
+        </mc:Fallback>
+      </mc:AlternateContent>
+      <p:sp>
+        <p:nvSpPr>
+          <p:cNvPr id="4" name="文本框 3">
+            <a:extLst>
+              <a:ext uri="{FF2B5EF4-FFF2-40B4-BE49-F238E27FC236}">
+                <a16:creationId xmlns:a16="http://schemas.microsoft.com/office/drawing/2014/main" id="{48DBF700-C401-8653-4AF9-F92987DC00A7}"/>
+              </a:ext>
+            </a:extLst>
+          </p:cNvPr>
+          <p:cNvSpPr txBox="1"/>
+          <p:nvPr/>
+        </p:nvSpPr>
+        <p:spPr>
+          <a:xfrm>
+            <a:off x="4280982" y="65223"/>
+            <a:ext cx="6575086" cy="369332"/>
+          </a:xfrm>
+          <a:prstGeom prst="rect">
+            <a:avLst/>
+          </a:prstGeom>
+          <a:noFill/>
+        </p:spPr>
+        <p:txBody>
+          <a:bodyPr wrap="square" rtlCol="0">
+            <a:spAutoFit/>
+          </a:bodyPr>
+          <a:lstStyle/>
+          <a:p>
+            <a:pPr algn="l"/>
+            <a:r>
+              <a:rPr lang="en-US" altLang="zh-CN" dirty="0">
+                <a:latin typeface="Times New Roman" panose="02020603050405020304" pitchFamily="18" charset="0"/>
+                <a:cs typeface="Times New Roman" panose="02020603050405020304" pitchFamily="18" charset="0"/>
+                <a:hlinkClick r:id="rId3"/>
+              </a:rPr>
+              <a:t>https://arxiv.org/pdf/1307.6861</a:t>
+            </a:r>
+            <a:r>
+              <a:rPr lang="en-US" altLang="zh-CN" dirty="0">
+                <a:latin typeface="Times New Roman" panose="02020603050405020304" pitchFamily="18" charset="0"/>
+                <a:cs typeface="Times New Roman" panose="02020603050405020304" pitchFamily="18" charset="0"/>
+              </a:rPr>
+              <a:t>     </a:t>
+            </a:r>
+            <a:r>
+              <a:rPr lang="en-US" altLang="zh-CN" dirty="0">
+                <a:hlinkClick r:id="rId4"/>
+              </a:rPr>
+              <a:t>PhysRevLett.81.1175 (aps.org)</a:t>
+            </a:r>
+            <a:endParaRPr lang="zh-CN" altLang="en-US" dirty="0" err="1">
+              <a:latin typeface="Times New Roman" panose="02020603050405020304" pitchFamily="18" charset="0"/>
+              <a:cs typeface="Times New Roman" panose="02020603050405020304" pitchFamily="18" charset="0"/>
+            </a:endParaRPr>
+          </a:p>
+        </p:txBody>
+      </p:sp>
+      <p:sp>
+        <p:nvSpPr>
+          <p:cNvPr id="6" name="标题 1">
+            <a:extLst>
+              <a:ext uri="{FF2B5EF4-FFF2-40B4-BE49-F238E27FC236}">
+                <a16:creationId xmlns:a16="http://schemas.microsoft.com/office/drawing/2014/main" id="{5EBFC812-03A8-627C-090E-0FECE22D24C9}"/>
+              </a:ext>
+            </a:extLst>
+          </p:cNvPr>
+          <p:cNvSpPr txBox="1">
+            <a:spLocks/>
+          </p:cNvSpPr>
+          <p:nvPr/>
+        </p:nvSpPr>
+        <p:spPr>
+          <a:xfrm>
+            <a:off x="747410" y="2531054"/>
+            <a:ext cx="6917986" cy="654995"/>
+          </a:xfrm>
+          <a:prstGeom prst="rect">
+            <a:avLst/>
+          </a:prstGeom>
+        </p:spPr>
+        <p:txBody>
+          <a:bodyPr vert="horz" lIns="91440" tIns="45720" rIns="91440" bIns="45720" rtlCol="0" anchor="ctr">
+            <a:normAutofit/>
+          </a:bodyPr>
+          <a:lstStyle>
+            <a:lvl1pPr algn="l" defTabSz="914400" rtl="0" eaLnBrk="1" latinLnBrk="0" hangingPunct="1">
+              <a:lnSpc>
+                <a:spcPct val="90000"/>
+              </a:lnSpc>
+              <a:spcBef>
+                <a:spcPct val="0"/>
+              </a:spcBef>
+              <a:buNone/>
+              <a:defRPr sz="4400" kern="1200">
+                <a:solidFill>
+                  <a:schemeClr val="tx1"/>
+                </a:solidFill>
+                <a:latin typeface="+mj-lt"/>
+                <a:ea typeface="+mj-ea"/>
+                <a:cs typeface="+mj-cs"/>
+              </a:defRPr>
+            </a:lvl1pPr>
+          </a:lstStyle>
+          <a:p>
+            <a:r>
+              <a:rPr lang="en-US" altLang="zh-CN" sz="3200" dirty="0"/>
+              <a:t>BDX detection</a:t>
+            </a:r>
+            <a:endParaRPr lang="zh-CN" altLang="en-US" sz="3200" dirty="0"/>
+          </a:p>
+        </p:txBody>
+      </p:sp>
+      <mc:AlternateContent xmlns:mc="http://schemas.openxmlformats.org/markup-compatibility/2006" xmlns:a14="http://schemas.microsoft.com/office/drawing/2010/main">
+        <mc:Choice Requires="a14">
+          <p:sp>
+            <p:nvSpPr>
+              <p:cNvPr id="7" name="内容占位符 2">
+                <a:extLst>
+                  <a:ext uri="{FF2B5EF4-FFF2-40B4-BE49-F238E27FC236}">
+                    <a16:creationId xmlns:a16="http://schemas.microsoft.com/office/drawing/2014/main" id="{CB094F5F-C4CA-D0D1-55D7-E6FE08642F25}"/>
+                  </a:ext>
+                </a:extLst>
+              </p:cNvPr>
+              <p:cNvSpPr txBox="1">
+                <a:spLocks/>
+              </p:cNvSpPr>
+              <p:nvPr/>
+            </p:nvSpPr>
+            <p:spPr>
+              <a:xfrm>
+                <a:off x="838200" y="3053183"/>
+                <a:ext cx="10515600" cy="2208179"/>
+              </a:xfrm>
+              <a:prstGeom prst="rect">
+                <a:avLst/>
+              </a:prstGeom>
+            </p:spPr>
+            <p:txBody>
+              <a:bodyPr vert="horz" lIns="91440" tIns="45720" rIns="91440" bIns="45720" rtlCol="0">
+                <a:normAutofit/>
+              </a:bodyPr>
+              <a:lstStyle>
+                <a:lvl1pPr marL="228600" indent="-228600" algn="l" defTabSz="914400" rtl="0" eaLnBrk="1" latinLnBrk="0" hangingPunct="1">
+                  <a:lnSpc>
+                    <a:spcPct val="90000"/>
+                  </a:lnSpc>
+                  <a:spcBef>
+                    <a:spcPts val="1000"/>
+                  </a:spcBef>
+                  <a:buFont typeface="Arial" panose="020B0604020202020204" pitchFamily="34" charset="0"/>
+                  <a:buChar char="•"/>
+                  <a:defRPr sz="2800" kern="1200">
+                    <a:solidFill>
+                      <a:schemeClr val="tx1"/>
+                    </a:solidFill>
+                    <a:latin typeface="+mn-lt"/>
+                    <a:ea typeface="+mn-ea"/>
+                    <a:cs typeface="+mn-cs"/>
+                  </a:defRPr>
+                </a:lvl1pPr>
+                <a:lvl2pPr marL="685800" indent="-228600" algn="l" defTabSz="914400" rtl="0" eaLnBrk="1" latinLnBrk="0" hangingPunct="1">
+                  <a:lnSpc>
+                    <a:spcPct val="90000"/>
+                  </a:lnSpc>
+                  <a:spcBef>
+                    <a:spcPts val="500"/>
+                  </a:spcBef>
+                  <a:buFont typeface="Arial" panose="020B0604020202020204" pitchFamily="34" charset="0"/>
+                  <a:buChar char="•"/>
+                  <a:defRPr sz="2400" kern="1200">
+                    <a:solidFill>
+                      <a:schemeClr val="tx1"/>
+                    </a:solidFill>
+                    <a:latin typeface="+mn-lt"/>
+                    <a:ea typeface="+mn-ea"/>
+                    <a:cs typeface="+mn-cs"/>
+                  </a:defRPr>
+                </a:lvl2pPr>
+                <a:lvl3pPr marL="1143000" indent="-228600" algn="l" defTabSz="914400" rtl="0" eaLnBrk="1" latinLnBrk="0" hangingPunct="1">
+                  <a:lnSpc>
+                    <a:spcPct val="90000"/>
+                  </a:lnSpc>
+                  <a:spcBef>
+                    <a:spcPts val="500"/>
+                  </a:spcBef>
+                  <a:buFont typeface="Arial" panose="020B0604020202020204" pitchFamily="34" charset="0"/>
+                  <a:buChar char="•"/>
+                  <a:defRPr sz="2000" kern="1200">
+                    <a:solidFill>
+                      <a:schemeClr val="tx1"/>
+                    </a:solidFill>
+                    <a:latin typeface="+mn-lt"/>
+                    <a:ea typeface="+mn-ea"/>
+                    <a:cs typeface="+mn-cs"/>
+                  </a:defRPr>
+                </a:lvl3pPr>
+                <a:lvl4pPr marL="1600200" indent="-228600" algn="l" defTabSz="914400" rtl="0" eaLnBrk="1" latinLnBrk="0" hangingPunct="1">
+                  <a:lnSpc>
+                    <a:spcPct val="90000"/>
+                  </a:lnSpc>
+                  <a:spcBef>
+                    <a:spcPts val="500"/>
+                  </a:spcBef>
+                  <a:buFont typeface="Arial" panose="020B0604020202020204" pitchFamily="34" charset="0"/>
+                  <a:buChar char="•"/>
+                  <a:defRPr sz="1800" kern="1200">
+                    <a:solidFill>
+                      <a:schemeClr val="tx1"/>
+                    </a:solidFill>
+                    <a:latin typeface="+mn-lt"/>
+                    <a:ea typeface="+mn-ea"/>
+                    <a:cs typeface="+mn-cs"/>
+                  </a:defRPr>
+                </a:lvl4pPr>
+                <a:lvl5pPr marL="2057400" indent="-228600" algn="l" defTabSz="914400" rtl="0" eaLnBrk="1" latinLnBrk="0" hangingPunct="1">
+                  <a:lnSpc>
+                    <a:spcPct val="90000"/>
+                  </a:lnSpc>
+                  <a:spcBef>
+                    <a:spcPts val="500"/>
+                  </a:spcBef>
+                  <a:buFont typeface="Arial" panose="020B0604020202020204" pitchFamily="34" charset="0"/>
+                  <a:buChar char="•"/>
+                  <a:defRPr sz="1800" kern="1200">
+                    <a:solidFill>
+                      <a:schemeClr val="tx1"/>
+                    </a:solidFill>
+                    <a:latin typeface="+mn-lt"/>
+                    <a:ea typeface="+mn-ea"/>
+                    <a:cs typeface="+mn-cs"/>
+                  </a:defRPr>
+                </a:lvl5pPr>
+                <a:lvl6pPr marL="2514600" indent="-228600" algn="l" defTabSz="914400" rtl="0" eaLnBrk="1" latinLnBrk="0" hangingPunct="1">
+                  <a:lnSpc>
+                    <a:spcPct val="90000"/>
+                  </a:lnSpc>
+                  <a:spcBef>
+                    <a:spcPts val="500"/>
+                  </a:spcBef>
+                  <a:buFont typeface="Arial" panose="020B0604020202020204" pitchFamily="34" charset="0"/>
+                  <a:buChar char="•"/>
+                  <a:defRPr sz="1800" kern="1200">
+                    <a:solidFill>
+                      <a:schemeClr val="tx1"/>
+                    </a:solidFill>
+                    <a:latin typeface="+mn-lt"/>
+                    <a:ea typeface="+mn-ea"/>
+                    <a:cs typeface="+mn-cs"/>
+                  </a:defRPr>
+                </a:lvl6pPr>
+                <a:lvl7pPr marL="2971800" indent="-228600" algn="l" defTabSz="914400" rtl="0" eaLnBrk="1" latinLnBrk="0" hangingPunct="1">
+                  <a:lnSpc>
+                    <a:spcPct val="90000"/>
+                  </a:lnSpc>
+                  <a:spcBef>
+                    <a:spcPts val="500"/>
+                  </a:spcBef>
+                  <a:buFont typeface="Arial" panose="020B0604020202020204" pitchFamily="34" charset="0"/>
+                  <a:buChar char="•"/>
+                  <a:defRPr sz="1800" kern="1200">
+                    <a:solidFill>
+                      <a:schemeClr val="tx1"/>
+                    </a:solidFill>
+                    <a:latin typeface="+mn-lt"/>
+                    <a:ea typeface="+mn-ea"/>
+                    <a:cs typeface="+mn-cs"/>
+                  </a:defRPr>
+                </a:lvl7pPr>
+                <a:lvl8pPr marL="3429000" indent="-228600" algn="l" defTabSz="914400" rtl="0" eaLnBrk="1" latinLnBrk="0" hangingPunct="1">
+                  <a:lnSpc>
+                    <a:spcPct val="90000"/>
+                  </a:lnSpc>
+                  <a:spcBef>
+                    <a:spcPts val="500"/>
+                  </a:spcBef>
+                  <a:buFont typeface="Arial" panose="020B0604020202020204" pitchFamily="34" charset="0"/>
+                  <a:buChar char="•"/>
+                  <a:defRPr sz="1800" kern="1200">
+                    <a:solidFill>
+                      <a:schemeClr val="tx1"/>
+                    </a:solidFill>
+                    <a:latin typeface="+mn-lt"/>
+                    <a:ea typeface="+mn-ea"/>
+                    <a:cs typeface="+mn-cs"/>
+                  </a:defRPr>
+                </a:lvl8pPr>
+                <a:lvl9pPr marL="3886200" indent="-228600" algn="l" defTabSz="914400" rtl="0" eaLnBrk="1" latinLnBrk="0" hangingPunct="1">
+                  <a:lnSpc>
+                    <a:spcPct val="90000"/>
+                  </a:lnSpc>
+                  <a:spcBef>
+                    <a:spcPts val="500"/>
+                  </a:spcBef>
+                  <a:buFont typeface="Arial" panose="020B0604020202020204" pitchFamily="34" charset="0"/>
+                  <a:buChar char="•"/>
+                  <a:defRPr sz="1800" kern="1200">
+                    <a:solidFill>
+                      <a:schemeClr val="tx1"/>
+                    </a:solidFill>
+                    <a:latin typeface="+mn-lt"/>
+                    <a:ea typeface="+mn-ea"/>
+                    <a:cs typeface="+mn-cs"/>
+                  </a:defRPr>
+                </a:lvl9pPr>
+              </a:lstStyle>
+              <a:p>
+                <a:r>
+                  <a:rPr lang="en-US" altLang="zh-CN" dirty="0"/>
+                  <a:t>EOT: </a:t>
+                </a:r>
+                <a14:m>
+                  <m:oMath xmlns:m="http://schemas.openxmlformats.org/officeDocument/2006/math">
+                    <m:sSup>
+                      <m:sSupPr>
+                        <m:ctrlPr>
+                          <a:rPr lang="en-US" altLang="zh-CN" i="1" smtClean="0">
+                            <a:latin typeface="Cambria Math" panose="02040503050406030204" pitchFamily="18" charset="0"/>
+                          </a:rPr>
+                        </m:ctrlPr>
+                      </m:sSupPr>
+                      <m:e>
+                        <m:r>
+                          <a:rPr lang="en-US" altLang="zh-CN" i="1" smtClean="0">
+                            <a:latin typeface="Cambria Math" panose="02040503050406030204" pitchFamily="18" charset="0"/>
+                          </a:rPr>
+                          <m:t>10</m:t>
+                        </m:r>
+                      </m:e>
+                      <m:sup>
+                        <m:r>
+                          <a:rPr lang="en-US" altLang="zh-CN" b="0" i="1" smtClean="0">
+                            <a:latin typeface="Cambria Math" panose="02040503050406030204" pitchFamily="18" charset="0"/>
+                          </a:rPr>
+                          <m:t>22</m:t>
+                        </m:r>
+                      </m:sup>
+                    </m:sSup>
+                  </m:oMath>
+                </a14:m>
+                <a:endParaRPr lang="en-US" altLang="zh-CN" dirty="0"/>
+              </a:p>
+              <a:p>
+                <a:r>
+                  <a:rPr lang="en-US" altLang="zh-CN" dirty="0"/>
+                  <a:t>Dimension of detector: </a:t>
+                </a:r>
+                <a14:m>
+                  <m:oMath xmlns:m="http://schemas.openxmlformats.org/officeDocument/2006/math">
+                    <m:r>
+                      <a:rPr lang="en-US" altLang="zh-CN" b="0" i="1" smtClean="0">
+                        <a:latin typeface="Cambria Math" panose="02040503050406030204" pitchFamily="18" charset="0"/>
+                      </a:rPr>
+                      <m:t>0.1</m:t>
+                    </m:r>
+                    <m:r>
+                      <a:rPr lang="en-US" altLang="zh-CN" i="1" smtClean="0">
+                        <a:latin typeface="Cambria Math" panose="02040503050406030204" pitchFamily="18" charset="0"/>
+                      </a:rPr>
+                      <m:t>×</m:t>
+                    </m:r>
+                    <m:r>
+                      <a:rPr lang="en-US" altLang="zh-CN" b="0" i="1" smtClean="0">
+                        <a:latin typeface="Cambria Math" panose="02040503050406030204" pitchFamily="18" charset="0"/>
+                      </a:rPr>
+                      <m:t>0.01</m:t>
+                    </m:r>
+                    <m:r>
+                      <a:rPr lang="en-US" altLang="zh-CN" i="1" smtClean="0">
+                        <a:latin typeface="Cambria Math" panose="02040503050406030204" pitchFamily="18" charset="0"/>
+                      </a:rPr>
+                      <m:t>×</m:t>
+                    </m:r>
+                    <m:r>
+                      <a:rPr lang="en-US" altLang="zh-CN" b="0" i="1" smtClean="0">
+                        <a:latin typeface="Cambria Math" panose="02040503050406030204" pitchFamily="18" charset="0"/>
+                      </a:rPr>
+                      <m:t>0.001</m:t>
+                    </m:r>
+                    <m:r>
+                      <a:rPr lang="en-US" altLang="zh-CN" i="1" smtClean="0">
+                        <a:latin typeface="Cambria Math" panose="02040503050406030204" pitchFamily="18" charset="0"/>
+                      </a:rPr>
+                      <m:t> </m:t>
+                    </m:r>
+                    <m:sSup>
+                      <m:sSupPr>
+                        <m:ctrlPr>
+                          <a:rPr lang="en-US" altLang="zh-CN" i="1" smtClean="0">
+                            <a:latin typeface="Cambria Math" panose="02040503050406030204" pitchFamily="18" charset="0"/>
+                          </a:rPr>
+                        </m:ctrlPr>
+                      </m:sSupPr>
+                      <m:e>
+                        <m:r>
+                          <a:rPr lang="en-US" altLang="zh-CN" i="1" smtClean="0">
+                            <a:latin typeface="Cambria Math" panose="02040503050406030204" pitchFamily="18" charset="0"/>
+                          </a:rPr>
+                          <m:t>𝑚</m:t>
+                        </m:r>
+                      </m:e>
+                      <m:sup>
+                        <m:r>
+                          <a:rPr lang="en-US" altLang="zh-CN" i="1" smtClean="0">
+                            <a:latin typeface="Cambria Math" panose="02040503050406030204" pitchFamily="18" charset="0"/>
+                          </a:rPr>
+                          <m:t>3</m:t>
+                        </m:r>
+                      </m:sup>
+                    </m:sSup>
+                  </m:oMath>
+                </a14:m>
+                <a:endParaRPr lang="en-US" altLang="zh-CN" dirty="0"/>
+              </a:p>
+              <a:p>
+                <a:r>
+                  <a:rPr lang="en-US" altLang="zh-CN" dirty="0"/>
+                  <a:t>Energy threshold: ~ eV</a:t>
+                </a:r>
+              </a:p>
+              <a:p>
+                <a:r>
+                  <a:rPr lang="en-US" altLang="zh-CN" dirty="0"/>
+                  <a:t>Distance between target (W) and detector: 20 m</a:t>
+                </a:r>
+              </a:p>
+              <a:p>
+                <a:endParaRPr lang="zh-CN" altLang="en-US" dirty="0"/>
+              </a:p>
+            </p:txBody>
+          </p:sp>
+        </mc:Choice>
+        <mc:Fallback xmlns="">
+          <p:sp>
+            <p:nvSpPr>
+              <p:cNvPr id="7" name="内容占位符 2">
+                <a:extLst>
+                  <a:ext uri="{FF2B5EF4-FFF2-40B4-BE49-F238E27FC236}">
+                    <a16:creationId xmlns:a16="http://schemas.microsoft.com/office/drawing/2014/main" id="{CB094F5F-C4CA-D0D1-55D7-E6FE08642F25}"/>
+                  </a:ext>
+                </a:extLst>
+              </p:cNvPr>
+              <p:cNvSpPr txBox="1">
+                <a:spLocks noRot="1" noChangeAspect="1" noMove="1" noResize="1" noEditPoints="1" noAdjustHandles="1" noChangeArrowheads="1" noChangeShapeType="1" noTextEdit="1"/>
+              </p:cNvSpPr>
+              <p:nvPr/>
+            </p:nvSpPr>
+            <p:spPr>
+              <a:xfrm>
+                <a:off x="838200" y="3053183"/>
+                <a:ext cx="10515600" cy="2208179"/>
+              </a:xfrm>
+              <a:prstGeom prst="rect">
+                <a:avLst/>
+              </a:prstGeom>
+              <a:blipFill>
+                <a:blip r:embed="rId5"/>
+                <a:stretch>
+                  <a:fillRect l="-1043" t="-4972"/>
+                </a:stretch>
+              </a:blipFill>
+            </p:spPr>
+            <p:txBody>
+              <a:bodyPr/>
+              <a:lstStyle/>
+              <a:p>
+                <a:r>
+                  <a:rPr lang="zh-CN" altLang="en-US">
+                    <a:noFill/>
+                  </a:rPr>
+                  <a:t> </a:t>
+                </a:r>
+              </a:p>
+            </p:txBody>
+          </p:sp>
+        </mc:Fallback>
+      </mc:AlternateContent>
+      <mc:AlternateContent xmlns:mc="http://schemas.openxmlformats.org/markup-compatibility/2006" xmlns:a14="http://schemas.microsoft.com/office/drawing/2010/main">
+        <mc:Choice Requires="a14">
+          <p:sp>
+            <p:nvSpPr>
+              <p:cNvPr id="8" name="文本框 7">
+                <a:extLst>
+                  <a:ext uri="{FF2B5EF4-FFF2-40B4-BE49-F238E27FC236}">
+                    <a16:creationId xmlns:a16="http://schemas.microsoft.com/office/drawing/2014/main" id="{00E89565-1CF3-6425-AD2B-7CE7D3B0C9D9}"/>
+                  </a:ext>
+                </a:extLst>
+              </p:cNvPr>
+              <p:cNvSpPr txBox="1"/>
+              <p:nvPr/>
+            </p:nvSpPr>
+            <p:spPr>
+              <a:xfrm>
+                <a:off x="2383277" y="5334536"/>
+                <a:ext cx="5817139" cy="612796"/>
+              </a:xfrm>
+              <a:prstGeom prst="rect">
+                <a:avLst/>
+              </a:prstGeom>
+              <a:noFill/>
+            </p:spPr>
+            <p:txBody>
+              <a:bodyPr wrap="square" rtlCol="0">
+                <a:spAutoFit/>
+              </a:bodyPr>
+              <a:lstStyle/>
+              <a:p>
+                <a:pPr algn="l"/>
+                <a14:m>
+                  <m:oMathPara xmlns:m="http://schemas.openxmlformats.org/officeDocument/2006/math">
+                    <m:oMathParaPr>
+                      <m:jc m:val="centerGroup"/>
+                    </m:oMathParaPr>
+                    <m:oMath xmlns:m="http://schemas.openxmlformats.org/officeDocument/2006/math">
+                      <m:sSup>
+                        <m:sSupPr>
+                          <m:ctrlPr>
+                            <a:rPr lang="en-US" altLang="zh-CN" b="0" i="1" smtClean="0">
+                              <a:latin typeface="Cambria Math" panose="02040503050406030204" pitchFamily="18" charset="0"/>
+                              <a:cs typeface="Times New Roman" panose="02020603050405020304" pitchFamily="18" charset="0"/>
+                            </a:rPr>
+                          </m:ctrlPr>
+                        </m:sSupPr>
+                        <m:e>
+                          <m:r>
+                            <a:rPr lang="en-US" altLang="zh-CN" b="0" i="1" smtClean="0">
+                              <a:latin typeface="Cambria Math" panose="02040503050406030204" pitchFamily="18" charset="0"/>
+                              <a:cs typeface="Times New Roman" panose="02020603050405020304" pitchFamily="18" charset="0"/>
+                            </a:rPr>
+                            <m:t>10</m:t>
+                          </m:r>
+                        </m:e>
+                        <m:sup>
+                          <m:r>
+                            <a:rPr lang="en-US" altLang="zh-CN" b="0" i="1" smtClean="0">
+                              <a:latin typeface="Cambria Math" panose="02040503050406030204" pitchFamily="18" charset="0"/>
+                              <a:cs typeface="Times New Roman" panose="02020603050405020304" pitchFamily="18" charset="0"/>
+                            </a:rPr>
+                            <m:t>3</m:t>
+                          </m:r>
+                        </m:sup>
+                      </m:sSup>
+                      <m:d>
+                        <m:dPr>
+                          <m:ctrlPr>
+                            <a:rPr lang="en-US" altLang="zh-CN" b="0" i="1" smtClean="0">
+                              <a:latin typeface="Cambria Math" panose="02040503050406030204" pitchFamily="18" charset="0"/>
+                              <a:cs typeface="Times New Roman" panose="02020603050405020304" pitchFamily="18" charset="0"/>
+                            </a:rPr>
+                          </m:ctrlPr>
+                        </m:dPr>
+                        <m:e>
+                          <m:r>
+                            <a:rPr lang="en-US" altLang="zh-CN" b="0" i="1" smtClean="0">
+                              <a:latin typeface="Cambria Math" panose="02040503050406030204" pitchFamily="18" charset="0"/>
+                              <a:cs typeface="Times New Roman" panose="02020603050405020304" pitchFamily="18" charset="0"/>
+                            </a:rPr>
+                            <m:t>𝐸𝑂𝑇</m:t>
+                          </m:r>
+                        </m:e>
+                      </m:d>
+                      <m:r>
+                        <a:rPr lang="en-US" altLang="zh-CN" b="0" i="1" smtClean="0">
+                          <a:latin typeface="Cambria Math" panose="02040503050406030204" pitchFamily="18" charset="0"/>
+                          <a:cs typeface="Times New Roman" panose="02020603050405020304" pitchFamily="18" charset="0"/>
+                        </a:rPr>
+                        <m:t>∗</m:t>
+                      </m:r>
+                      <m:sSup>
+                        <m:sSupPr>
+                          <m:ctrlPr>
+                            <a:rPr lang="en-US" altLang="zh-CN" b="0" i="1" smtClean="0">
+                              <a:latin typeface="Cambria Math" panose="02040503050406030204" pitchFamily="18" charset="0"/>
+                              <a:cs typeface="Times New Roman" panose="02020603050405020304" pitchFamily="18" charset="0"/>
+                            </a:rPr>
+                          </m:ctrlPr>
+                        </m:sSupPr>
+                        <m:e>
+                          <m:r>
+                            <a:rPr lang="en-US" altLang="zh-CN" b="0" i="1" smtClean="0">
+                              <a:latin typeface="Cambria Math" panose="02040503050406030204" pitchFamily="18" charset="0"/>
+                              <a:cs typeface="Times New Roman" panose="02020603050405020304" pitchFamily="18" charset="0"/>
+                            </a:rPr>
+                            <m:t>10</m:t>
+                          </m:r>
+                        </m:e>
+                        <m:sup>
+                          <m:r>
+                            <a:rPr lang="en-US" altLang="zh-CN" b="0" i="1" smtClean="0">
+                              <a:latin typeface="Cambria Math" panose="02040503050406030204" pitchFamily="18" charset="0"/>
+                              <a:cs typeface="Times New Roman" panose="02020603050405020304" pitchFamily="18" charset="0"/>
+                            </a:rPr>
+                            <m:t>−3</m:t>
+                          </m:r>
+                        </m:sup>
+                      </m:sSup>
+                      <m:d>
+                        <m:dPr>
+                          <m:ctrlPr>
+                            <a:rPr lang="en-US" altLang="zh-CN" b="0" i="1" smtClean="0">
+                              <a:latin typeface="Cambria Math" panose="02040503050406030204" pitchFamily="18" charset="0"/>
+                              <a:cs typeface="Times New Roman" panose="02020603050405020304" pitchFamily="18" charset="0"/>
+                            </a:rPr>
+                          </m:ctrlPr>
+                        </m:dPr>
+                        <m:e>
+                          <m:r>
+                            <a:rPr lang="en-US" altLang="zh-CN" b="0" i="1" smtClean="0">
+                              <a:latin typeface="Cambria Math" panose="02040503050406030204" pitchFamily="18" charset="0"/>
+                              <a:cs typeface="Times New Roman" panose="02020603050405020304" pitchFamily="18" charset="0"/>
+                            </a:rPr>
+                            <m:t>𝑡h𝑖𝑐𝑘𝑛𝑒𝑠𝑠</m:t>
+                          </m:r>
+                        </m:e>
+                      </m:d>
+                      <m:r>
+                        <a:rPr lang="en-US" altLang="zh-CN" b="0" i="1" smtClean="0">
+                          <a:latin typeface="Cambria Math" panose="02040503050406030204" pitchFamily="18" charset="0"/>
+                          <a:cs typeface="Times New Roman" panose="02020603050405020304" pitchFamily="18" charset="0"/>
+                        </a:rPr>
+                        <m:t>∗</m:t>
+                      </m:r>
+                      <m:f>
+                        <m:fPr>
+                          <m:ctrlPr>
+                            <a:rPr lang="en-US" altLang="zh-CN" b="0" i="1" smtClean="0">
+                              <a:latin typeface="Cambria Math" panose="02040503050406030204" pitchFamily="18" charset="0"/>
+                              <a:cs typeface="Times New Roman" panose="02020603050405020304" pitchFamily="18" charset="0"/>
+                            </a:rPr>
+                          </m:ctrlPr>
+                        </m:fPr>
+                        <m:num>
+                          <m:r>
+                            <a:rPr lang="en-US" altLang="zh-CN" b="0" i="1" smtClean="0">
+                              <a:latin typeface="Cambria Math" panose="02040503050406030204" pitchFamily="18" charset="0"/>
+                              <a:cs typeface="Times New Roman" panose="02020603050405020304" pitchFamily="18" charset="0"/>
+                            </a:rPr>
+                            <m:t>1</m:t>
+                          </m:r>
+                          <m:r>
+                            <a:rPr lang="en-US" altLang="zh-CN" b="0" i="1" smtClean="0">
+                              <a:latin typeface="Cambria Math" panose="02040503050406030204" pitchFamily="18" charset="0"/>
+                              <a:cs typeface="Times New Roman" panose="02020603050405020304" pitchFamily="18" charset="0"/>
+                            </a:rPr>
+                            <m:t>𝑐𝑚</m:t>
+                          </m:r>
+                        </m:num>
+                        <m:den>
+                          <m:r>
+                            <a:rPr lang="en-US" altLang="zh-CN" b="0" i="1" smtClean="0">
+                              <a:latin typeface="Cambria Math" panose="02040503050406030204" pitchFamily="18" charset="0"/>
+                              <a:cs typeface="Times New Roman" panose="02020603050405020304" pitchFamily="18" charset="0"/>
+                            </a:rPr>
+                            <m:t>2</m:t>
+                          </m:r>
+                          <m:r>
+                            <a:rPr lang="en-US" altLang="zh-CN" b="0" i="1" smtClean="0">
+                              <a:latin typeface="Cambria Math" panose="02040503050406030204" pitchFamily="18" charset="0"/>
+                              <a:cs typeface="Times New Roman" panose="02020603050405020304" pitchFamily="18" charset="0"/>
+                            </a:rPr>
+                            <m:t>𝜋</m:t>
+                          </m:r>
+                          <m:r>
+                            <a:rPr lang="en-US" altLang="zh-CN" b="0" i="1" smtClean="0">
+                              <a:latin typeface="Cambria Math" panose="02040503050406030204" pitchFamily="18" charset="0"/>
+                              <a:cs typeface="Times New Roman" panose="02020603050405020304" pitchFamily="18" charset="0"/>
+                            </a:rPr>
+                            <m:t>∗2.5</m:t>
+                          </m:r>
+                          <m:r>
+                            <a:rPr lang="en-US" altLang="zh-CN" b="0" i="1" smtClean="0">
+                              <a:latin typeface="Cambria Math" panose="02040503050406030204" pitchFamily="18" charset="0"/>
+                              <a:cs typeface="Times New Roman" panose="02020603050405020304" pitchFamily="18" charset="0"/>
+                            </a:rPr>
+                            <m:t>𝑐𝑚</m:t>
+                          </m:r>
+                        </m:den>
+                      </m:f>
+                      <m:r>
+                        <a:rPr lang="en-US" altLang="zh-CN" b="0" i="1" smtClean="0">
+                          <a:latin typeface="Cambria Math" panose="02040503050406030204" pitchFamily="18" charset="0"/>
+                          <a:cs typeface="Times New Roman" panose="02020603050405020304" pitchFamily="18" charset="0"/>
+                        </a:rPr>
+                        <m:t>∗</m:t>
+                      </m:r>
+                      <m:sSup>
+                        <m:sSupPr>
+                          <m:ctrlPr>
+                            <a:rPr lang="en-US" altLang="zh-CN" b="0" i="1" smtClean="0">
+                              <a:latin typeface="Cambria Math" panose="02040503050406030204" pitchFamily="18" charset="0"/>
+                              <a:cs typeface="Times New Roman" panose="02020603050405020304" pitchFamily="18" charset="0"/>
+                            </a:rPr>
+                          </m:ctrlPr>
+                        </m:sSupPr>
+                        <m:e>
+                          <m:r>
+                            <a:rPr lang="en-US" altLang="zh-CN" b="0" i="1" smtClean="0">
+                              <a:latin typeface="Cambria Math" panose="02040503050406030204" pitchFamily="18" charset="0"/>
+                              <a:cs typeface="Times New Roman" panose="02020603050405020304" pitchFamily="18" charset="0"/>
+                            </a:rPr>
+                            <m:t>10</m:t>
+                          </m:r>
+                        </m:e>
+                        <m:sup>
+                          <m:r>
+                            <a:rPr lang="en-US" altLang="zh-CN" b="0" i="1" smtClean="0">
+                              <a:latin typeface="Cambria Math" panose="02040503050406030204" pitchFamily="18" charset="0"/>
+                              <a:cs typeface="Times New Roman" panose="02020603050405020304" pitchFamily="18" charset="0"/>
+                            </a:rPr>
+                            <m:t>5</m:t>
+                          </m:r>
+                        </m:sup>
+                      </m:sSup>
+                      <m:r>
+                        <a:rPr lang="en-US" altLang="zh-CN" b="0" i="1" smtClean="0">
+                          <a:latin typeface="Cambria Math" panose="02040503050406030204" pitchFamily="18" charset="0"/>
+                          <a:cs typeface="Times New Roman" panose="02020603050405020304" pitchFamily="18" charset="0"/>
+                        </a:rPr>
+                        <m:t>=</m:t>
+                      </m:r>
+                      <m:sSup>
+                        <m:sSupPr>
+                          <m:ctrlPr>
+                            <a:rPr lang="en-US" altLang="zh-CN" b="0" i="1" smtClean="0">
+                              <a:latin typeface="Cambria Math" panose="02040503050406030204" pitchFamily="18" charset="0"/>
+                              <a:cs typeface="Times New Roman" panose="02020603050405020304" pitchFamily="18" charset="0"/>
+                            </a:rPr>
+                          </m:ctrlPr>
+                        </m:sSupPr>
+                        <m:e>
+                          <m:r>
+                            <a:rPr lang="en-US" altLang="zh-CN" b="0" i="1" smtClean="0">
+                              <a:latin typeface="Cambria Math" panose="02040503050406030204" pitchFamily="18" charset="0"/>
+                              <a:cs typeface="Times New Roman" panose="02020603050405020304" pitchFamily="18" charset="0"/>
+                            </a:rPr>
+                            <m:t>10</m:t>
+                          </m:r>
+                        </m:e>
+                        <m:sup>
+                          <m:r>
+                            <a:rPr lang="en-US" altLang="zh-CN" b="0" i="1" smtClean="0">
+                              <a:latin typeface="Cambria Math" panose="02040503050406030204" pitchFamily="18" charset="0"/>
+                              <a:cs typeface="Times New Roman" panose="02020603050405020304" pitchFamily="18" charset="0"/>
+                            </a:rPr>
+                            <m:t>4</m:t>
+                          </m:r>
+                        </m:sup>
+                      </m:sSup>
+                    </m:oMath>
+                  </m:oMathPara>
+                </a14:m>
+                <a:endParaRPr lang="zh-CN" altLang="en-US" dirty="0" err="1">
+                  <a:latin typeface="Times New Roman" panose="02020603050405020304" pitchFamily="18" charset="0"/>
+                  <a:cs typeface="Times New Roman" panose="02020603050405020304" pitchFamily="18" charset="0"/>
+                </a:endParaRPr>
+              </a:p>
+            </p:txBody>
+          </p:sp>
+        </mc:Choice>
+        <mc:Fallback xmlns="">
+          <p:sp>
+            <p:nvSpPr>
+              <p:cNvPr id="8" name="文本框 7">
+                <a:extLst>
+                  <a:ext uri="{FF2B5EF4-FFF2-40B4-BE49-F238E27FC236}">
+                    <a16:creationId xmlns:a16="http://schemas.microsoft.com/office/drawing/2014/main" id="{00E89565-1CF3-6425-AD2B-7CE7D3B0C9D9}"/>
+                  </a:ext>
+                </a:extLst>
+              </p:cNvPr>
+              <p:cNvSpPr txBox="1">
+                <a:spLocks noRot="1" noChangeAspect="1" noMove="1" noResize="1" noEditPoints="1" noAdjustHandles="1" noChangeArrowheads="1" noChangeShapeType="1" noTextEdit="1"/>
+              </p:cNvSpPr>
+              <p:nvPr/>
+            </p:nvSpPr>
+            <p:spPr>
+              <a:xfrm>
+                <a:off x="2383277" y="5334536"/>
+                <a:ext cx="5817139" cy="612796"/>
+              </a:xfrm>
+              <a:prstGeom prst="rect">
+                <a:avLst/>
+              </a:prstGeom>
+              <a:blipFill>
+                <a:blip r:embed="rId6"/>
+                <a:stretch>
+                  <a:fillRect/>
+                </a:stretch>
+              </a:blipFill>
+            </p:spPr>
+            <p:txBody>
+              <a:bodyPr/>
+              <a:lstStyle/>
+              <a:p>
+                <a:r>
+                  <a:rPr lang="zh-CN" altLang="en-US">
+                    <a:noFill/>
+                  </a:rPr>
+                  <a:t> </a:t>
+                </a:r>
+              </a:p>
+            </p:txBody>
+          </p:sp>
+        </mc:Fallback>
+      </mc:AlternateContent>
+      <mc:AlternateContent xmlns:mc="http://schemas.openxmlformats.org/markup-compatibility/2006" xmlns:a14="http://schemas.microsoft.com/office/drawing/2010/main">
+        <mc:Choice Requires="a14">
+          <p:sp>
+            <p:nvSpPr>
+              <p:cNvPr id="9" name="文本框 8">
+                <a:extLst>
+                  <a:ext uri="{FF2B5EF4-FFF2-40B4-BE49-F238E27FC236}">
+                    <a16:creationId xmlns:a16="http://schemas.microsoft.com/office/drawing/2014/main" id="{5E4167B3-0DCB-7FBA-AE15-129E39E503E2}"/>
+                  </a:ext>
+                </a:extLst>
+              </p:cNvPr>
+              <p:cNvSpPr txBox="1"/>
+              <p:nvPr/>
+            </p:nvSpPr>
+            <p:spPr>
+              <a:xfrm>
+                <a:off x="145915" y="5480144"/>
+                <a:ext cx="2237362" cy="399405"/>
+              </a:xfrm>
+              <a:prstGeom prst="rect">
+                <a:avLst/>
+              </a:prstGeom>
+              <a:noFill/>
+            </p:spPr>
+            <p:txBody>
+              <a:bodyPr wrap="square" rtlCol="0">
+                <a:spAutoFit/>
+              </a:bodyPr>
+              <a:lstStyle/>
+              <a:p>
+                <a:pPr algn="l"/>
+                <a:r>
+                  <a:rPr lang="en-US" altLang="zh-CN" dirty="0">
+                    <a:latin typeface="Times New Roman" panose="02020603050405020304" pitchFamily="18" charset="0"/>
+                    <a:cs typeface="Times New Roman" panose="02020603050405020304" pitchFamily="18" charset="0"/>
+                  </a:rPr>
+                  <a:t>For </a:t>
+                </a:r>
+                <a14:m>
+                  <m:oMath xmlns:m="http://schemas.openxmlformats.org/officeDocument/2006/math">
+                    <m:sSub>
+                      <m:sSubPr>
+                        <m:ctrlPr>
+                          <a:rPr lang="en-US" altLang="zh-CN" b="0" i="1" smtClean="0">
+                            <a:latin typeface="Cambria Math" panose="02040503050406030204" pitchFamily="18" charset="0"/>
+                            <a:cs typeface="Times New Roman" panose="02020603050405020304" pitchFamily="18" charset="0"/>
+                          </a:rPr>
+                        </m:ctrlPr>
+                      </m:sSubPr>
+                      <m:e>
+                        <m:r>
+                          <a:rPr lang="en-US" altLang="zh-CN" b="0" i="1" smtClean="0">
+                            <a:latin typeface="Cambria Math" panose="02040503050406030204" pitchFamily="18" charset="0"/>
+                            <a:cs typeface="Times New Roman" panose="02020603050405020304" pitchFamily="18" charset="0"/>
+                          </a:rPr>
+                          <m:t>𝑚</m:t>
+                        </m:r>
+                      </m:e>
+                      <m:sub>
+                        <m:r>
+                          <a:rPr lang="en-US" altLang="zh-CN" b="0" i="1" smtClean="0">
+                            <a:latin typeface="Cambria Math" panose="02040503050406030204" pitchFamily="18" charset="0"/>
+                            <a:cs typeface="Times New Roman" panose="02020603050405020304" pitchFamily="18" charset="0"/>
+                          </a:rPr>
+                          <m:t>𝜒</m:t>
+                        </m:r>
+                      </m:sub>
+                    </m:sSub>
+                    <m:r>
+                      <a:rPr lang="en-US" altLang="zh-CN" b="0" i="1" smtClean="0">
+                        <a:latin typeface="Cambria Math" panose="02040503050406030204" pitchFamily="18" charset="0"/>
+                        <a:cs typeface="Times New Roman" panose="02020603050405020304" pitchFamily="18" charset="0"/>
+                      </a:rPr>
+                      <m:t>&lt;</m:t>
+                    </m:r>
+                    <m:sSup>
+                      <m:sSupPr>
+                        <m:ctrlPr>
+                          <a:rPr lang="en-US" altLang="zh-CN" b="0" i="1" smtClean="0">
+                            <a:latin typeface="Cambria Math" panose="02040503050406030204" pitchFamily="18" charset="0"/>
+                            <a:cs typeface="Times New Roman" panose="02020603050405020304" pitchFamily="18" charset="0"/>
+                          </a:rPr>
+                        </m:ctrlPr>
+                      </m:sSupPr>
+                      <m:e>
+                        <m:r>
+                          <a:rPr lang="en-US" altLang="zh-CN" b="0" i="1" smtClean="0">
+                            <a:latin typeface="Cambria Math" panose="02040503050406030204" pitchFamily="18" charset="0"/>
+                            <a:cs typeface="Times New Roman" panose="02020603050405020304" pitchFamily="18" charset="0"/>
+                          </a:rPr>
+                          <m:t>10</m:t>
+                        </m:r>
+                      </m:e>
+                      <m:sup>
+                        <m:r>
+                          <a:rPr lang="en-US" altLang="zh-CN" b="0" i="1" smtClean="0">
+                            <a:latin typeface="Cambria Math" panose="02040503050406030204" pitchFamily="18" charset="0"/>
+                            <a:cs typeface="Times New Roman" panose="02020603050405020304" pitchFamily="18" charset="0"/>
+                          </a:rPr>
+                          <m:t>−3</m:t>
+                        </m:r>
+                      </m:sup>
+                    </m:sSup>
+                  </m:oMath>
+                </a14:m>
+                <a:r>
+                  <a:rPr lang="zh-CN" altLang="en-US" dirty="0">
+                    <a:latin typeface="Times New Roman" panose="02020603050405020304" pitchFamily="18" charset="0"/>
+                    <a:cs typeface="Times New Roman" panose="02020603050405020304" pitchFamily="18" charset="0"/>
+                  </a:rPr>
+                  <a:t> </a:t>
+                </a:r>
+                <a:r>
+                  <a:rPr lang="en-US" altLang="zh-CN" dirty="0">
+                    <a:latin typeface="Times New Roman" panose="02020603050405020304" pitchFamily="18" charset="0"/>
+                    <a:cs typeface="Times New Roman" panose="02020603050405020304" pitchFamily="18" charset="0"/>
+                  </a:rPr>
+                  <a:t>GeV:</a:t>
+                </a:r>
+                <a:endParaRPr lang="zh-CN" altLang="en-US" dirty="0" err="1">
+                  <a:latin typeface="Times New Roman" panose="02020603050405020304" pitchFamily="18" charset="0"/>
+                  <a:cs typeface="Times New Roman" panose="02020603050405020304" pitchFamily="18" charset="0"/>
+                </a:endParaRPr>
+              </a:p>
+            </p:txBody>
+          </p:sp>
+        </mc:Choice>
+        <mc:Fallback xmlns="">
+          <p:sp>
+            <p:nvSpPr>
+              <p:cNvPr id="9" name="文本框 8">
+                <a:extLst>
+                  <a:ext uri="{FF2B5EF4-FFF2-40B4-BE49-F238E27FC236}">
+                    <a16:creationId xmlns:a16="http://schemas.microsoft.com/office/drawing/2014/main" id="{5E4167B3-0DCB-7FBA-AE15-129E39E503E2}"/>
+                  </a:ext>
+                </a:extLst>
+              </p:cNvPr>
+              <p:cNvSpPr txBox="1">
+                <a:spLocks noRot="1" noChangeAspect="1" noMove="1" noResize="1" noEditPoints="1" noAdjustHandles="1" noChangeArrowheads="1" noChangeShapeType="1" noTextEdit="1"/>
+              </p:cNvSpPr>
+              <p:nvPr/>
+            </p:nvSpPr>
+            <p:spPr>
+              <a:xfrm>
+                <a:off x="145915" y="5480144"/>
+                <a:ext cx="2237362" cy="399405"/>
+              </a:xfrm>
+              <a:prstGeom prst="rect">
+                <a:avLst/>
+              </a:prstGeom>
+              <a:blipFill>
+                <a:blip r:embed="rId7"/>
+                <a:stretch>
+                  <a:fillRect l="-2452" t="-7692" b="-18462"/>
+                </a:stretch>
+              </a:blipFill>
+            </p:spPr>
+            <p:txBody>
+              <a:bodyPr/>
+              <a:lstStyle/>
+              <a:p>
+                <a:r>
+                  <a:rPr lang="zh-CN" altLang="en-US">
+                    <a:noFill/>
+                  </a:rPr>
+                  <a:t> </a:t>
+                </a:r>
+              </a:p>
+            </p:txBody>
+          </p:sp>
+        </mc:Fallback>
+      </mc:AlternateContent>
+      <p:cxnSp>
+        <p:nvCxnSpPr>
+          <p:cNvPr id="11" name="直接箭头连接符 10">
+            <a:extLst>
+              <a:ext uri="{FF2B5EF4-FFF2-40B4-BE49-F238E27FC236}">
+                <a16:creationId xmlns:a16="http://schemas.microsoft.com/office/drawing/2014/main" id="{56E29F04-7D63-15E0-6526-C1CA6CA9FE4B}"/>
+              </a:ext>
+            </a:extLst>
+          </p:cNvPr>
+          <p:cNvCxnSpPr>
+            <a:cxnSpLocks/>
+          </p:cNvCxnSpPr>
+          <p:nvPr/>
+        </p:nvCxnSpPr>
+        <p:spPr>
+          <a:xfrm flipV="1">
+            <a:off x="6663447" y="5801406"/>
+            <a:ext cx="404509" cy="295391"/>
+          </a:xfrm>
+          <a:prstGeom prst="straightConnector1">
+            <a:avLst/>
+          </a:prstGeom>
+          <a:ln>
+            <a:tailEnd type="triangle"/>
+          </a:ln>
+        </p:spPr>
+        <p:style>
+          <a:lnRef idx="2">
+            <a:schemeClr val="accent1"/>
+          </a:lnRef>
+          <a:fillRef idx="0">
+            <a:schemeClr val="accent1"/>
+          </a:fillRef>
+          <a:effectRef idx="1">
+            <a:schemeClr val="accent1"/>
+          </a:effectRef>
+          <a:fontRef idx="minor">
+            <a:schemeClr val="tx1"/>
+          </a:fontRef>
+        </p:style>
+      </p:cxnSp>
+      <p:pic>
+        <p:nvPicPr>
+          <p:cNvPr id="14" name="图片 13" descr="图片包含 文本&#10;&#10;描述已自动生成">
+            <a:extLst>
+              <a:ext uri="{FF2B5EF4-FFF2-40B4-BE49-F238E27FC236}">
+                <a16:creationId xmlns:a16="http://schemas.microsoft.com/office/drawing/2014/main" id="{D3EC3FCE-24B3-2174-8E01-11F81B95E0CA}"/>
+              </a:ext>
+            </a:extLst>
+          </p:cNvPr>
+          <p:cNvPicPr>
+            <a:picLocks noChangeAspect="1"/>
+          </p:cNvPicPr>
+          <p:nvPr/>
+        </p:nvPicPr>
+        <p:blipFill>
+          <a:blip r:embed="rId8">
+            <a:extLst>
+              <a:ext uri="{28A0092B-C50C-407E-A947-70E740481C1C}">
+                <a14:useLocalDpi xmlns:a14="http://schemas.microsoft.com/office/drawing/2010/main" val="0"/>
+              </a:ext>
+            </a:extLst>
+          </a:blip>
+          <a:stretch>
+            <a:fillRect/>
+          </a:stretch>
+        </p:blipFill>
+        <p:spPr>
+          <a:xfrm>
+            <a:off x="2920184" y="6096797"/>
+            <a:ext cx="2721595" cy="695980"/>
+          </a:xfrm>
+          <a:prstGeom prst="rect">
+            <a:avLst/>
+          </a:prstGeom>
+        </p:spPr>
+      </p:pic>
+      <mc:AlternateContent xmlns:mc="http://schemas.openxmlformats.org/markup-compatibility/2006" xmlns:a14="http://schemas.microsoft.com/office/drawing/2010/main">
+        <mc:Choice Requires="a14">
+          <p:sp>
+            <p:nvSpPr>
+              <p:cNvPr id="16" name="文本框 15">
+                <a:extLst>
+                  <a:ext uri="{FF2B5EF4-FFF2-40B4-BE49-F238E27FC236}">
+                    <a16:creationId xmlns:a16="http://schemas.microsoft.com/office/drawing/2014/main" id="{F6AE2B49-D20A-2BF3-DA4C-19B16306CDE7}"/>
+                  </a:ext>
+                </a:extLst>
+              </p:cNvPr>
+              <p:cNvSpPr txBox="1"/>
+              <p:nvPr/>
+            </p:nvSpPr>
+            <p:spPr>
+              <a:xfrm>
+                <a:off x="5852404" y="6096797"/>
+                <a:ext cx="2431104" cy="818879"/>
+              </a:xfrm>
+              <a:prstGeom prst="rect">
+                <a:avLst/>
+              </a:prstGeom>
+              <a:noFill/>
+            </p:spPr>
+            <p:txBody>
+              <a:bodyPr wrap="square" rtlCol="0">
+                <a:spAutoFit/>
+              </a:bodyPr>
+              <a:lstStyle/>
+              <a:p>
+                <a:pPr algn="l"/>
+                <a14:m>
+                  <m:oMathPara xmlns:m="http://schemas.openxmlformats.org/officeDocument/2006/math">
+                    <m:oMathParaPr>
+                      <m:jc m:val="centerGroup"/>
+                    </m:oMathParaPr>
+                    <m:oMath xmlns:m="http://schemas.openxmlformats.org/officeDocument/2006/math">
+                      <m:nary>
+                        <m:naryPr>
+                          <m:limLoc m:val="undOvr"/>
+                          <m:subHide m:val="on"/>
+                          <m:supHide m:val="on"/>
+                          <m:ctrlPr>
+                            <a:rPr lang="en-US" altLang="zh-CN" b="0" i="1" smtClean="0">
+                              <a:latin typeface="Cambria Math" panose="02040503050406030204" pitchFamily="18" charset="0"/>
+                              <a:cs typeface="Times New Roman" panose="02020603050405020304" pitchFamily="18" charset="0"/>
+                            </a:rPr>
+                          </m:ctrlPr>
+                        </m:naryPr>
+                        <m:sub/>
+                        <m:sup/>
+                        <m:e>
+                          <m:f>
+                            <m:fPr>
+                              <m:ctrlPr>
+                                <a:rPr lang="en-US" altLang="zh-CN" b="0" i="1" smtClean="0">
+                                  <a:latin typeface="Cambria Math" panose="02040503050406030204" pitchFamily="18" charset="0"/>
+                                  <a:cs typeface="Times New Roman" panose="02020603050405020304" pitchFamily="18" charset="0"/>
+                                </a:rPr>
+                              </m:ctrlPr>
+                            </m:fPr>
+                            <m:num>
+                              <m:r>
+                                <a:rPr lang="en-US" altLang="zh-CN" b="0" i="1" smtClean="0">
+                                  <a:latin typeface="Cambria Math" panose="02040503050406030204" pitchFamily="18" charset="0"/>
+                                  <a:cs typeface="Times New Roman" panose="02020603050405020304" pitchFamily="18" charset="0"/>
+                                </a:rPr>
+                                <m:t>1</m:t>
+                              </m:r>
+                            </m:num>
+                            <m:den>
+                              <m:sSubSup>
+                                <m:sSubSupPr>
+                                  <m:ctrlPr>
+                                    <a:rPr lang="en-US" altLang="zh-CN" b="0" i="1" smtClean="0">
+                                      <a:latin typeface="Cambria Math" panose="02040503050406030204" pitchFamily="18" charset="0"/>
+                                      <a:cs typeface="Times New Roman" panose="02020603050405020304" pitchFamily="18" charset="0"/>
+                                    </a:rPr>
+                                  </m:ctrlPr>
+                                </m:sSubSupPr>
+                                <m:e>
+                                  <m:r>
+                                    <a:rPr lang="en-US" altLang="zh-CN" b="0" i="1" smtClean="0">
+                                      <a:latin typeface="Cambria Math" panose="02040503050406030204" pitchFamily="18" charset="0"/>
+                                      <a:cs typeface="Times New Roman" panose="02020603050405020304" pitchFamily="18" charset="0"/>
+                                    </a:rPr>
+                                    <m:t>𝐸</m:t>
+                                  </m:r>
+                                </m:e>
+                                <m:sub>
+                                  <m:r>
+                                    <a:rPr lang="en-US" altLang="zh-CN" b="0" i="1" smtClean="0">
+                                      <a:latin typeface="Cambria Math" panose="02040503050406030204" pitchFamily="18" charset="0"/>
+                                      <a:cs typeface="Times New Roman" panose="02020603050405020304" pitchFamily="18" charset="0"/>
+                                    </a:rPr>
+                                    <m:t>𝑟</m:t>
+                                  </m:r>
+                                </m:sub>
+                                <m:sup>
+                                  <m:r>
+                                    <a:rPr lang="en-US" altLang="zh-CN" b="0" i="1" smtClean="0">
+                                      <a:latin typeface="Cambria Math" panose="02040503050406030204" pitchFamily="18" charset="0"/>
+                                      <a:cs typeface="Times New Roman" panose="02020603050405020304" pitchFamily="18" charset="0"/>
+                                    </a:rPr>
+                                    <m:t>2</m:t>
+                                  </m:r>
+                                </m:sup>
+                              </m:sSubSup>
+                            </m:den>
+                          </m:f>
+                          <m:r>
+                            <a:rPr lang="en-US" altLang="zh-CN" b="0" i="1" smtClean="0">
+                              <a:latin typeface="Cambria Math" panose="02040503050406030204" pitchFamily="18" charset="0"/>
+                              <a:cs typeface="Times New Roman" panose="02020603050405020304" pitchFamily="18" charset="0"/>
+                            </a:rPr>
+                            <m:t>𝑑</m:t>
+                          </m:r>
+                          <m:sSub>
+                            <m:sSubPr>
+                              <m:ctrlPr>
+                                <a:rPr lang="en-US" altLang="zh-CN" b="0" i="1" smtClean="0">
+                                  <a:latin typeface="Cambria Math" panose="02040503050406030204" pitchFamily="18" charset="0"/>
+                                  <a:cs typeface="Times New Roman" panose="02020603050405020304" pitchFamily="18" charset="0"/>
+                                </a:rPr>
+                              </m:ctrlPr>
+                            </m:sSubPr>
+                            <m:e>
+                              <m:r>
+                                <a:rPr lang="en-US" altLang="zh-CN" b="0" i="1" smtClean="0">
+                                  <a:latin typeface="Cambria Math" panose="02040503050406030204" pitchFamily="18" charset="0"/>
+                                  <a:cs typeface="Times New Roman" panose="02020603050405020304" pitchFamily="18" charset="0"/>
+                                </a:rPr>
+                                <m:t>𝐸</m:t>
+                              </m:r>
+                            </m:e>
+                            <m:sub>
+                              <m:r>
+                                <a:rPr lang="en-US" altLang="zh-CN" b="0" i="1" smtClean="0">
+                                  <a:latin typeface="Cambria Math" panose="02040503050406030204" pitchFamily="18" charset="0"/>
+                                  <a:cs typeface="Times New Roman" panose="02020603050405020304" pitchFamily="18" charset="0"/>
+                                </a:rPr>
+                                <m:t>𝑟</m:t>
+                              </m:r>
+                            </m:sub>
+                          </m:sSub>
+                          <m:r>
+                            <a:rPr lang="en-US" altLang="zh-CN" b="0" i="1" smtClean="0">
+                              <a:latin typeface="Cambria Math" panose="02040503050406030204" pitchFamily="18" charset="0"/>
+                              <a:cs typeface="Times New Roman" panose="02020603050405020304" pitchFamily="18" charset="0"/>
+                            </a:rPr>
+                            <m:t>≈</m:t>
+                          </m:r>
+                          <m:f>
+                            <m:fPr>
+                              <m:ctrlPr>
+                                <a:rPr lang="en-US" altLang="zh-CN" b="0" i="1" smtClean="0">
+                                  <a:latin typeface="Cambria Math" panose="02040503050406030204" pitchFamily="18" charset="0"/>
+                                  <a:cs typeface="Times New Roman" panose="02020603050405020304" pitchFamily="18" charset="0"/>
+                                </a:rPr>
+                              </m:ctrlPr>
+                            </m:fPr>
+                            <m:num>
+                              <m:r>
+                                <a:rPr lang="en-US" altLang="zh-CN" b="0" i="1" smtClean="0">
+                                  <a:latin typeface="Cambria Math" panose="02040503050406030204" pitchFamily="18" charset="0"/>
+                                  <a:cs typeface="Times New Roman" panose="02020603050405020304" pitchFamily="18" charset="0"/>
+                                </a:rPr>
+                                <m:t>1</m:t>
+                              </m:r>
+                            </m:num>
+                            <m:den>
+                              <m:sSubSup>
+                                <m:sSubSupPr>
+                                  <m:ctrlPr>
+                                    <a:rPr lang="en-US" altLang="zh-CN" b="0" i="1" smtClean="0">
+                                      <a:latin typeface="Cambria Math" panose="02040503050406030204" pitchFamily="18" charset="0"/>
+                                      <a:cs typeface="Times New Roman" panose="02020603050405020304" pitchFamily="18" charset="0"/>
+                                    </a:rPr>
+                                  </m:ctrlPr>
+                                </m:sSubSupPr>
+                                <m:e>
+                                  <m:r>
+                                    <a:rPr lang="en-US" altLang="zh-CN" b="0" i="1" smtClean="0">
+                                      <a:latin typeface="Cambria Math" panose="02040503050406030204" pitchFamily="18" charset="0"/>
+                                      <a:cs typeface="Times New Roman" panose="02020603050405020304" pitchFamily="18" charset="0"/>
+                                    </a:rPr>
+                                    <m:t>𝐸</m:t>
+                                  </m:r>
+                                </m:e>
+                                <m:sub>
+                                  <m:r>
+                                    <a:rPr lang="en-US" altLang="zh-CN" b="0" i="1" smtClean="0">
+                                      <a:latin typeface="Cambria Math" panose="02040503050406030204" pitchFamily="18" charset="0"/>
+                                      <a:cs typeface="Times New Roman" panose="02020603050405020304" pitchFamily="18" charset="0"/>
+                                    </a:rPr>
+                                    <m:t>𝑟</m:t>
+                                  </m:r>
+                                </m:sub>
+                                <m:sup>
+                                  <m:r>
+                                    <m:rPr>
+                                      <m:sty m:val="p"/>
+                                    </m:rPr>
+                                    <a:rPr lang="en-US" altLang="zh-CN" b="0" i="0" smtClean="0">
+                                      <a:latin typeface="Cambria Math" panose="02040503050406030204" pitchFamily="18" charset="0"/>
+                                      <a:cs typeface="Times New Roman" panose="02020603050405020304" pitchFamily="18" charset="0"/>
+                                    </a:rPr>
+                                    <m:t>min</m:t>
+                                  </m:r>
+                                </m:sup>
+                              </m:sSubSup>
+                            </m:den>
+                          </m:f>
+                        </m:e>
+                      </m:nary>
+                    </m:oMath>
+                  </m:oMathPara>
+                </a14:m>
+                <a:endParaRPr lang="zh-CN" altLang="en-US" dirty="0" err="1">
+                  <a:latin typeface="Times New Roman" panose="02020603050405020304" pitchFamily="18" charset="0"/>
+                  <a:cs typeface="Times New Roman" panose="02020603050405020304" pitchFamily="18" charset="0"/>
+                </a:endParaRPr>
+              </a:p>
+            </p:txBody>
+          </p:sp>
+        </mc:Choice>
+        <mc:Fallback xmlns="">
+          <p:sp>
+            <p:nvSpPr>
+              <p:cNvPr id="16" name="文本框 15">
+                <a:extLst>
+                  <a:ext uri="{FF2B5EF4-FFF2-40B4-BE49-F238E27FC236}">
+                    <a16:creationId xmlns:a16="http://schemas.microsoft.com/office/drawing/2014/main" id="{F6AE2B49-D20A-2BF3-DA4C-19B16306CDE7}"/>
+                  </a:ext>
+                </a:extLst>
+              </p:cNvPr>
+              <p:cNvSpPr txBox="1">
+                <a:spLocks noRot="1" noChangeAspect="1" noMove="1" noResize="1" noEditPoints="1" noAdjustHandles="1" noChangeArrowheads="1" noChangeShapeType="1" noTextEdit="1"/>
+              </p:cNvSpPr>
+              <p:nvPr/>
+            </p:nvSpPr>
+            <p:spPr>
+              <a:xfrm>
+                <a:off x="5852404" y="6096797"/>
+                <a:ext cx="2431104" cy="818879"/>
+              </a:xfrm>
+              <a:prstGeom prst="rect">
+                <a:avLst/>
+              </a:prstGeom>
+              <a:blipFill>
+                <a:blip r:embed="rId9"/>
+                <a:stretch>
+                  <a:fillRect/>
+                </a:stretch>
+              </a:blipFill>
+            </p:spPr>
+            <p:txBody>
+              <a:bodyPr/>
+              <a:lstStyle/>
+              <a:p>
+                <a:r>
+                  <a:rPr lang="zh-CN" altLang="en-US">
+                    <a:noFill/>
+                  </a:rPr>
+                  <a:t> </a:t>
+                </a:r>
+              </a:p>
+            </p:txBody>
+          </p:sp>
+        </mc:Fallback>
+      </mc:AlternateContent>
+      <p:pic>
+        <p:nvPicPr>
+          <p:cNvPr id="20" name="图片 19" descr="图表&#10;&#10;描述已自动生成">
+            <a:extLst>
+              <a:ext uri="{FF2B5EF4-FFF2-40B4-BE49-F238E27FC236}">
+                <a16:creationId xmlns:a16="http://schemas.microsoft.com/office/drawing/2014/main" id="{875D8BAC-7CCD-7D97-9427-5F10F63FF2B7}"/>
+              </a:ext>
+            </a:extLst>
+          </p:cNvPr>
+          <p:cNvPicPr>
+            <a:picLocks noChangeAspect="1"/>
+          </p:cNvPicPr>
+          <p:nvPr/>
+        </p:nvPicPr>
+        <p:blipFill>
+          <a:blip r:embed="rId10">
+            <a:extLst>
+              <a:ext uri="{28A0092B-C50C-407E-A947-70E740481C1C}">
+                <a14:useLocalDpi xmlns:a14="http://schemas.microsoft.com/office/drawing/2010/main" val="0"/>
+              </a:ext>
+            </a:extLst>
+          </a:blip>
+          <a:stretch>
+            <a:fillRect/>
+          </a:stretch>
+        </p:blipFill>
+        <p:spPr>
+          <a:xfrm>
+            <a:off x="8363293" y="4584597"/>
+            <a:ext cx="3748923" cy="2208179"/>
+          </a:xfrm>
+          <a:prstGeom prst="rect">
+            <a:avLst/>
+          </a:prstGeom>
+        </p:spPr>
+      </p:pic>
+    </p:spTree>
+    <p:extLst>
+      <p:ext uri="{BB962C8B-B14F-4D97-AF65-F5344CB8AC3E}">
+        <p14:creationId xmlns:p14="http://schemas.microsoft.com/office/powerpoint/2010/main" val="1622155198"/>
       </p:ext>
     </p:extLst>
   </p:cSld>
@@ -5379,6 +8798,4750 @@
 </p:sld>
 </file>
 
+<file path=ppt/slides/slide20.xml><?xml version="1.0" encoding="utf-8"?>
+<p:sld xmlns:a="http://schemas.openxmlformats.org/drawingml/2006/main" xmlns:r="http://schemas.openxmlformats.org/officeDocument/2006/relationships" xmlns:p="http://schemas.openxmlformats.org/presentationml/2006/main">
+  <p:cSld>
+    <p:spTree>
+      <p:nvGrpSpPr>
+        <p:cNvPr id="1" name=""/>
+        <p:cNvGrpSpPr/>
+        <p:nvPr/>
+      </p:nvGrpSpPr>
+      <p:grpSpPr>
+        <a:xfrm>
+          <a:off x="0" y="0"/>
+          <a:ext cx="0" cy="0"/>
+          <a:chOff x="0" y="0"/>
+          <a:chExt cx="0" cy="0"/>
+        </a:xfrm>
+      </p:grpSpPr>
+      <p:pic>
+        <p:nvPicPr>
+          <p:cNvPr id="4" name="图片 3" descr="图表&#10;&#10;描述已自动生成">
+            <a:extLst>
+              <a:ext uri="{FF2B5EF4-FFF2-40B4-BE49-F238E27FC236}">
+                <a16:creationId xmlns:a16="http://schemas.microsoft.com/office/drawing/2014/main" id="{77CFDD6F-9DBE-200B-D7EC-469425E16FED}"/>
+              </a:ext>
+            </a:extLst>
+          </p:cNvPr>
+          <p:cNvPicPr>
+            <a:picLocks noChangeAspect="1"/>
+          </p:cNvPicPr>
+          <p:nvPr/>
+        </p:nvPicPr>
+        <p:blipFill>
+          <a:blip r:embed="rId2">
+            <a:extLst>
+              <a:ext uri="{28A0092B-C50C-407E-A947-70E740481C1C}">
+                <a14:useLocalDpi xmlns:a14="http://schemas.microsoft.com/office/drawing/2010/main" val="0"/>
+              </a:ext>
+            </a:extLst>
+          </a:blip>
+          <a:stretch>
+            <a:fillRect/>
+          </a:stretch>
+        </p:blipFill>
+        <p:spPr>
+          <a:xfrm>
+            <a:off x="671209" y="411970"/>
+            <a:ext cx="9883302" cy="5821432"/>
+          </a:xfrm>
+          <a:prstGeom prst="rect">
+            <a:avLst/>
+          </a:prstGeom>
+        </p:spPr>
+      </p:pic>
+    </p:spTree>
+    <p:extLst>
+      <p:ext uri="{BB962C8B-B14F-4D97-AF65-F5344CB8AC3E}">
+        <p14:creationId xmlns:p14="http://schemas.microsoft.com/office/powerpoint/2010/main" val="1916019258"/>
+      </p:ext>
+    </p:extLst>
+  </p:cSld>
+  <p:clrMapOvr>
+    <a:masterClrMapping/>
+  </p:clrMapOvr>
+</p:sld>
+</file>
+
+<file path=ppt/slides/slide21.xml><?xml version="1.0" encoding="utf-8"?>
+<p:sld xmlns:a="http://schemas.openxmlformats.org/drawingml/2006/main" xmlns:r="http://schemas.openxmlformats.org/officeDocument/2006/relationships" xmlns:p="http://schemas.openxmlformats.org/presentationml/2006/main">
+  <p:cSld>
+    <p:spTree>
+      <p:nvGrpSpPr>
+        <p:cNvPr id="1" name=""/>
+        <p:cNvGrpSpPr/>
+        <p:nvPr/>
+      </p:nvGrpSpPr>
+      <p:grpSpPr>
+        <a:xfrm>
+          <a:off x="0" y="0"/>
+          <a:ext cx="0" cy="0"/>
+          <a:chOff x="0" y="0"/>
+          <a:chExt cx="0" cy="0"/>
+        </a:xfrm>
+      </p:grpSpPr>
+      <p:sp>
+        <p:nvSpPr>
+          <p:cNvPr id="2" name="标题 1">
+            <a:extLst>
+              <a:ext uri="{FF2B5EF4-FFF2-40B4-BE49-F238E27FC236}">
+                <a16:creationId xmlns:a16="http://schemas.microsoft.com/office/drawing/2014/main" id="{E2432BFC-592F-F0EF-CF18-85B37731BD9D}"/>
+              </a:ext>
+            </a:extLst>
+          </p:cNvPr>
+          <p:cNvSpPr>
+            <a:spLocks noGrp="1"/>
+          </p:cNvSpPr>
+          <p:nvPr>
+            <p:ph type="title"/>
+          </p:nvPr>
+        </p:nvSpPr>
+        <p:spPr/>
+        <p:txBody>
+          <a:bodyPr/>
+          <a:lstStyle/>
+          <a:p>
+            <a:r>
+              <a:rPr lang="en-US" altLang="zh-CN" dirty="0"/>
+              <a:t>Beam Energy distribution at given position t</a:t>
+            </a:r>
+            <a:endParaRPr lang="zh-CN" altLang="en-US" dirty="0"/>
+          </a:p>
+        </p:txBody>
+      </p:sp>
+      <p:pic>
+        <p:nvPicPr>
+          <p:cNvPr id="6" name="内容占位符 5" descr="文本, 信件&#10;&#10;描述已自动生成">
+            <a:extLst>
+              <a:ext uri="{FF2B5EF4-FFF2-40B4-BE49-F238E27FC236}">
+                <a16:creationId xmlns:a16="http://schemas.microsoft.com/office/drawing/2014/main" id="{7C2E3F11-00B1-5862-794C-B78F079A2999}"/>
+              </a:ext>
+            </a:extLst>
+          </p:cNvPr>
+          <p:cNvPicPr>
+            <a:picLocks noGrp="1" noChangeAspect="1"/>
+          </p:cNvPicPr>
+          <p:nvPr>
+            <p:ph idx="1"/>
+          </p:nvPr>
+        </p:nvPicPr>
+        <p:blipFill>
+          <a:blip r:embed="rId2">
+            <a:extLst>
+              <a:ext uri="{28A0092B-C50C-407E-A947-70E740481C1C}">
+                <a14:useLocalDpi xmlns:a14="http://schemas.microsoft.com/office/drawing/2010/main" val="0"/>
+              </a:ext>
+            </a:extLst>
+          </a:blip>
+          <a:stretch>
+            <a:fillRect/>
+          </a:stretch>
+        </p:blipFill>
+        <p:spPr>
+          <a:xfrm>
+            <a:off x="972794" y="1767304"/>
+            <a:ext cx="6706434" cy="1948662"/>
+          </a:xfrm>
+        </p:spPr>
+      </p:pic>
+      <p:sp>
+        <p:nvSpPr>
+          <p:cNvPr id="4" name="文本框 3">
+            <a:extLst>
+              <a:ext uri="{FF2B5EF4-FFF2-40B4-BE49-F238E27FC236}">
+                <a16:creationId xmlns:a16="http://schemas.microsoft.com/office/drawing/2014/main" id="{D6076C00-4A1D-76B1-349F-77B3799FC360}"/>
+              </a:ext>
+            </a:extLst>
+          </p:cNvPr>
+          <p:cNvSpPr txBox="1"/>
+          <p:nvPr/>
+        </p:nvSpPr>
+        <p:spPr>
+          <a:xfrm>
+            <a:off x="9640110" y="2169269"/>
+            <a:ext cx="2120629" cy="646331"/>
+          </a:xfrm>
+          <a:prstGeom prst="rect">
+            <a:avLst/>
+          </a:prstGeom>
+          <a:noFill/>
+        </p:spPr>
+        <p:txBody>
+          <a:bodyPr wrap="square" rtlCol="0">
+            <a:spAutoFit/>
+          </a:bodyPr>
+          <a:lstStyle/>
+          <a:p>
+            <a:pPr algn="l"/>
+            <a:r>
+              <a:rPr lang="en-US" altLang="zh-CN" dirty="0">
+                <a:latin typeface="Times New Roman" panose="02020603050405020304" pitchFamily="18" charset="0"/>
+                <a:cs typeface="Times New Roman" panose="02020603050405020304" pitchFamily="18" charset="0"/>
+              </a:rPr>
+              <a:t>https://arxiv.org/pdf/0906.0580</a:t>
+            </a:r>
+            <a:endParaRPr lang="zh-CN" altLang="en-US" dirty="0" err="1">
+              <a:latin typeface="Times New Roman" panose="02020603050405020304" pitchFamily="18" charset="0"/>
+              <a:cs typeface="Times New Roman" panose="02020603050405020304" pitchFamily="18" charset="0"/>
+            </a:endParaRPr>
+          </a:p>
+        </p:txBody>
+      </p:sp>
+      <mc:AlternateContent xmlns:mc="http://schemas.openxmlformats.org/markup-compatibility/2006" xmlns:a14="http://schemas.microsoft.com/office/drawing/2010/main">
+        <mc:Choice Requires="a14">
+          <p:sp>
+            <p:nvSpPr>
+              <p:cNvPr id="7" name="文本框 6">
+                <a:extLst>
+                  <a:ext uri="{FF2B5EF4-FFF2-40B4-BE49-F238E27FC236}">
+                    <a16:creationId xmlns:a16="http://schemas.microsoft.com/office/drawing/2014/main" id="{42E7BB67-D7FD-182D-2B5D-32A405D497FC}"/>
+                  </a:ext>
+                </a:extLst>
+              </p:cNvPr>
+              <p:cNvSpPr txBox="1"/>
+              <p:nvPr/>
+            </p:nvSpPr>
+            <p:spPr>
+              <a:xfrm>
+                <a:off x="7548664" y="3210127"/>
+                <a:ext cx="1342417" cy="657937"/>
+              </a:xfrm>
+              <a:prstGeom prst="rect">
+                <a:avLst/>
+              </a:prstGeom>
+              <a:noFill/>
+            </p:spPr>
+            <p:txBody>
+              <a:bodyPr wrap="square" rtlCol="0">
+                <a:spAutoFit/>
+              </a:bodyPr>
+              <a:lstStyle/>
+              <a:p>
+                <a:pPr algn="l"/>
+                <a14:m>
+                  <m:oMathPara xmlns:m="http://schemas.openxmlformats.org/officeDocument/2006/math">
+                    <m:oMathParaPr>
+                      <m:jc m:val="centerGroup"/>
+                    </m:oMathParaPr>
+                    <m:oMath xmlns:m="http://schemas.openxmlformats.org/officeDocument/2006/math">
+                      <m:r>
+                        <a:rPr lang="en-US" altLang="zh-CN" b="0" i="1" smtClean="0">
+                          <a:latin typeface="Cambria Math" panose="02040503050406030204" pitchFamily="18" charset="0"/>
+                          <a:cs typeface="Times New Roman" panose="02020603050405020304" pitchFamily="18" charset="0"/>
+                        </a:rPr>
+                        <m:t>𝑡</m:t>
+                      </m:r>
+                      <m:r>
+                        <a:rPr lang="en-US" altLang="zh-CN" b="0" i="1" smtClean="0">
+                          <a:latin typeface="Cambria Math" panose="02040503050406030204" pitchFamily="18" charset="0"/>
+                          <a:cs typeface="Times New Roman" panose="02020603050405020304" pitchFamily="18" charset="0"/>
+                        </a:rPr>
+                        <m:t>=</m:t>
+                      </m:r>
+                      <m:f>
+                        <m:fPr>
+                          <m:ctrlPr>
+                            <a:rPr lang="en-US" altLang="zh-CN" b="0" i="1" smtClean="0">
+                              <a:latin typeface="Cambria Math" panose="02040503050406030204" pitchFamily="18" charset="0"/>
+                              <a:cs typeface="Times New Roman" panose="02020603050405020304" pitchFamily="18" charset="0"/>
+                            </a:rPr>
+                          </m:ctrlPr>
+                        </m:fPr>
+                        <m:num>
+                          <m:r>
+                            <a:rPr lang="en-US" altLang="zh-CN" b="0" i="1" smtClean="0">
+                              <a:latin typeface="Cambria Math" panose="02040503050406030204" pitchFamily="18" charset="0"/>
+                              <a:cs typeface="Times New Roman" panose="02020603050405020304" pitchFamily="18" charset="0"/>
+                            </a:rPr>
+                            <m:t>𝐿</m:t>
+                          </m:r>
+                        </m:num>
+                        <m:den>
+                          <m:sSub>
+                            <m:sSubPr>
+                              <m:ctrlPr>
+                                <a:rPr lang="en-US" altLang="zh-CN" b="0" i="1" smtClean="0">
+                                  <a:latin typeface="Cambria Math" panose="02040503050406030204" pitchFamily="18" charset="0"/>
+                                  <a:cs typeface="Times New Roman" panose="02020603050405020304" pitchFamily="18" charset="0"/>
+                                </a:rPr>
+                              </m:ctrlPr>
+                            </m:sSubPr>
+                            <m:e>
+                              <m:r>
+                                <a:rPr lang="en-US" altLang="zh-CN" b="0" i="1" smtClean="0">
+                                  <a:latin typeface="Cambria Math" panose="02040503050406030204" pitchFamily="18" charset="0"/>
+                                  <a:cs typeface="Times New Roman" panose="02020603050405020304" pitchFamily="18" charset="0"/>
+                                </a:rPr>
+                                <m:t>𝑋</m:t>
+                              </m:r>
+                            </m:e>
+                            <m:sub>
+                              <m:r>
+                                <a:rPr lang="en-US" altLang="zh-CN" b="0" i="1" smtClean="0">
+                                  <a:latin typeface="Cambria Math" panose="02040503050406030204" pitchFamily="18" charset="0"/>
+                                  <a:cs typeface="Times New Roman" panose="02020603050405020304" pitchFamily="18" charset="0"/>
+                                </a:rPr>
+                                <m:t>0</m:t>
+                              </m:r>
+                            </m:sub>
+                          </m:sSub>
+                        </m:den>
+                      </m:f>
+                    </m:oMath>
+                  </m:oMathPara>
+                </a14:m>
+                <a:endParaRPr lang="zh-CN" altLang="en-US" dirty="0" err="1">
+                  <a:latin typeface="Times New Roman" panose="02020603050405020304" pitchFamily="18" charset="0"/>
+                  <a:cs typeface="Times New Roman" panose="02020603050405020304" pitchFamily="18" charset="0"/>
+                </a:endParaRPr>
+              </a:p>
+            </p:txBody>
+          </p:sp>
+        </mc:Choice>
+        <mc:Fallback xmlns="">
+          <p:sp>
+            <p:nvSpPr>
+              <p:cNvPr id="7" name="文本框 6">
+                <a:extLst>
+                  <a:ext uri="{FF2B5EF4-FFF2-40B4-BE49-F238E27FC236}">
+                    <a16:creationId xmlns:a16="http://schemas.microsoft.com/office/drawing/2014/main" id="{42E7BB67-D7FD-182D-2B5D-32A405D497FC}"/>
+                  </a:ext>
+                </a:extLst>
+              </p:cNvPr>
+              <p:cNvSpPr txBox="1">
+                <a:spLocks noRot="1" noChangeAspect="1" noMove="1" noResize="1" noEditPoints="1" noAdjustHandles="1" noChangeArrowheads="1" noChangeShapeType="1" noTextEdit="1"/>
+              </p:cNvSpPr>
+              <p:nvPr/>
+            </p:nvSpPr>
+            <p:spPr>
+              <a:xfrm>
+                <a:off x="7548664" y="3210127"/>
+                <a:ext cx="1342417" cy="657937"/>
+              </a:xfrm>
+              <a:prstGeom prst="rect">
+                <a:avLst/>
+              </a:prstGeom>
+              <a:blipFill>
+                <a:blip r:embed="rId3"/>
+                <a:stretch>
+                  <a:fillRect/>
+                </a:stretch>
+              </a:blipFill>
+            </p:spPr>
+            <p:txBody>
+              <a:bodyPr/>
+              <a:lstStyle/>
+              <a:p>
+                <a:r>
+                  <a:rPr lang="zh-CN" altLang="en-US">
+                    <a:noFill/>
+                  </a:rPr>
+                  <a:t> </a:t>
+                </a:r>
+              </a:p>
+            </p:txBody>
+          </p:sp>
+        </mc:Fallback>
+      </mc:AlternateContent>
+      <p:pic>
+        <p:nvPicPr>
+          <p:cNvPr id="9" name="图形 8">
+            <a:extLst>
+              <a:ext uri="{FF2B5EF4-FFF2-40B4-BE49-F238E27FC236}">
+                <a16:creationId xmlns:a16="http://schemas.microsoft.com/office/drawing/2014/main" id="{080E1F93-2A64-8C25-1D84-9EDCB73EE255}"/>
+              </a:ext>
+            </a:extLst>
+          </p:cNvPr>
+          <p:cNvPicPr>
+            <a:picLocks noChangeAspect="1"/>
+          </p:cNvPicPr>
+          <p:nvPr/>
+        </p:nvPicPr>
+        <p:blipFill>
+          <a:blip r:embed="rId4">
+            <a:extLst>
+              <a:ext uri="{96DAC541-7B7A-43D3-8B79-37D633B846F1}">
+                <asvg:svgBlip xmlns:asvg="http://schemas.microsoft.com/office/drawing/2016/SVG/main" r:embed="rId5"/>
+              </a:ext>
+            </a:extLst>
+          </a:blip>
+          <a:stretch>
+            <a:fillRect/>
+          </a:stretch>
+        </p:blipFill>
+        <p:spPr>
+          <a:xfrm>
+            <a:off x="1057518" y="3969189"/>
+            <a:ext cx="4572000" cy="2771775"/>
+          </a:xfrm>
+          <a:prstGeom prst="rect">
+            <a:avLst/>
+          </a:prstGeom>
+        </p:spPr>
+      </p:pic>
+      <mc:AlternateContent xmlns:mc="http://schemas.openxmlformats.org/markup-compatibility/2006" xmlns:a14="http://schemas.microsoft.com/office/drawing/2010/main">
+        <mc:Choice Requires="a14">
+          <p:sp>
+            <p:nvSpPr>
+              <p:cNvPr id="10" name="文本框 9">
+                <a:extLst>
+                  <a:ext uri="{FF2B5EF4-FFF2-40B4-BE49-F238E27FC236}">
+                    <a16:creationId xmlns:a16="http://schemas.microsoft.com/office/drawing/2014/main" id="{1F468DD6-2B5B-ECC8-8817-D90F8756F030}"/>
+                  </a:ext>
+                </a:extLst>
+              </p:cNvPr>
+              <p:cNvSpPr txBox="1"/>
+              <p:nvPr/>
+            </p:nvSpPr>
+            <p:spPr>
+              <a:xfrm>
+                <a:off x="3035030" y="4445541"/>
+                <a:ext cx="1157592" cy="369332"/>
+              </a:xfrm>
+              <a:prstGeom prst="rect">
+                <a:avLst/>
+              </a:prstGeom>
+              <a:noFill/>
+            </p:spPr>
+            <p:txBody>
+              <a:bodyPr wrap="square" rtlCol="0">
+                <a:spAutoFit/>
+              </a:bodyPr>
+              <a:lstStyle/>
+              <a:p>
+                <a:pPr algn="l"/>
+                <a14:m>
+                  <m:oMathPara xmlns:m="http://schemas.openxmlformats.org/officeDocument/2006/math">
+                    <m:oMathParaPr>
+                      <m:jc m:val="centerGroup"/>
+                    </m:oMathParaPr>
+                    <m:oMath xmlns:m="http://schemas.openxmlformats.org/officeDocument/2006/math">
+                      <m:r>
+                        <a:rPr lang="en-US" altLang="zh-CN" b="0" i="1" smtClean="0">
+                          <a:latin typeface="Cambria Math" panose="02040503050406030204" pitchFamily="18" charset="0"/>
+                          <a:cs typeface="Times New Roman" panose="02020603050405020304" pitchFamily="18" charset="0"/>
+                        </a:rPr>
+                        <m:t>𝑡</m:t>
+                      </m:r>
+                      <m:r>
+                        <a:rPr lang="en-US" altLang="zh-CN" b="0" i="1" smtClean="0">
+                          <a:latin typeface="Cambria Math" panose="02040503050406030204" pitchFamily="18" charset="0"/>
+                          <a:cs typeface="Times New Roman" panose="02020603050405020304" pitchFamily="18" charset="0"/>
+                        </a:rPr>
+                        <m:t>=2</m:t>
+                      </m:r>
+                    </m:oMath>
+                  </m:oMathPara>
+                </a14:m>
+                <a:endParaRPr lang="zh-CN" altLang="en-US" dirty="0" err="1">
+                  <a:latin typeface="Times New Roman" panose="02020603050405020304" pitchFamily="18" charset="0"/>
+                  <a:cs typeface="Times New Roman" panose="02020603050405020304" pitchFamily="18" charset="0"/>
+                </a:endParaRPr>
+              </a:p>
+            </p:txBody>
+          </p:sp>
+        </mc:Choice>
+        <mc:Fallback xmlns="">
+          <p:sp>
+            <p:nvSpPr>
+              <p:cNvPr id="10" name="文本框 9">
+                <a:extLst>
+                  <a:ext uri="{FF2B5EF4-FFF2-40B4-BE49-F238E27FC236}">
+                    <a16:creationId xmlns:a16="http://schemas.microsoft.com/office/drawing/2014/main" id="{1F468DD6-2B5B-ECC8-8817-D90F8756F030}"/>
+                  </a:ext>
+                </a:extLst>
+              </p:cNvPr>
+              <p:cNvSpPr txBox="1">
+                <a:spLocks noRot="1" noChangeAspect="1" noMove="1" noResize="1" noEditPoints="1" noAdjustHandles="1" noChangeArrowheads="1" noChangeShapeType="1" noTextEdit="1"/>
+              </p:cNvSpPr>
+              <p:nvPr/>
+            </p:nvSpPr>
+            <p:spPr>
+              <a:xfrm>
+                <a:off x="3035030" y="4445541"/>
+                <a:ext cx="1157592" cy="369332"/>
+              </a:xfrm>
+              <a:prstGeom prst="rect">
+                <a:avLst/>
+              </a:prstGeom>
+              <a:blipFill>
+                <a:blip r:embed="rId6"/>
+                <a:stretch>
+                  <a:fillRect/>
+                </a:stretch>
+              </a:blipFill>
+            </p:spPr>
+            <p:txBody>
+              <a:bodyPr/>
+              <a:lstStyle/>
+              <a:p>
+                <a:r>
+                  <a:rPr lang="zh-CN" altLang="en-US">
+                    <a:noFill/>
+                  </a:rPr>
+                  <a:t> </a:t>
+                </a:r>
+              </a:p>
+            </p:txBody>
+          </p:sp>
+        </mc:Fallback>
+      </mc:AlternateContent>
+      <mc:AlternateContent xmlns:mc="http://schemas.openxmlformats.org/markup-compatibility/2006" xmlns:a14="http://schemas.microsoft.com/office/drawing/2010/main">
+        <mc:Choice Requires="a14">
+          <p:sp>
+            <p:nvSpPr>
+              <p:cNvPr id="11" name="文本框 10">
+                <a:extLst>
+                  <a:ext uri="{FF2B5EF4-FFF2-40B4-BE49-F238E27FC236}">
+                    <a16:creationId xmlns:a16="http://schemas.microsoft.com/office/drawing/2014/main" id="{5912D17F-B082-8131-B794-F6540607F8CE}"/>
+                  </a:ext>
+                </a:extLst>
+              </p:cNvPr>
+              <p:cNvSpPr txBox="1"/>
+              <p:nvPr/>
+            </p:nvSpPr>
+            <p:spPr>
+              <a:xfrm>
+                <a:off x="0" y="4144142"/>
+                <a:ext cx="1264596" cy="369332"/>
+              </a:xfrm>
+              <a:prstGeom prst="rect">
+                <a:avLst/>
+              </a:prstGeom>
+              <a:noFill/>
+            </p:spPr>
+            <p:txBody>
+              <a:bodyPr wrap="square" rtlCol="0">
+                <a:spAutoFit/>
+              </a:bodyPr>
+              <a:lstStyle/>
+              <a:p>
+                <a:pPr algn="l"/>
+                <a14:m>
+                  <m:oMathPara xmlns:m="http://schemas.openxmlformats.org/officeDocument/2006/math">
+                    <m:oMathParaPr>
+                      <m:jc m:val="centerGroup"/>
+                    </m:oMathParaPr>
+                    <m:oMath xmlns:m="http://schemas.openxmlformats.org/officeDocument/2006/math">
+                      <m:r>
+                        <a:rPr lang="en-US" altLang="zh-CN" b="0" i="1" smtClean="0">
+                          <a:latin typeface="Cambria Math" panose="02040503050406030204" pitchFamily="18" charset="0"/>
+                          <a:cs typeface="Times New Roman" panose="02020603050405020304" pitchFamily="18" charset="0"/>
+                        </a:rPr>
+                        <m:t>𝑃</m:t>
+                      </m:r>
+                      <m:r>
+                        <a:rPr lang="en-US" altLang="zh-CN" b="0" i="1" smtClean="0">
+                          <a:latin typeface="Cambria Math" panose="02040503050406030204" pitchFamily="18" charset="0"/>
+                          <a:cs typeface="Times New Roman" panose="02020603050405020304" pitchFamily="18" charset="0"/>
+                        </a:rPr>
+                        <m:t>(</m:t>
+                      </m:r>
+                      <m:sSub>
+                        <m:sSubPr>
+                          <m:ctrlPr>
+                            <a:rPr lang="en-US" altLang="zh-CN" b="0" i="1" smtClean="0">
+                              <a:latin typeface="Cambria Math" panose="02040503050406030204" pitchFamily="18" charset="0"/>
+                              <a:cs typeface="Times New Roman" panose="02020603050405020304" pitchFamily="18" charset="0"/>
+                            </a:rPr>
+                          </m:ctrlPr>
+                        </m:sSubPr>
+                        <m:e>
+                          <m:r>
+                            <a:rPr lang="en-US" altLang="zh-CN" b="0" i="1" smtClean="0">
+                              <a:latin typeface="Cambria Math" panose="02040503050406030204" pitchFamily="18" charset="0"/>
+                              <a:cs typeface="Times New Roman" panose="02020603050405020304" pitchFamily="18" charset="0"/>
+                            </a:rPr>
+                            <m:t>𝐸</m:t>
+                          </m:r>
+                        </m:e>
+                        <m:sub>
+                          <m:r>
+                            <a:rPr lang="en-US" altLang="zh-CN" b="0" i="1" smtClean="0">
+                              <a:latin typeface="Cambria Math" panose="02040503050406030204" pitchFamily="18" charset="0"/>
+                              <a:cs typeface="Times New Roman" panose="02020603050405020304" pitchFamily="18" charset="0"/>
+                            </a:rPr>
+                            <m:t>1</m:t>
+                          </m:r>
+                        </m:sub>
+                      </m:sSub>
+                      <m:r>
+                        <a:rPr lang="en-US" altLang="zh-CN" b="0" i="1" smtClean="0">
+                          <a:latin typeface="Cambria Math" panose="02040503050406030204" pitchFamily="18" charset="0"/>
+                          <a:cs typeface="Times New Roman" panose="02020603050405020304" pitchFamily="18" charset="0"/>
+                        </a:rPr>
+                        <m:t>)</m:t>
+                      </m:r>
+                    </m:oMath>
+                  </m:oMathPara>
+                </a14:m>
+                <a:endParaRPr lang="zh-CN" altLang="en-US" dirty="0" err="1">
+                  <a:latin typeface="Times New Roman" panose="02020603050405020304" pitchFamily="18" charset="0"/>
+                  <a:cs typeface="Times New Roman" panose="02020603050405020304" pitchFamily="18" charset="0"/>
+                </a:endParaRPr>
+              </a:p>
+            </p:txBody>
+          </p:sp>
+        </mc:Choice>
+        <mc:Fallback xmlns="">
+          <p:sp>
+            <p:nvSpPr>
+              <p:cNvPr id="11" name="文本框 10">
+                <a:extLst>
+                  <a:ext uri="{FF2B5EF4-FFF2-40B4-BE49-F238E27FC236}">
+                    <a16:creationId xmlns:a16="http://schemas.microsoft.com/office/drawing/2014/main" id="{5912D17F-B082-8131-B794-F6540607F8CE}"/>
+                  </a:ext>
+                </a:extLst>
+              </p:cNvPr>
+              <p:cNvSpPr txBox="1">
+                <a:spLocks noRot="1" noChangeAspect="1" noMove="1" noResize="1" noEditPoints="1" noAdjustHandles="1" noChangeArrowheads="1" noChangeShapeType="1" noTextEdit="1"/>
+              </p:cNvSpPr>
+              <p:nvPr/>
+            </p:nvSpPr>
+            <p:spPr>
+              <a:xfrm>
+                <a:off x="0" y="4144142"/>
+                <a:ext cx="1264596" cy="369332"/>
+              </a:xfrm>
+              <a:prstGeom prst="rect">
+                <a:avLst/>
+              </a:prstGeom>
+              <a:blipFill>
+                <a:blip r:embed="rId7"/>
+                <a:stretch>
+                  <a:fillRect b="-15000"/>
+                </a:stretch>
+              </a:blipFill>
+            </p:spPr>
+            <p:txBody>
+              <a:bodyPr/>
+              <a:lstStyle/>
+              <a:p>
+                <a:r>
+                  <a:rPr lang="zh-CN" altLang="en-US">
+                    <a:noFill/>
+                  </a:rPr>
+                  <a:t> </a:t>
+                </a:r>
+              </a:p>
+            </p:txBody>
+          </p:sp>
+        </mc:Fallback>
+      </mc:AlternateContent>
+      <mc:AlternateContent xmlns:mc="http://schemas.openxmlformats.org/markup-compatibility/2006" xmlns:a14="http://schemas.microsoft.com/office/drawing/2010/main">
+        <mc:Choice Requires="a14">
+          <p:sp>
+            <p:nvSpPr>
+              <p:cNvPr id="12" name="文本框 11">
+                <a:extLst>
+                  <a:ext uri="{FF2B5EF4-FFF2-40B4-BE49-F238E27FC236}">
+                    <a16:creationId xmlns:a16="http://schemas.microsoft.com/office/drawing/2014/main" id="{9EF4DA1D-C1A7-DBBA-2943-9A7AC630DB29}"/>
+                  </a:ext>
+                </a:extLst>
+              </p:cNvPr>
+              <p:cNvSpPr txBox="1"/>
+              <p:nvPr/>
+            </p:nvSpPr>
+            <p:spPr>
+              <a:xfrm>
+                <a:off x="5503504" y="6371632"/>
+                <a:ext cx="1180289" cy="369332"/>
+              </a:xfrm>
+              <a:prstGeom prst="rect">
+                <a:avLst/>
+              </a:prstGeom>
+              <a:noFill/>
+            </p:spPr>
+            <p:txBody>
+              <a:bodyPr wrap="square" rtlCol="0">
+                <a:spAutoFit/>
+              </a:bodyPr>
+              <a:lstStyle/>
+              <a:p>
+                <a:pPr algn="l"/>
+                <a14:m>
+                  <m:oMathPara xmlns:m="http://schemas.openxmlformats.org/officeDocument/2006/math">
+                    <m:oMathParaPr>
+                      <m:jc m:val="centerGroup"/>
+                    </m:oMathParaPr>
+                    <m:oMath xmlns:m="http://schemas.openxmlformats.org/officeDocument/2006/math">
+                      <m:sSub>
+                        <m:sSubPr>
+                          <m:ctrlPr>
+                            <a:rPr lang="en-US" altLang="zh-CN" b="0" i="1" smtClean="0">
+                              <a:latin typeface="Cambria Math" panose="02040503050406030204" pitchFamily="18" charset="0"/>
+                              <a:cs typeface="Times New Roman" panose="02020603050405020304" pitchFamily="18" charset="0"/>
+                            </a:rPr>
+                          </m:ctrlPr>
+                        </m:sSubPr>
+                        <m:e>
+                          <m:r>
+                            <a:rPr lang="en-US" altLang="zh-CN" b="0" i="1" smtClean="0">
+                              <a:latin typeface="Cambria Math" panose="02040503050406030204" pitchFamily="18" charset="0"/>
+                              <a:cs typeface="Times New Roman" panose="02020603050405020304" pitchFamily="18" charset="0"/>
+                            </a:rPr>
+                            <m:t>𝐸</m:t>
+                          </m:r>
+                        </m:e>
+                        <m:sub>
+                          <m:r>
+                            <a:rPr lang="en-US" altLang="zh-CN" b="0" i="1" smtClean="0">
+                              <a:latin typeface="Cambria Math" panose="02040503050406030204" pitchFamily="18" charset="0"/>
+                              <a:cs typeface="Times New Roman" panose="02020603050405020304" pitchFamily="18" charset="0"/>
+                            </a:rPr>
+                            <m:t>1</m:t>
+                          </m:r>
+                        </m:sub>
+                      </m:sSub>
+                      <m:r>
+                        <a:rPr lang="en-US" altLang="zh-CN" b="0" i="1" smtClean="0">
+                          <a:latin typeface="Cambria Math" panose="02040503050406030204" pitchFamily="18" charset="0"/>
+                          <a:cs typeface="Times New Roman" panose="02020603050405020304" pitchFamily="18" charset="0"/>
+                        </a:rPr>
+                        <m:t>(</m:t>
+                      </m:r>
+                      <m:r>
+                        <a:rPr lang="en-US" altLang="zh-CN" b="0" i="1" smtClean="0">
+                          <a:latin typeface="Cambria Math" panose="02040503050406030204" pitchFamily="18" charset="0"/>
+                          <a:cs typeface="Times New Roman" panose="02020603050405020304" pitchFamily="18" charset="0"/>
+                        </a:rPr>
+                        <m:t>𝐺𝑒𝑉</m:t>
+                      </m:r>
+                      <m:r>
+                        <a:rPr lang="en-US" altLang="zh-CN" b="0" i="1" smtClean="0">
+                          <a:latin typeface="Cambria Math" panose="02040503050406030204" pitchFamily="18" charset="0"/>
+                          <a:cs typeface="Times New Roman" panose="02020603050405020304" pitchFamily="18" charset="0"/>
+                        </a:rPr>
+                        <m:t>)</m:t>
+                      </m:r>
+                    </m:oMath>
+                  </m:oMathPara>
+                </a14:m>
+                <a:endParaRPr lang="zh-CN" altLang="en-US" dirty="0" err="1">
+                  <a:latin typeface="Times New Roman" panose="02020603050405020304" pitchFamily="18" charset="0"/>
+                  <a:cs typeface="Times New Roman" panose="02020603050405020304" pitchFamily="18" charset="0"/>
+                </a:endParaRPr>
+              </a:p>
+            </p:txBody>
+          </p:sp>
+        </mc:Choice>
+        <mc:Fallback xmlns="">
+          <p:sp>
+            <p:nvSpPr>
+              <p:cNvPr id="12" name="文本框 11">
+                <a:extLst>
+                  <a:ext uri="{FF2B5EF4-FFF2-40B4-BE49-F238E27FC236}">
+                    <a16:creationId xmlns:a16="http://schemas.microsoft.com/office/drawing/2014/main" id="{9EF4DA1D-C1A7-DBBA-2943-9A7AC630DB29}"/>
+                  </a:ext>
+                </a:extLst>
+              </p:cNvPr>
+              <p:cNvSpPr txBox="1">
+                <a:spLocks noRot="1" noChangeAspect="1" noMove="1" noResize="1" noEditPoints="1" noAdjustHandles="1" noChangeArrowheads="1" noChangeShapeType="1" noTextEdit="1"/>
+              </p:cNvSpPr>
+              <p:nvPr/>
+            </p:nvSpPr>
+            <p:spPr>
+              <a:xfrm>
+                <a:off x="5503504" y="6371632"/>
+                <a:ext cx="1180289" cy="369332"/>
+              </a:xfrm>
+              <a:prstGeom prst="rect">
+                <a:avLst/>
+              </a:prstGeom>
+              <a:blipFill>
+                <a:blip r:embed="rId8"/>
+                <a:stretch>
+                  <a:fillRect b="-14754"/>
+                </a:stretch>
+              </a:blipFill>
+            </p:spPr>
+            <p:txBody>
+              <a:bodyPr/>
+              <a:lstStyle/>
+              <a:p>
+                <a:r>
+                  <a:rPr lang="zh-CN" altLang="en-US">
+                    <a:noFill/>
+                  </a:rPr>
+                  <a:t> </a:t>
+                </a:r>
+              </a:p>
+            </p:txBody>
+          </p:sp>
+        </mc:Fallback>
+      </mc:AlternateContent>
+    </p:spTree>
+    <p:extLst>
+      <p:ext uri="{BB962C8B-B14F-4D97-AF65-F5344CB8AC3E}">
+        <p14:creationId xmlns:p14="http://schemas.microsoft.com/office/powerpoint/2010/main" val="482244741"/>
+      </p:ext>
+    </p:extLst>
+  </p:cSld>
+  <p:clrMapOvr>
+    <a:masterClrMapping/>
+  </p:clrMapOvr>
+</p:sld>
+</file>
+
+<file path=ppt/slides/slide22.xml><?xml version="1.0" encoding="utf-8"?>
+<p:sld xmlns:a="http://schemas.openxmlformats.org/drawingml/2006/main" xmlns:r="http://schemas.openxmlformats.org/officeDocument/2006/relationships" xmlns:p="http://schemas.openxmlformats.org/presentationml/2006/main">
+  <p:cSld>
+    <p:spTree>
+      <p:nvGrpSpPr>
+        <p:cNvPr id="1" name=""/>
+        <p:cNvGrpSpPr/>
+        <p:nvPr/>
+      </p:nvGrpSpPr>
+      <p:grpSpPr>
+        <a:xfrm>
+          <a:off x="0" y="0"/>
+          <a:ext cx="0" cy="0"/>
+          <a:chOff x="0" y="0"/>
+          <a:chExt cx="0" cy="0"/>
+        </a:xfrm>
+      </p:grpSpPr>
+      <mc:AlternateContent xmlns:mc="http://schemas.openxmlformats.org/markup-compatibility/2006" xmlns:a14="http://schemas.microsoft.com/office/drawing/2010/main">
+        <mc:Choice Requires="a14">
+          <p:sp>
+            <p:nvSpPr>
+              <p:cNvPr id="2" name="标题 1">
+                <a:extLst>
+                  <a:ext uri="{FF2B5EF4-FFF2-40B4-BE49-F238E27FC236}">
+                    <a16:creationId xmlns:a16="http://schemas.microsoft.com/office/drawing/2014/main" id="{5568172B-45C8-D6BB-DB62-BAB54AE87A23}"/>
+                  </a:ext>
+                </a:extLst>
+              </p:cNvPr>
+              <p:cNvSpPr>
+                <a:spLocks noGrp="1"/>
+              </p:cNvSpPr>
+              <p:nvPr>
+                <p:ph type="title"/>
+              </p:nvPr>
+            </p:nvSpPr>
+            <p:spPr>
+              <a:xfrm>
+                <a:off x="838200" y="365125"/>
+                <a:ext cx="10515600" cy="831377"/>
+              </a:xfrm>
+            </p:spPr>
+            <p:txBody>
+              <a:bodyPr/>
+              <a:lstStyle/>
+              <a:p>
+                <a14:m>
+                  <m:oMath xmlns:m="http://schemas.openxmlformats.org/officeDocument/2006/math">
+                    <m:sSub>
+                      <m:sSubPr>
+                        <m:ctrlPr>
+                          <a:rPr lang="en-US" altLang="zh-CN" b="0" i="1" smtClean="0">
+                            <a:latin typeface="Cambria Math" panose="02040503050406030204" pitchFamily="18" charset="0"/>
+                          </a:rPr>
+                        </m:ctrlPr>
+                      </m:sSubPr>
+                      <m:e>
+                        <m:r>
+                          <a:rPr lang="en-US" altLang="zh-CN" b="0" i="1" smtClean="0">
+                            <a:latin typeface="Cambria Math" panose="02040503050406030204" pitchFamily="18" charset="0"/>
+                          </a:rPr>
+                          <m:t>𝑚</m:t>
+                        </m:r>
+                      </m:e>
+                      <m:sub>
+                        <m:r>
+                          <a:rPr lang="en-US" altLang="zh-CN" b="0" i="1" smtClean="0">
+                            <a:latin typeface="Cambria Math" panose="02040503050406030204" pitchFamily="18" charset="0"/>
+                          </a:rPr>
+                          <m:t>𝜒</m:t>
+                        </m:r>
+                      </m:sub>
+                    </m:sSub>
+                    <m:r>
+                      <a:rPr lang="en-US" altLang="zh-CN" b="0" i="1" smtClean="0">
+                        <a:latin typeface="Cambria Math" panose="02040503050406030204" pitchFamily="18" charset="0"/>
+                      </a:rPr>
+                      <m:t>=5×</m:t>
+                    </m:r>
+                    <m:sSup>
+                      <m:sSupPr>
+                        <m:ctrlPr>
+                          <a:rPr lang="en-US" altLang="zh-CN" b="0" i="1" smtClean="0">
+                            <a:latin typeface="Cambria Math" panose="02040503050406030204" pitchFamily="18" charset="0"/>
+                          </a:rPr>
+                        </m:ctrlPr>
+                      </m:sSupPr>
+                      <m:e>
+                        <m:r>
+                          <a:rPr lang="en-US" altLang="zh-CN" b="0" i="1" smtClean="0">
+                            <a:latin typeface="Cambria Math" panose="02040503050406030204" pitchFamily="18" charset="0"/>
+                          </a:rPr>
+                          <m:t>10</m:t>
+                        </m:r>
+                      </m:e>
+                      <m:sup>
+                        <m:r>
+                          <a:rPr lang="en-US" altLang="zh-CN" b="0" i="1" smtClean="0">
+                            <a:latin typeface="Cambria Math" panose="02040503050406030204" pitchFamily="18" charset="0"/>
+                          </a:rPr>
+                          <m:t>−4</m:t>
+                        </m:r>
+                      </m:sup>
+                    </m:sSup>
+                  </m:oMath>
+                </a14:m>
+                <a:r>
+                  <a:rPr lang="zh-CN" altLang="en-US" dirty="0"/>
+                  <a:t> </a:t>
+                </a:r>
+                <a:r>
+                  <a:rPr lang="en-US" altLang="zh-CN" dirty="0"/>
+                  <a:t>GeV</a:t>
+                </a:r>
+                <a:endParaRPr lang="zh-CN" altLang="en-US" dirty="0"/>
+              </a:p>
+            </p:txBody>
+          </p:sp>
+        </mc:Choice>
+        <mc:Fallback xmlns="">
+          <p:sp>
+            <p:nvSpPr>
+              <p:cNvPr id="2" name="标题 1">
+                <a:extLst>
+                  <a:ext uri="{FF2B5EF4-FFF2-40B4-BE49-F238E27FC236}">
+                    <a16:creationId xmlns:a16="http://schemas.microsoft.com/office/drawing/2014/main" id="{5568172B-45C8-D6BB-DB62-BAB54AE87A23}"/>
+                  </a:ext>
+                </a:extLst>
+              </p:cNvPr>
+              <p:cNvSpPr>
+                <a:spLocks noGrp="1" noRot="1" noChangeAspect="1" noMove="1" noResize="1" noEditPoints="1" noAdjustHandles="1" noChangeArrowheads="1" noChangeShapeType="1" noTextEdit="1"/>
+              </p:cNvSpPr>
+              <p:nvPr>
+                <p:ph type="title"/>
+              </p:nvPr>
+            </p:nvSpPr>
+            <p:spPr>
+              <a:xfrm>
+                <a:off x="838200" y="365125"/>
+                <a:ext cx="10515600" cy="831377"/>
+              </a:xfrm>
+              <a:blipFill>
+                <a:blip r:embed="rId2"/>
+                <a:stretch>
+                  <a:fillRect t="-17647" b="-24265"/>
+                </a:stretch>
+              </a:blipFill>
+            </p:spPr>
+            <p:txBody>
+              <a:bodyPr/>
+              <a:lstStyle/>
+              <a:p>
+                <a:r>
+                  <a:rPr lang="zh-CN" altLang="en-US">
+                    <a:noFill/>
+                  </a:rPr>
+                  <a:t> </a:t>
+                </a:r>
+              </a:p>
+            </p:txBody>
+          </p:sp>
+        </mc:Fallback>
+      </mc:AlternateContent>
+      <p:sp>
+        <p:nvSpPr>
+          <p:cNvPr id="3" name="内容占位符 2">
+            <a:extLst>
+              <a:ext uri="{FF2B5EF4-FFF2-40B4-BE49-F238E27FC236}">
+                <a16:creationId xmlns:a16="http://schemas.microsoft.com/office/drawing/2014/main" id="{83D32F77-DD95-7DA2-6E86-2EDD66DF3DC6}"/>
+              </a:ext>
+            </a:extLst>
+          </p:cNvPr>
+          <p:cNvSpPr>
+            <a:spLocks noGrp="1"/>
+          </p:cNvSpPr>
+          <p:nvPr>
+            <p:ph idx="1"/>
+          </p:nvPr>
+        </p:nvSpPr>
+        <p:spPr>
+          <a:xfrm>
+            <a:off x="838200" y="1310059"/>
+            <a:ext cx="10515600" cy="1822247"/>
+          </a:xfrm>
+        </p:spPr>
+        <p:txBody>
+          <a:bodyPr/>
+          <a:lstStyle/>
+          <a:p>
+            <a:r>
+              <a:rPr lang="en-US" altLang="zh-CN" dirty="0"/>
+              <a:t>1</a:t>
+            </a:r>
+            <a:r>
+              <a:rPr lang="en-US" altLang="zh-CN" baseline="30000" dirty="0"/>
+              <a:t>st</a:t>
+            </a:r>
+            <a:r>
+              <a:rPr lang="en-US" altLang="zh-CN" dirty="0"/>
+              <a:t> radiation length (11 GeV): </a:t>
+            </a:r>
+            <a:r>
+              <a:rPr lang="en-US" altLang="zh-CN" dirty="0" err="1"/>
+              <a:t>xs</a:t>
+            </a:r>
+            <a:r>
+              <a:rPr lang="en-US" altLang="zh-CN" dirty="0"/>
+              <a:t>=20000 pb (99%)</a:t>
+            </a:r>
+          </a:p>
+          <a:p>
+            <a:r>
+              <a:rPr lang="en-US" altLang="zh-CN" dirty="0"/>
+              <a:t>2</a:t>
+            </a:r>
+            <a:r>
+              <a:rPr lang="en-US" altLang="zh-CN" baseline="30000" dirty="0"/>
+              <a:t>nd</a:t>
+            </a:r>
+            <a:r>
+              <a:rPr lang="en-US" altLang="zh-CN" dirty="0"/>
+              <a:t>  radiation length (4 GeV): </a:t>
+            </a:r>
+            <a:r>
+              <a:rPr lang="en-US" altLang="zh-CN" dirty="0" err="1"/>
+              <a:t>xs</a:t>
+            </a:r>
+            <a:r>
+              <a:rPr lang="en-US" altLang="zh-CN" dirty="0"/>
+              <a:t>=28000 pb (90%)</a:t>
+            </a:r>
+          </a:p>
+          <a:p>
+            <a:r>
+              <a:rPr lang="en-US" altLang="zh-CN" dirty="0"/>
+              <a:t>3</a:t>
+            </a:r>
+            <a:r>
+              <a:rPr lang="en-US" altLang="zh-CN" baseline="30000" dirty="0"/>
+              <a:t>rd</a:t>
+            </a:r>
+            <a:r>
+              <a:rPr lang="en-US" altLang="zh-CN" dirty="0"/>
+              <a:t>   radiation length (1 GeV): </a:t>
+            </a:r>
+            <a:r>
+              <a:rPr lang="en-US" altLang="zh-CN" dirty="0" err="1"/>
+              <a:t>xs</a:t>
+            </a:r>
+            <a:r>
+              <a:rPr lang="en-US" altLang="zh-CN" dirty="0"/>
+              <a:t>=67000 pb (70%)</a:t>
+            </a:r>
+            <a:endParaRPr lang="zh-CN" altLang="en-US" dirty="0"/>
+          </a:p>
+          <a:p>
+            <a:endParaRPr lang="zh-CN" altLang="en-US" dirty="0"/>
+          </a:p>
+          <a:p>
+            <a:endParaRPr lang="zh-CN" altLang="en-US" dirty="0"/>
+          </a:p>
+        </p:txBody>
+      </p:sp>
+      <mc:AlternateContent xmlns:mc="http://schemas.openxmlformats.org/markup-compatibility/2006" xmlns:a14="http://schemas.microsoft.com/office/drawing/2010/main">
+        <mc:Choice Requires="a14">
+          <p:sp>
+            <p:nvSpPr>
+              <p:cNvPr id="4" name="标题 1">
+                <a:extLst>
+                  <a:ext uri="{FF2B5EF4-FFF2-40B4-BE49-F238E27FC236}">
+                    <a16:creationId xmlns:a16="http://schemas.microsoft.com/office/drawing/2014/main" id="{0D617AD9-5EE9-763E-CAFA-08508B73DF8A}"/>
+                  </a:ext>
+                </a:extLst>
+              </p:cNvPr>
+              <p:cNvSpPr txBox="1">
+                <a:spLocks/>
+              </p:cNvSpPr>
+              <p:nvPr/>
+            </p:nvSpPr>
+            <p:spPr>
+              <a:xfrm>
+                <a:off x="766864" y="3310006"/>
+                <a:ext cx="10515600" cy="831377"/>
+              </a:xfrm>
+              <a:prstGeom prst="rect">
+                <a:avLst/>
+              </a:prstGeom>
+            </p:spPr>
+            <p:txBody>
+              <a:bodyPr vert="horz" lIns="91440" tIns="45720" rIns="91440" bIns="45720" rtlCol="0" anchor="ctr">
+                <a:normAutofit/>
+              </a:bodyPr>
+              <a:lstStyle>
+                <a:lvl1pPr algn="l" defTabSz="914400" rtl="0" eaLnBrk="1" latinLnBrk="0" hangingPunct="1">
+                  <a:lnSpc>
+                    <a:spcPct val="90000"/>
+                  </a:lnSpc>
+                  <a:spcBef>
+                    <a:spcPct val="0"/>
+                  </a:spcBef>
+                  <a:buNone/>
+                  <a:defRPr sz="4400" kern="1200">
+                    <a:solidFill>
+                      <a:schemeClr val="tx1"/>
+                    </a:solidFill>
+                    <a:latin typeface="+mj-lt"/>
+                    <a:ea typeface="+mj-ea"/>
+                    <a:cs typeface="+mj-cs"/>
+                  </a:defRPr>
+                </a:lvl1pPr>
+              </a:lstStyle>
+              <a:p>
+                <a14:m>
+                  <m:oMath xmlns:m="http://schemas.openxmlformats.org/officeDocument/2006/math">
+                    <m:sSub>
+                      <m:sSubPr>
+                        <m:ctrlPr>
+                          <a:rPr lang="en-US" altLang="zh-CN" i="1" smtClean="0">
+                            <a:latin typeface="Cambria Math" panose="02040503050406030204" pitchFamily="18" charset="0"/>
+                          </a:rPr>
+                        </m:ctrlPr>
+                      </m:sSubPr>
+                      <m:e>
+                        <m:r>
+                          <a:rPr lang="en-US" altLang="zh-CN" i="1" smtClean="0">
+                            <a:latin typeface="Cambria Math" panose="02040503050406030204" pitchFamily="18" charset="0"/>
+                          </a:rPr>
+                          <m:t>𝑚</m:t>
+                        </m:r>
+                      </m:e>
+                      <m:sub>
+                        <m:r>
+                          <a:rPr lang="en-US" altLang="zh-CN" i="1" smtClean="0">
+                            <a:latin typeface="Cambria Math" panose="02040503050406030204" pitchFamily="18" charset="0"/>
+                          </a:rPr>
+                          <m:t>𝜒</m:t>
+                        </m:r>
+                      </m:sub>
+                    </m:sSub>
+                    <m:r>
+                      <a:rPr lang="en-US" altLang="zh-CN" i="1" smtClean="0">
+                        <a:latin typeface="Cambria Math" panose="02040503050406030204" pitchFamily="18" charset="0"/>
+                      </a:rPr>
+                      <m:t>=5×</m:t>
+                    </m:r>
+                    <m:sSup>
+                      <m:sSupPr>
+                        <m:ctrlPr>
+                          <a:rPr lang="en-US" altLang="zh-CN" i="1" smtClean="0">
+                            <a:latin typeface="Cambria Math" panose="02040503050406030204" pitchFamily="18" charset="0"/>
+                          </a:rPr>
+                        </m:ctrlPr>
+                      </m:sSupPr>
+                      <m:e>
+                        <m:r>
+                          <a:rPr lang="en-US" altLang="zh-CN" i="1" smtClean="0">
+                            <a:latin typeface="Cambria Math" panose="02040503050406030204" pitchFamily="18" charset="0"/>
+                          </a:rPr>
+                          <m:t>10</m:t>
+                        </m:r>
+                      </m:e>
+                      <m:sup>
+                        <m:r>
+                          <a:rPr lang="en-US" altLang="zh-CN" i="1" smtClean="0">
+                            <a:latin typeface="Cambria Math" panose="02040503050406030204" pitchFamily="18" charset="0"/>
+                          </a:rPr>
+                          <m:t>−</m:t>
+                        </m:r>
+                        <m:r>
+                          <a:rPr lang="en-US" altLang="zh-CN" b="0" i="1" smtClean="0">
+                            <a:latin typeface="Cambria Math" panose="02040503050406030204" pitchFamily="18" charset="0"/>
+                          </a:rPr>
+                          <m:t>3</m:t>
+                        </m:r>
+                      </m:sup>
+                    </m:sSup>
+                  </m:oMath>
+                </a14:m>
+                <a:r>
+                  <a:rPr lang="zh-CN" altLang="en-US" dirty="0"/>
+                  <a:t> </a:t>
+                </a:r>
+                <a:r>
+                  <a:rPr lang="en-US" altLang="zh-CN" dirty="0"/>
+                  <a:t>GeV</a:t>
+                </a:r>
+                <a:endParaRPr lang="zh-CN" altLang="en-US" dirty="0"/>
+              </a:p>
+            </p:txBody>
+          </p:sp>
+        </mc:Choice>
+        <mc:Fallback xmlns="">
+          <p:sp>
+            <p:nvSpPr>
+              <p:cNvPr id="4" name="标题 1">
+                <a:extLst>
+                  <a:ext uri="{FF2B5EF4-FFF2-40B4-BE49-F238E27FC236}">
+                    <a16:creationId xmlns:a16="http://schemas.microsoft.com/office/drawing/2014/main" id="{0D617AD9-5EE9-763E-CAFA-08508B73DF8A}"/>
+                  </a:ext>
+                </a:extLst>
+              </p:cNvPr>
+              <p:cNvSpPr txBox="1">
+                <a:spLocks noRot="1" noChangeAspect="1" noMove="1" noResize="1" noEditPoints="1" noAdjustHandles="1" noChangeArrowheads="1" noChangeShapeType="1" noTextEdit="1"/>
+              </p:cNvSpPr>
+              <p:nvPr/>
+            </p:nvSpPr>
+            <p:spPr>
+              <a:xfrm>
+                <a:off x="766864" y="3310006"/>
+                <a:ext cx="10515600" cy="831377"/>
+              </a:xfrm>
+              <a:prstGeom prst="rect">
+                <a:avLst/>
+              </a:prstGeom>
+              <a:blipFill>
+                <a:blip r:embed="rId3"/>
+                <a:stretch>
+                  <a:fillRect t="-17647" b="-24265"/>
+                </a:stretch>
+              </a:blipFill>
+            </p:spPr>
+            <p:txBody>
+              <a:bodyPr/>
+              <a:lstStyle/>
+              <a:p>
+                <a:r>
+                  <a:rPr lang="zh-CN" altLang="en-US">
+                    <a:noFill/>
+                  </a:rPr>
+                  <a:t> </a:t>
+                </a:r>
+              </a:p>
+            </p:txBody>
+          </p:sp>
+        </mc:Fallback>
+      </mc:AlternateContent>
+      <p:sp>
+        <p:nvSpPr>
+          <p:cNvPr id="5" name="内容占位符 2">
+            <a:extLst>
+              <a:ext uri="{FF2B5EF4-FFF2-40B4-BE49-F238E27FC236}">
+                <a16:creationId xmlns:a16="http://schemas.microsoft.com/office/drawing/2014/main" id="{5EF13B24-A177-E7E7-8FB9-2C6F90241573}"/>
+              </a:ext>
+            </a:extLst>
+          </p:cNvPr>
+          <p:cNvSpPr txBox="1">
+            <a:spLocks/>
+          </p:cNvSpPr>
+          <p:nvPr/>
+        </p:nvSpPr>
+        <p:spPr>
+          <a:xfrm>
+            <a:off x="838200" y="4526672"/>
+            <a:ext cx="10515600" cy="1822247"/>
+          </a:xfrm>
+          <a:prstGeom prst="rect">
+            <a:avLst/>
+          </a:prstGeom>
+        </p:spPr>
+        <p:txBody>
+          <a:bodyPr vert="horz" lIns="91440" tIns="45720" rIns="91440" bIns="45720" rtlCol="0">
+            <a:normAutofit/>
+          </a:bodyPr>
+          <a:lstStyle>
+            <a:lvl1pPr marL="228600" indent="-228600" algn="l" defTabSz="914400" rtl="0" eaLnBrk="1" latinLnBrk="0" hangingPunct="1">
+              <a:lnSpc>
+                <a:spcPct val="90000"/>
+              </a:lnSpc>
+              <a:spcBef>
+                <a:spcPts val="1000"/>
+              </a:spcBef>
+              <a:buFont typeface="Arial" panose="020B0604020202020204" pitchFamily="34" charset="0"/>
+              <a:buChar char="•"/>
+              <a:defRPr sz="2800" kern="1200">
+                <a:solidFill>
+                  <a:schemeClr val="tx1"/>
+                </a:solidFill>
+                <a:latin typeface="+mn-lt"/>
+                <a:ea typeface="+mn-ea"/>
+                <a:cs typeface="+mn-cs"/>
+              </a:defRPr>
+            </a:lvl1pPr>
+            <a:lvl2pPr marL="685800" indent="-228600" algn="l" defTabSz="914400" rtl="0" eaLnBrk="1" latinLnBrk="0" hangingPunct="1">
+              <a:lnSpc>
+                <a:spcPct val="90000"/>
+              </a:lnSpc>
+              <a:spcBef>
+                <a:spcPts val="500"/>
+              </a:spcBef>
+              <a:buFont typeface="Arial" panose="020B0604020202020204" pitchFamily="34" charset="0"/>
+              <a:buChar char="•"/>
+              <a:defRPr sz="2400" kern="1200">
+                <a:solidFill>
+                  <a:schemeClr val="tx1"/>
+                </a:solidFill>
+                <a:latin typeface="+mn-lt"/>
+                <a:ea typeface="+mn-ea"/>
+                <a:cs typeface="+mn-cs"/>
+              </a:defRPr>
+            </a:lvl2pPr>
+            <a:lvl3pPr marL="1143000" indent="-228600" algn="l" defTabSz="914400" rtl="0" eaLnBrk="1" latinLnBrk="0" hangingPunct="1">
+              <a:lnSpc>
+                <a:spcPct val="90000"/>
+              </a:lnSpc>
+              <a:spcBef>
+                <a:spcPts val="500"/>
+              </a:spcBef>
+              <a:buFont typeface="Arial" panose="020B0604020202020204" pitchFamily="34" charset="0"/>
+              <a:buChar char="•"/>
+              <a:defRPr sz="2000" kern="1200">
+                <a:solidFill>
+                  <a:schemeClr val="tx1"/>
+                </a:solidFill>
+                <a:latin typeface="+mn-lt"/>
+                <a:ea typeface="+mn-ea"/>
+                <a:cs typeface="+mn-cs"/>
+              </a:defRPr>
+            </a:lvl3pPr>
+            <a:lvl4pPr marL="1600200" indent="-228600" algn="l" defTabSz="914400" rtl="0" eaLnBrk="1" latinLnBrk="0" hangingPunct="1">
+              <a:lnSpc>
+                <a:spcPct val="90000"/>
+              </a:lnSpc>
+              <a:spcBef>
+                <a:spcPts val="500"/>
+              </a:spcBef>
+              <a:buFont typeface="Arial" panose="020B0604020202020204" pitchFamily="34" charset="0"/>
+              <a:buChar char="•"/>
+              <a:defRPr sz="1800" kern="1200">
+                <a:solidFill>
+                  <a:schemeClr val="tx1"/>
+                </a:solidFill>
+                <a:latin typeface="+mn-lt"/>
+                <a:ea typeface="+mn-ea"/>
+                <a:cs typeface="+mn-cs"/>
+              </a:defRPr>
+            </a:lvl4pPr>
+            <a:lvl5pPr marL="2057400" indent="-228600" algn="l" defTabSz="914400" rtl="0" eaLnBrk="1" latinLnBrk="0" hangingPunct="1">
+              <a:lnSpc>
+                <a:spcPct val="90000"/>
+              </a:lnSpc>
+              <a:spcBef>
+                <a:spcPts val="500"/>
+              </a:spcBef>
+              <a:buFont typeface="Arial" panose="020B0604020202020204" pitchFamily="34" charset="0"/>
+              <a:buChar char="•"/>
+              <a:defRPr sz="1800" kern="1200">
+                <a:solidFill>
+                  <a:schemeClr val="tx1"/>
+                </a:solidFill>
+                <a:latin typeface="+mn-lt"/>
+                <a:ea typeface="+mn-ea"/>
+                <a:cs typeface="+mn-cs"/>
+              </a:defRPr>
+            </a:lvl5pPr>
+            <a:lvl6pPr marL="2514600" indent="-228600" algn="l" defTabSz="914400" rtl="0" eaLnBrk="1" latinLnBrk="0" hangingPunct="1">
+              <a:lnSpc>
+                <a:spcPct val="90000"/>
+              </a:lnSpc>
+              <a:spcBef>
+                <a:spcPts val="500"/>
+              </a:spcBef>
+              <a:buFont typeface="Arial" panose="020B0604020202020204" pitchFamily="34" charset="0"/>
+              <a:buChar char="•"/>
+              <a:defRPr sz="1800" kern="1200">
+                <a:solidFill>
+                  <a:schemeClr val="tx1"/>
+                </a:solidFill>
+                <a:latin typeface="+mn-lt"/>
+                <a:ea typeface="+mn-ea"/>
+                <a:cs typeface="+mn-cs"/>
+              </a:defRPr>
+            </a:lvl6pPr>
+            <a:lvl7pPr marL="2971800" indent="-228600" algn="l" defTabSz="914400" rtl="0" eaLnBrk="1" latinLnBrk="0" hangingPunct="1">
+              <a:lnSpc>
+                <a:spcPct val="90000"/>
+              </a:lnSpc>
+              <a:spcBef>
+                <a:spcPts val="500"/>
+              </a:spcBef>
+              <a:buFont typeface="Arial" panose="020B0604020202020204" pitchFamily="34" charset="0"/>
+              <a:buChar char="•"/>
+              <a:defRPr sz="1800" kern="1200">
+                <a:solidFill>
+                  <a:schemeClr val="tx1"/>
+                </a:solidFill>
+                <a:latin typeface="+mn-lt"/>
+                <a:ea typeface="+mn-ea"/>
+                <a:cs typeface="+mn-cs"/>
+              </a:defRPr>
+            </a:lvl7pPr>
+            <a:lvl8pPr marL="3429000" indent="-228600" algn="l" defTabSz="914400" rtl="0" eaLnBrk="1" latinLnBrk="0" hangingPunct="1">
+              <a:lnSpc>
+                <a:spcPct val="90000"/>
+              </a:lnSpc>
+              <a:spcBef>
+                <a:spcPts val="500"/>
+              </a:spcBef>
+              <a:buFont typeface="Arial" panose="020B0604020202020204" pitchFamily="34" charset="0"/>
+              <a:buChar char="•"/>
+              <a:defRPr sz="1800" kern="1200">
+                <a:solidFill>
+                  <a:schemeClr val="tx1"/>
+                </a:solidFill>
+                <a:latin typeface="+mn-lt"/>
+                <a:ea typeface="+mn-ea"/>
+                <a:cs typeface="+mn-cs"/>
+              </a:defRPr>
+            </a:lvl8pPr>
+            <a:lvl9pPr marL="3886200" indent="-228600" algn="l" defTabSz="914400" rtl="0" eaLnBrk="1" latinLnBrk="0" hangingPunct="1">
+              <a:lnSpc>
+                <a:spcPct val="90000"/>
+              </a:lnSpc>
+              <a:spcBef>
+                <a:spcPts val="500"/>
+              </a:spcBef>
+              <a:buFont typeface="Arial" panose="020B0604020202020204" pitchFamily="34" charset="0"/>
+              <a:buChar char="•"/>
+              <a:defRPr sz="1800" kern="1200">
+                <a:solidFill>
+                  <a:schemeClr val="tx1"/>
+                </a:solidFill>
+                <a:latin typeface="+mn-lt"/>
+                <a:ea typeface="+mn-ea"/>
+                <a:cs typeface="+mn-cs"/>
+              </a:defRPr>
+            </a:lvl9pPr>
+          </a:lstStyle>
+          <a:p>
+            <a:r>
+              <a:rPr lang="en-US" altLang="zh-CN" dirty="0"/>
+              <a:t>1</a:t>
+            </a:r>
+            <a:r>
+              <a:rPr lang="en-US" altLang="zh-CN" baseline="30000" dirty="0"/>
+              <a:t>st</a:t>
+            </a:r>
+            <a:r>
+              <a:rPr lang="en-US" altLang="zh-CN" dirty="0"/>
+              <a:t> radiation length (11 GeV): </a:t>
+            </a:r>
+            <a:r>
+              <a:rPr lang="en-US" altLang="zh-CN" dirty="0" err="1"/>
+              <a:t>xs</a:t>
+            </a:r>
+            <a:r>
+              <a:rPr lang="en-US" altLang="zh-CN" dirty="0"/>
+              <a:t>=800 pb (99%)</a:t>
+            </a:r>
+          </a:p>
+          <a:p>
+            <a:r>
+              <a:rPr lang="en-US" altLang="zh-CN" dirty="0"/>
+              <a:t>2</a:t>
+            </a:r>
+            <a:r>
+              <a:rPr lang="en-US" altLang="zh-CN" baseline="30000" dirty="0"/>
+              <a:t>nd</a:t>
+            </a:r>
+            <a:r>
+              <a:rPr lang="en-US" altLang="zh-CN" dirty="0"/>
+              <a:t>  radiation length (4 GeV): </a:t>
+            </a:r>
+            <a:r>
+              <a:rPr lang="en-US" altLang="zh-CN" dirty="0" err="1"/>
+              <a:t>xs</a:t>
+            </a:r>
+            <a:r>
+              <a:rPr lang="en-US" altLang="zh-CN" dirty="0"/>
+              <a:t>=700 pb (60%)</a:t>
+            </a:r>
+          </a:p>
+          <a:p>
+            <a:r>
+              <a:rPr lang="en-US" altLang="zh-CN" dirty="0"/>
+              <a:t>3</a:t>
+            </a:r>
+            <a:r>
+              <a:rPr lang="en-US" altLang="zh-CN" baseline="30000" dirty="0"/>
+              <a:t>rd</a:t>
+            </a:r>
+            <a:r>
+              <a:rPr lang="en-US" altLang="zh-CN" dirty="0"/>
+              <a:t>   radiation length (1 GeV): </a:t>
+            </a:r>
+            <a:r>
+              <a:rPr lang="en-US" altLang="zh-CN" dirty="0" err="1"/>
+              <a:t>xs</a:t>
+            </a:r>
+            <a:r>
+              <a:rPr lang="en-US" altLang="zh-CN" dirty="0"/>
+              <a:t>=800 pb (20%)</a:t>
+            </a:r>
+            <a:endParaRPr lang="zh-CN" altLang="en-US" dirty="0"/>
+          </a:p>
+          <a:p>
+            <a:endParaRPr lang="zh-CN" altLang="en-US" dirty="0"/>
+          </a:p>
+          <a:p>
+            <a:endParaRPr lang="zh-CN" altLang="en-US" dirty="0"/>
+          </a:p>
+        </p:txBody>
+      </p:sp>
+    </p:spTree>
+    <p:extLst>
+      <p:ext uri="{BB962C8B-B14F-4D97-AF65-F5344CB8AC3E}">
+        <p14:creationId xmlns:p14="http://schemas.microsoft.com/office/powerpoint/2010/main" val="2390124744"/>
+      </p:ext>
+    </p:extLst>
+  </p:cSld>
+  <p:clrMapOvr>
+    <a:masterClrMapping/>
+  </p:clrMapOvr>
+</p:sld>
+</file>
+
+<file path=ppt/slides/slide23.xml><?xml version="1.0" encoding="utf-8"?>
+<p:sld xmlns:a="http://schemas.openxmlformats.org/drawingml/2006/main" xmlns:r="http://schemas.openxmlformats.org/officeDocument/2006/relationships" xmlns:p="http://schemas.openxmlformats.org/presentationml/2006/main">
+  <p:cSld>
+    <p:spTree>
+      <p:nvGrpSpPr>
+        <p:cNvPr id="1" name=""/>
+        <p:cNvGrpSpPr/>
+        <p:nvPr/>
+      </p:nvGrpSpPr>
+      <p:grpSpPr>
+        <a:xfrm>
+          <a:off x="0" y="0"/>
+          <a:ext cx="0" cy="0"/>
+          <a:chOff x="0" y="0"/>
+          <a:chExt cx="0" cy="0"/>
+        </a:xfrm>
+      </p:grpSpPr>
+      <p:sp>
+        <p:nvSpPr>
+          <p:cNvPr id="2" name="标题 1">
+            <a:extLst>
+              <a:ext uri="{FF2B5EF4-FFF2-40B4-BE49-F238E27FC236}">
+                <a16:creationId xmlns:a16="http://schemas.microsoft.com/office/drawing/2014/main" id="{7D61F34F-ED5C-55FD-3445-03A9E1AC5942}"/>
+              </a:ext>
+            </a:extLst>
+          </p:cNvPr>
+          <p:cNvSpPr>
+            <a:spLocks noGrp="1"/>
+          </p:cNvSpPr>
+          <p:nvPr>
+            <p:ph type="title"/>
+          </p:nvPr>
+        </p:nvSpPr>
+        <p:spPr>
+          <a:xfrm>
+            <a:off x="0" y="0"/>
+            <a:ext cx="3189051" cy="792466"/>
+          </a:xfrm>
+        </p:spPr>
+        <p:txBody>
+          <a:bodyPr/>
+          <a:lstStyle/>
+          <a:p>
+            <a:r>
+              <a:rPr lang="en-US" altLang="zh-CN" dirty="0"/>
+              <a:t>shower</a:t>
+            </a:r>
+            <a:endParaRPr lang="zh-CN" altLang="en-US" dirty="0"/>
+          </a:p>
+        </p:txBody>
+      </p:sp>
+      <p:sp>
+        <p:nvSpPr>
+          <p:cNvPr id="8" name="文本框 7">
+            <a:extLst>
+              <a:ext uri="{FF2B5EF4-FFF2-40B4-BE49-F238E27FC236}">
+                <a16:creationId xmlns:a16="http://schemas.microsoft.com/office/drawing/2014/main" id="{F980E1DC-97A0-E634-2F28-A5362CFD51A4}"/>
+              </a:ext>
+            </a:extLst>
+          </p:cNvPr>
+          <p:cNvSpPr txBox="1"/>
+          <p:nvPr/>
+        </p:nvSpPr>
+        <p:spPr>
+          <a:xfrm>
+            <a:off x="0" y="796961"/>
+            <a:ext cx="3881336" cy="923330"/>
+          </a:xfrm>
+          <a:prstGeom prst="rect">
+            <a:avLst/>
+          </a:prstGeom>
+          <a:noFill/>
+        </p:spPr>
+        <p:txBody>
+          <a:bodyPr wrap="square" rtlCol="0">
+            <a:spAutoFit/>
+          </a:bodyPr>
+          <a:lstStyle/>
+          <a:p>
+            <a:pPr algn="l"/>
+            <a:r>
+              <a:rPr lang="en-US" altLang="zh-CN" dirty="0">
+                <a:latin typeface="Times New Roman" panose="02020603050405020304" pitchFamily="18" charset="0"/>
+                <a:cs typeface="Times New Roman" panose="02020603050405020304" pitchFamily="18" charset="0"/>
+              </a:rPr>
+              <a:t>min particle energy: 10 MeV</a:t>
+            </a:r>
+          </a:p>
+          <a:p>
+            <a:pPr algn="l"/>
+            <a:r>
+              <a:rPr lang="en-US" altLang="zh-CN" dirty="0">
+                <a:latin typeface="Times New Roman" panose="02020603050405020304" pitchFamily="18" charset="0"/>
+                <a:cs typeface="Times New Roman" panose="02020603050405020304" pitchFamily="18" charset="0"/>
+              </a:rPr>
+              <a:t>Material: graphite (need to change)</a:t>
+            </a:r>
+          </a:p>
+          <a:p>
+            <a:pPr algn="l"/>
+            <a:r>
+              <a:rPr lang="en-US" altLang="zh-CN" dirty="0">
+                <a:latin typeface="Times New Roman" panose="02020603050405020304" pitchFamily="18" charset="0"/>
+                <a:cs typeface="Times New Roman" panose="02020603050405020304" pitchFamily="18" charset="0"/>
+              </a:rPr>
+              <a:t>11 GeV beam energy</a:t>
+            </a:r>
+            <a:endParaRPr lang="zh-CN" altLang="en-US" dirty="0" err="1">
+              <a:latin typeface="Times New Roman" panose="02020603050405020304" pitchFamily="18" charset="0"/>
+              <a:cs typeface="Times New Roman" panose="02020603050405020304" pitchFamily="18" charset="0"/>
+            </a:endParaRPr>
+          </a:p>
+        </p:txBody>
+      </p:sp>
+      <p:pic>
+        <p:nvPicPr>
+          <p:cNvPr id="10" name="图片 9">
+            <a:extLst>
+              <a:ext uri="{FF2B5EF4-FFF2-40B4-BE49-F238E27FC236}">
+                <a16:creationId xmlns:a16="http://schemas.microsoft.com/office/drawing/2014/main" id="{574ED422-C572-CED0-45CD-4042310D62D8}"/>
+              </a:ext>
+            </a:extLst>
+          </p:cNvPr>
+          <p:cNvPicPr>
+            <a:picLocks noChangeAspect="1"/>
+          </p:cNvPicPr>
+          <p:nvPr/>
+        </p:nvPicPr>
+        <p:blipFill>
+          <a:blip r:embed="rId2"/>
+          <a:stretch>
+            <a:fillRect/>
+          </a:stretch>
+        </p:blipFill>
+        <p:spPr>
+          <a:xfrm>
+            <a:off x="-9133" y="3573939"/>
+            <a:ext cx="12201133" cy="2975886"/>
+          </a:xfrm>
+          <a:prstGeom prst="rect">
+            <a:avLst/>
+          </a:prstGeom>
+        </p:spPr>
+      </p:pic>
+      <p:pic>
+        <p:nvPicPr>
+          <p:cNvPr id="12" name="图片 11">
+            <a:extLst>
+              <a:ext uri="{FF2B5EF4-FFF2-40B4-BE49-F238E27FC236}">
+                <a16:creationId xmlns:a16="http://schemas.microsoft.com/office/drawing/2014/main" id="{D3EB5032-CB88-8E27-C987-B5047ABEFB4A}"/>
+              </a:ext>
+            </a:extLst>
+          </p:cNvPr>
+          <p:cNvPicPr>
+            <a:picLocks noChangeAspect="1"/>
+          </p:cNvPicPr>
+          <p:nvPr/>
+        </p:nvPicPr>
+        <p:blipFill>
+          <a:blip r:embed="rId3"/>
+          <a:stretch>
+            <a:fillRect/>
+          </a:stretch>
+        </p:blipFill>
+        <p:spPr>
+          <a:xfrm>
+            <a:off x="5583677" y="0"/>
+            <a:ext cx="6608323" cy="3573939"/>
+          </a:xfrm>
+          <a:prstGeom prst="rect">
+            <a:avLst/>
+          </a:prstGeom>
+        </p:spPr>
+      </p:pic>
+    </p:spTree>
+    <p:extLst>
+      <p:ext uri="{BB962C8B-B14F-4D97-AF65-F5344CB8AC3E}">
+        <p14:creationId xmlns:p14="http://schemas.microsoft.com/office/powerpoint/2010/main" val="309367804"/>
+      </p:ext>
+    </p:extLst>
+  </p:cSld>
+  <p:clrMapOvr>
+    <a:masterClrMapping/>
+  </p:clrMapOvr>
+</p:sld>
+</file>
+
+<file path=ppt/slides/slide24.xml><?xml version="1.0" encoding="utf-8"?>
+<p:sld xmlns:a="http://schemas.openxmlformats.org/drawingml/2006/main" xmlns:r="http://schemas.openxmlformats.org/officeDocument/2006/relationships" xmlns:p="http://schemas.openxmlformats.org/presentationml/2006/main">
+  <p:cSld>
+    <p:spTree>
+      <p:nvGrpSpPr>
+        <p:cNvPr id="1" name=""/>
+        <p:cNvGrpSpPr/>
+        <p:nvPr/>
+      </p:nvGrpSpPr>
+      <p:grpSpPr>
+        <a:xfrm>
+          <a:off x="0" y="0"/>
+          <a:ext cx="0" cy="0"/>
+          <a:chOff x="0" y="0"/>
+          <a:chExt cx="0" cy="0"/>
+        </a:xfrm>
+      </p:grpSpPr>
+      <p:sp>
+        <p:nvSpPr>
+          <p:cNvPr id="2" name="标题 1">
+            <a:extLst>
+              <a:ext uri="{FF2B5EF4-FFF2-40B4-BE49-F238E27FC236}">
+                <a16:creationId xmlns:a16="http://schemas.microsoft.com/office/drawing/2014/main" id="{43448DDF-D384-5A38-10F5-FC2F13372AF9}"/>
+              </a:ext>
+            </a:extLst>
+          </p:cNvPr>
+          <p:cNvSpPr>
+            <a:spLocks noGrp="1"/>
+          </p:cNvSpPr>
+          <p:nvPr>
+            <p:ph type="title"/>
+          </p:nvPr>
+        </p:nvSpPr>
+        <p:spPr>
+          <a:xfrm>
+            <a:off x="838200" y="15030"/>
+            <a:ext cx="10515600" cy="948109"/>
+          </a:xfrm>
+        </p:spPr>
+        <p:txBody>
+          <a:bodyPr/>
+          <a:lstStyle/>
+          <a:p>
+            <a:r>
+              <a:rPr lang="en-US" altLang="zh-CN" dirty="0"/>
+              <a:t>Electrons</a:t>
+            </a:r>
+            <a:endParaRPr lang="zh-CN" altLang="en-US" dirty="0"/>
+          </a:p>
+        </p:txBody>
+      </p:sp>
+      <p:sp>
+        <p:nvSpPr>
+          <p:cNvPr id="3" name="内容占位符 2">
+            <a:extLst>
+              <a:ext uri="{FF2B5EF4-FFF2-40B4-BE49-F238E27FC236}">
+                <a16:creationId xmlns:a16="http://schemas.microsoft.com/office/drawing/2014/main" id="{DB01D680-1C7F-D8A4-1259-34896810D27C}"/>
+              </a:ext>
+            </a:extLst>
+          </p:cNvPr>
+          <p:cNvSpPr>
+            <a:spLocks noGrp="1"/>
+          </p:cNvSpPr>
+          <p:nvPr>
+            <p:ph idx="1"/>
+          </p:nvPr>
+        </p:nvSpPr>
+        <p:spPr>
+          <a:xfrm>
+            <a:off x="838200" y="1543523"/>
+            <a:ext cx="10515600" cy="4351338"/>
+          </a:xfrm>
+        </p:spPr>
+        <p:txBody>
+          <a:bodyPr/>
+          <a:lstStyle/>
+          <a:p>
+            <a:r>
+              <a:rPr lang="en-US" altLang="zh-CN" dirty="0"/>
+              <a:t>Forwarded and high energy</a:t>
+            </a:r>
+          </a:p>
+          <a:p>
+            <a:pPr lvl="1"/>
+            <a:r>
+              <a:rPr lang="en-US" altLang="zh-CN" dirty="0"/>
+              <a:t>high accepted rate</a:t>
+            </a:r>
+          </a:p>
+          <a:p>
+            <a:r>
+              <a:rPr lang="en-US" altLang="zh-CN" dirty="0"/>
+              <a:t>Forwarded but low energy</a:t>
+            </a:r>
+          </a:p>
+          <a:p>
+            <a:pPr lvl="1"/>
+            <a:r>
+              <a:rPr lang="en-US" altLang="zh-CN" dirty="0"/>
+              <a:t>Low accepted rate (see slide 22)</a:t>
+            </a:r>
+          </a:p>
+          <a:p>
+            <a:r>
+              <a:rPr lang="en-US" altLang="zh-CN" dirty="0"/>
+              <a:t>Not forwarded but high energy</a:t>
+            </a:r>
+          </a:p>
+          <a:p>
+            <a:pPr lvl="1"/>
+            <a:r>
+              <a:rPr lang="en-US" altLang="zh-CN" dirty="0"/>
+              <a:t>Low accepted rate</a:t>
+            </a:r>
+          </a:p>
+          <a:p>
+            <a:r>
+              <a:rPr lang="en-US" altLang="zh-CN" dirty="0"/>
+              <a:t>Not forwarded and low energy</a:t>
+            </a:r>
+          </a:p>
+          <a:p>
+            <a:pPr lvl="1"/>
+            <a:r>
+              <a:rPr lang="en-US" altLang="zh-CN" dirty="0"/>
+              <a:t>Low accepted rate (angle distribution spread out)</a:t>
+            </a:r>
+            <a:endParaRPr lang="zh-CN" altLang="en-US" dirty="0"/>
+          </a:p>
+        </p:txBody>
+      </p:sp>
+      <p:sp>
+        <p:nvSpPr>
+          <p:cNvPr id="6" name="文本框 5">
+            <a:extLst>
+              <a:ext uri="{FF2B5EF4-FFF2-40B4-BE49-F238E27FC236}">
+                <a16:creationId xmlns:a16="http://schemas.microsoft.com/office/drawing/2014/main" id="{EF62D6D8-5BF9-9577-7DB8-2FF2622EE9A8}"/>
+              </a:ext>
+            </a:extLst>
+          </p:cNvPr>
+          <p:cNvSpPr txBox="1"/>
+          <p:nvPr/>
+        </p:nvSpPr>
+        <p:spPr>
+          <a:xfrm>
+            <a:off x="4111558" y="316808"/>
+            <a:ext cx="5834034" cy="646331"/>
+          </a:xfrm>
+          <a:prstGeom prst="rect">
+            <a:avLst/>
+          </a:prstGeom>
+          <a:noFill/>
+        </p:spPr>
+        <p:txBody>
+          <a:bodyPr wrap="square" rtlCol="0">
+            <a:spAutoFit/>
+          </a:bodyPr>
+          <a:lstStyle/>
+          <a:p>
+            <a:pPr algn="l"/>
+            <a:r>
+              <a:rPr lang="en-US" altLang="zh-CN" dirty="0">
+                <a:latin typeface="Times New Roman" panose="02020603050405020304" pitchFamily="18" charset="0"/>
+                <a:cs typeface="Times New Roman" panose="02020603050405020304" pitchFamily="18" charset="0"/>
+              </a:rPr>
+              <a:t>Forwarded electron (within the accepted angle: 0.1m/20m)</a:t>
+            </a:r>
+          </a:p>
+          <a:p>
+            <a:pPr algn="l"/>
+            <a:r>
+              <a:rPr lang="en-US" altLang="zh-CN" dirty="0">
+                <a:latin typeface="Times New Roman" panose="02020603050405020304" pitchFamily="18" charset="0"/>
+                <a:cs typeface="Times New Roman" panose="02020603050405020304" pitchFamily="18" charset="0"/>
+              </a:rPr>
+              <a:t>High energy electron (E &gt; 1 GeV)</a:t>
+            </a:r>
+            <a:endParaRPr lang="zh-CN" altLang="en-US" dirty="0" err="1">
+              <a:latin typeface="Times New Roman" panose="02020603050405020304" pitchFamily="18" charset="0"/>
+              <a:cs typeface="Times New Roman" panose="02020603050405020304" pitchFamily="18" charset="0"/>
+            </a:endParaRPr>
+          </a:p>
+        </p:txBody>
+      </p:sp>
+    </p:spTree>
+    <p:extLst>
+      <p:ext uri="{BB962C8B-B14F-4D97-AF65-F5344CB8AC3E}">
+        <p14:creationId xmlns:p14="http://schemas.microsoft.com/office/powerpoint/2010/main" val="464273005"/>
+      </p:ext>
+    </p:extLst>
+  </p:cSld>
+  <p:clrMapOvr>
+    <a:masterClrMapping/>
+  </p:clrMapOvr>
+</p:sld>
+</file>
+
+<file path=ppt/slides/slide25.xml><?xml version="1.0" encoding="utf-8"?>
+<p:sld xmlns:a="http://schemas.openxmlformats.org/drawingml/2006/main" xmlns:r="http://schemas.openxmlformats.org/officeDocument/2006/relationships" xmlns:p="http://schemas.openxmlformats.org/presentationml/2006/main">
+  <p:cSld>
+    <p:spTree>
+      <p:nvGrpSpPr>
+        <p:cNvPr id="1" name=""/>
+        <p:cNvGrpSpPr/>
+        <p:nvPr/>
+      </p:nvGrpSpPr>
+      <p:grpSpPr>
+        <a:xfrm>
+          <a:off x="0" y="0"/>
+          <a:ext cx="0" cy="0"/>
+          <a:chOff x="0" y="0"/>
+          <a:chExt cx="0" cy="0"/>
+        </a:xfrm>
+      </p:grpSpPr>
+      <p:pic>
+        <p:nvPicPr>
+          <p:cNvPr id="28" name="图片 27">
+            <a:extLst>
+              <a:ext uri="{FF2B5EF4-FFF2-40B4-BE49-F238E27FC236}">
+                <a16:creationId xmlns:a16="http://schemas.microsoft.com/office/drawing/2014/main" id="{798AC59D-3D3D-21DF-1C44-ABA0786F7625}"/>
+              </a:ext>
+            </a:extLst>
+          </p:cNvPr>
+          <p:cNvPicPr>
+            <a:picLocks noChangeAspect="1"/>
+          </p:cNvPicPr>
+          <p:nvPr/>
+        </p:nvPicPr>
+        <p:blipFill>
+          <a:blip r:embed="rId2">
+            <a:extLst>
+              <a:ext uri="{28A0092B-C50C-407E-A947-70E740481C1C}">
+                <a14:useLocalDpi xmlns:a14="http://schemas.microsoft.com/office/drawing/2010/main" val="0"/>
+              </a:ext>
+            </a:extLst>
+          </a:blip>
+          <a:stretch>
+            <a:fillRect/>
+          </a:stretch>
+        </p:blipFill>
+        <p:spPr>
+          <a:xfrm>
+            <a:off x="-31065" y="3946507"/>
+            <a:ext cx="12206958" cy="1116664"/>
+          </a:xfrm>
+          <a:prstGeom prst="rect">
+            <a:avLst/>
+          </a:prstGeom>
+        </p:spPr>
+      </p:pic>
+      <p:pic>
+        <p:nvPicPr>
+          <p:cNvPr id="26" name="图片 25">
+            <a:extLst>
+              <a:ext uri="{FF2B5EF4-FFF2-40B4-BE49-F238E27FC236}">
+                <a16:creationId xmlns:a16="http://schemas.microsoft.com/office/drawing/2014/main" id="{6C713929-3A7A-8205-AC2F-20DB235544B2}"/>
+              </a:ext>
+            </a:extLst>
+          </p:cNvPr>
+          <p:cNvPicPr>
+            <a:picLocks noChangeAspect="1"/>
+          </p:cNvPicPr>
+          <p:nvPr/>
+        </p:nvPicPr>
+        <p:blipFill>
+          <a:blip r:embed="rId3">
+            <a:extLst>
+              <a:ext uri="{28A0092B-C50C-407E-A947-70E740481C1C}">
+                <a14:useLocalDpi xmlns:a14="http://schemas.microsoft.com/office/drawing/2010/main" val="0"/>
+              </a:ext>
+            </a:extLst>
+          </a:blip>
+          <a:stretch>
+            <a:fillRect/>
+          </a:stretch>
+        </p:blipFill>
+        <p:spPr>
+          <a:xfrm>
+            <a:off x="-15533" y="1765492"/>
+            <a:ext cx="12206958" cy="1199416"/>
+          </a:xfrm>
+          <a:prstGeom prst="rect">
+            <a:avLst/>
+          </a:prstGeom>
+        </p:spPr>
+      </p:pic>
+      <mc:AlternateContent xmlns:mc="http://schemas.openxmlformats.org/markup-compatibility/2006" xmlns:a14="http://schemas.microsoft.com/office/drawing/2010/main">
+        <mc:Choice Requires="a14">
+          <p:sp>
+            <p:nvSpPr>
+              <p:cNvPr id="2" name="标题 1">
+                <a:extLst>
+                  <a:ext uri="{FF2B5EF4-FFF2-40B4-BE49-F238E27FC236}">
+                    <a16:creationId xmlns:a16="http://schemas.microsoft.com/office/drawing/2014/main" id="{E4DDDA9C-24F5-0EEE-BC89-1C946D040A87}"/>
+                  </a:ext>
+                </a:extLst>
+              </p:cNvPr>
+              <p:cNvSpPr>
+                <a:spLocks noGrp="1"/>
+              </p:cNvSpPr>
+              <p:nvPr>
+                <p:ph type="title"/>
+              </p:nvPr>
+            </p:nvSpPr>
+            <p:spPr>
+              <a:xfrm>
+                <a:off x="419910" y="7376"/>
+                <a:ext cx="10515600" cy="778213"/>
+              </a:xfrm>
+            </p:spPr>
+            <p:txBody>
+              <a:bodyPr>
+                <a:normAutofit/>
+              </a:bodyPr>
+              <a:lstStyle/>
+              <a:p>
+                <a:r>
+                  <a:rPr lang="en-US" altLang="zh-CN" dirty="0"/>
+                  <a:t>All historical particle during the shower </a:t>
+                </a:r>
+                <a14:m>
+                  <m:oMath xmlns:m="http://schemas.openxmlformats.org/officeDocument/2006/math">
+                    <m:r>
+                      <a:rPr lang="en-US" altLang="zh-CN" b="0" i="1" smtClean="0">
+                        <a:latin typeface="Cambria Math" panose="02040503050406030204" pitchFamily="18" charset="0"/>
+                      </a:rPr>
+                      <m:t>×10</m:t>
+                    </m:r>
+                  </m:oMath>
+                </a14:m>
+                <a:endParaRPr lang="zh-CN" altLang="en-US" dirty="0"/>
+              </a:p>
+            </p:txBody>
+          </p:sp>
+        </mc:Choice>
+        <mc:Fallback xmlns="">
+          <p:sp>
+            <p:nvSpPr>
+              <p:cNvPr id="2" name="标题 1">
+                <a:extLst>
+                  <a:ext uri="{FF2B5EF4-FFF2-40B4-BE49-F238E27FC236}">
+                    <a16:creationId xmlns:a16="http://schemas.microsoft.com/office/drawing/2014/main" id="{E4DDDA9C-24F5-0EEE-BC89-1C946D040A87}"/>
+                  </a:ext>
+                </a:extLst>
+              </p:cNvPr>
+              <p:cNvSpPr>
+                <a:spLocks noGrp="1" noRot="1" noChangeAspect="1" noMove="1" noResize="1" noEditPoints="1" noAdjustHandles="1" noChangeArrowheads="1" noChangeShapeType="1" noTextEdit="1"/>
+              </p:cNvSpPr>
+              <p:nvPr>
+                <p:ph type="title"/>
+              </p:nvPr>
+            </p:nvSpPr>
+            <p:spPr>
+              <a:xfrm>
+                <a:off x="419910" y="7376"/>
+                <a:ext cx="10515600" cy="778213"/>
+              </a:xfrm>
+              <a:blipFill>
+                <a:blip r:embed="rId4"/>
+                <a:stretch>
+                  <a:fillRect l="-2377" t="-17969" b="-32813"/>
+                </a:stretch>
+              </a:blipFill>
+            </p:spPr>
+            <p:txBody>
+              <a:bodyPr/>
+              <a:lstStyle/>
+              <a:p>
+                <a:r>
+                  <a:rPr lang="zh-CN" altLang="en-US">
+                    <a:noFill/>
+                  </a:rPr>
+                  <a:t> </a:t>
+                </a:r>
+              </a:p>
+            </p:txBody>
+          </p:sp>
+        </mc:Fallback>
+      </mc:AlternateContent>
+      <p:sp>
+        <p:nvSpPr>
+          <p:cNvPr id="6" name="文本框 5">
+            <a:extLst>
+              <a:ext uri="{FF2B5EF4-FFF2-40B4-BE49-F238E27FC236}">
+                <a16:creationId xmlns:a16="http://schemas.microsoft.com/office/drawing/2014/main" id="{C2FAB5C5-D8D4-D92C-96F7-44CE4CAAAAB4}"/>
+              </a:ext>
+            </a:extLst>
+          </p:cNvPr>
+          <p:cNvSpPr txBox="1"/>
+          <p:nvPr/>
+        </p:nvSpPr>
+        <p:spPr>
+          <a:xfrm>
+            <a:off x="6096001" y="1257778"/>
+            <a:ext cx="5834034" cy="369332"/>
+          </a:xfrm>
+          <a:prstGeom prst="rect">
+            <a:avLst/>
+          </a:prstGeom>
+          <a:noFill/>
+        </p:spPr>
+        <p:txBody>
+          <a:bodyPr wrap="square" rtlCol="0">
+            <a:spAutoFit/>
+          </a:bodyPr>
+          <a:lstStyle/>
+          <a:p>
+            <a:pPr algn="l"/>
+            <a:r>
+              <a:rPr lang="en-US" altLang="zh-CN" dirty="0">
+                <a:latin typeface="Times New Roman" panose="02020603050405020304" pitchFamily="18" charset="0"/>
+                <a:cs typeface="Times New Roman" panose="02020603050405020304" pitchFamily="18" charset="0"/>
+              </a:rPr>
+              <a:t>Forwarded electron (within the accepted angle: 0.1m/20m)</a:t>
+            </a:r>
+            <a:endParaRPr lang="zh-CN" altLang="en-US" dirty="0" err="1">
+              <a:latin typeface="Times New Roman" panose="02020603050405020304" pitchFamily="18" charset="0"/>
+              <a:cs typeface="Times New Roman" panose="02020603050405020304" pitchFamily="18" charset="0"/>
+            </a:endParaRPr>
+          </a:p>
+        </p:txBody>
+      </p:sp>
+      <mc:AlternateContent xmlns:mc="http://schemas.openxmlformats.org/markup-compatibility/2006" xmlns:a14="http://schemas.microsoft.com/office/drawing/2010/main">
+        <mc:Choice Requires="a14">
+          <p:sp>
+            <p:nvSpPr>
+              <p:cNvPr id="7" name="文本框 6">
+                <a:extLst>
+                  <a:ext uri="{FF2B5EF4-FFF2-40B4-BE49-F238E27FC236}">
+                    <a16:creationId xmlns:a16="http://schemas.microsoft.com/office/drawing/2014/main" id="{15E688A3-8B10-D5FC-96F4-BE8C46A55DB4}"/>
+                  </a:ext>
+                </a:extLst>
+              </p:cNvPr>
+              <p:cNvSpPr txBox="1"/>
+              <p:nvPr/>
+            </p:nvSpPr>
+            <p:spPr>
+              <a:xfrm>
+                <a:off x="-31065" y="5371484"/>
+                <a:ext cx="1809345" cy="369332"/>
+              </a:xfrm>
+              <a:prstGeom prst="rect">
+                <a:avLst/>
+              </a:prstGeom>
+              <a:noFill/>
+            </p:spPr>
+            <p:txBody>
+              <a:bodyPr wrap="square" rtlCol="0">
+                <a:spAutoFit/>
+              </a:bodyPr>
+              <a:lstStyle/>
+              <a:p>
+                <a:pPr algn="l"/>
+                <a14:m>
+                  <m:oMath xmlns:m="http://schemas.openxmlformats.org/officeDocument/2006/math">
+                    <m:sSub>
+                      <m:sSubPr>
+                        <m:ctrlPr>
+                          <a:rPr lang="en-US" altLang="zh-CN" b="0" i="1" smtClean="0">
+                            <a:latin typeface="Cambria Math" panose="02040503050406030204" pitchFamily="18" charset="0"/>
+                            <a:cs typeface="Times New Roman" panose="02020603050405020304" pitchFamily="18" charset="0"/>
+                          </a:rPr>
+                        </m:ctrlPr>
+                      </m:sSubPr>
+                      <m:e>
+                        <m:r>
+                          <a:rPr lang="en-US" altLang="zh-CN" b="0" i="1" smtClean="0">
+                            <a:latin typeface="Cambria Math" panose="02040503050406030204" pitchFamily="18" charset="0"/>
+                            <a:cs typeface="Times New Roman" panose="02020603050405020304" pitchFamily="18" charset="0"/>
+                          </a:rPr>
+                          <m:t>𝐸</m:t>
+                        </m:r>
+                      </m:e>
+                      <m:sub>
+                        <m:r>
+                          <a:rPr lang="en-US" altLang="zh-CN" b="0" i="1" smtClean="0">
+                            <a:latin typeface="Cambria Math" panose="02040503050406030204" pitchFamily="18" charset="0"/>
+                            <a:cs typeface="Times New Roman" panose="02020603050405020304" pitchFamily="18" charset="0"/>
+                          </a:rPr>
+                          <m:t>𝑚𝑖𝑛</m:t>
+                        </m:r>
+                      </m:sub>
+                    </m:sSub>
+                    <m:r>
+                      <a:rPr lang="en-US" altLang="zh-CN" b="0" i="1" smtClean="0">
+                        <a:latin typeface="Cambria Math" panose="02040503050406030204" pitchFamily="18" charset="0"/>
+                        <a:cs typeface="Times New Roman" panose="02020603050405020304" pitchFamily="18" charset="0"/>
+                      </a:rPr>
+                      <m:t>=1</m:t>
+                    </m:r>
+                  </m:oMath>
+                </a14:m>
+                <a:r>
+                  <a:rPr lang="zh-CN" altLang="en-US" dirty="0">
+                    <a:latin typeface="Times New Roman" panose="02020603050405020304" pitchFamily="18" charset="0"/>
+                    <a:cs typeface="Times New Roman" panose="02020603050405020304" pitchFamily="18" charset="0"/>
+                  </a:rPr>
+                  <a:t> </a:t>
+                </a:r>
+                <a:r>
+                  <a:rPr lang="en-US" altLang="zh-CN" dirty="0">
+                    <a:latin typeface="Times New Roman" panose="02020603050405020304" pitchFamily="18" charset="0"/>
+                    <a:cs typeface="Times New Roman" panose="02020603050405020304" pitchFamily="18" charset="0"/>
+                  </a:rPr>
+                  <a:t>MeV</a:t>
+                </a:r>
+                <a:endParaRPr lang="zh-CN" altLang="en-US" dirty="0" err="1">
+                  <a:latin typeface="Times New Roman" panose="02020603050405020304" pitchFamily="18" charset="0"/>
+                  <a:cs typeface="Times New Roman" panose="02020603050405020304" pitchFamily="18" charset="0"/>
+                </a:endParaRPr>
+              </a:p>
+            </p:txBody>
+          </p:sp>
+        </mc:Choice>
+        <mc:Fallback xmlns="">
+          <p:sp>
+            <p:nvSpPr>
+              <p:cNvPr id="7" name="文本框 6">
+                <a:extLst>
+                  <a:ext uri="{FF2B5EF4-FFF2-40B4-BE49-F238E27FC236}">
+                    <a16:creationId xmlns:a16="http://schemas.microsoft.com/office/drawing/2014/main" id="{15E688A3-8B10-D5FC-96F4-BE8C46A55DB4}"/>
+                  </a:ext>
+                </a:extLst>
+              </p:cNvPr>
+              <p:cNvSpPr txBox="1">
+                <a:spLocks noRot="1" noChangeAspect="1" noMove="1" noResize="1" noEditPoints="1" noAdjustHandles="1" noChangeArrowheads="1" noChangeShapeType="1" noTextEdit="1"/>
+              </p:cNvSpPr>
+              <p:nvPr/>
+            </p:nvSpPr>
+            <p:spPr>
+              <a:xfrm>
+                <a:off x="-31065" y="5371484"/>
+                <a:ext cx="1809345" cy="369332"/>
+              </a:xfrm>
+              <a:prstGeom prst="rect">
+                <a:avLst/>
+              </a:prstGeom>
+              <a:blipFill>
+                <a:blip r:embed="rId5"/>
+                <a:stretch>
+                  <a:fillRect t="-8197" b="-24590"/>
+                </a:stretch>
+              </a:blipFill>
+            </p:spPr>
+            <p:txBody>
+              <a:bodyPr/>
+              <a:lstStyle/>
+              <a:p>
+                <a:r>
+                  <a:rPr lang="zh-CN" altLang="en-US">
+                    <a:noFill/>
+                  </a:rPr>
+                  <a:t> </a:t>
+                </a:r>
+              </a:p>
+            </p:txBody>
+          </p:sp>
+        </mc:Fallback>
+      </mc:AlternateContent>
+      <mc:AlternateContent xmlns:mc="http://schemas.openxmlformats.org/markup-compatibility/2006" xmlns:a14="http://schemas.microsoft.com/office/drawing/2010/main">
+        <mc:Choice Requires="a14">
+          <p:sp>
+            <p:nvSpPr>
+              <p:cNvPr id="10" name="文本框 9">
+                <a:extLst>
+                  <a:ext uri="{FF2B5EF4-FFF2-40B4-BE49-F238E27FC236}">
+                    <a16:creationId xmlns:a16="http://schemas.microsoft.com/office/drawing/2014/main" id="{7B1C6115-FDC3-F21E-D9DB-A3B094BEEB46}"/>
+                  </a:ext>
+                </a:extLst>
+              </p:cNvPr>
+              <p:cNvSpPr txBox="1"/>
+              <p:nvPr/>
+            </p:nvSpPr>
+            <p:spPr>
+              <a:xfrm>
+                <a:off x="-15533" y="3441442"/>
+                <a:ext cx="1809345" cy="369332"/>
+              </a:xfrm>
+              <a:prstGeom prst="rect">
+                <a:avLst/>
+              </a:prstGeom>
+              <a:noFill/>
+            </p:spPr>
+            <p:txBody>
+              <a:bodyPr wrap="square" rtlCol="0">
+                <a:spAutoFit/>
+              </a:bodyPr>
+              <a:lstStyle/>
+              <a:p>
+                <a:pPr algn="l"/>
+                <a14:m>
+                  <m:oMath xmlns:m="http://schemas.openxmlformats.org/officeDocument/2006/math">
+                    <m:sSub>
+                      <m:sSubPr>
+                        <m:ctrlPr>
+                          <a:rPr lang="en-US" altLang="zh-CN" b="0" i="1" smtClean="0">
+                            <a:latin typeface="Cambria Math" panose="02040503050406030204" pitchFamily="18" charset="0"/>
+                            <a:cs typeface="Times New Roman" panose="02020603050405020304" pitchFamily="18" charset="0"/>
+                          </a:rPr>
+                        </m:ctrlPr>
+                      </m:sSubPr>
+                      <m:e>
+                        <m:r>
+                          <a:rPr lang="en-US" altLang="zh-CN" b="0" i="1" smtClean="0">
+                            <a:latin typeface="Cambria Math" panose="02040503050406030204" pitchFamily="18" charset="0"/>
+                            <a:cs typeface="Times New Roman" panose="02020603050405020304" pitchFamily="18" charset="0"/>
+                          </a:rPr>
+                          <m:t>𝐸</m:t>
+                        </m:r>
+                      </m:e>
+                      <m:sub>
+                        <m:r>
+                          <a:rPr lang="en-US" altLang="zh-CN" b="0" i="1" smtClean="0">
+                            <a:latin typeface="Cambria Math" panose="02040503050406030204" pitchFamily="18" charset="0"/>
+                            <a:cs typeface="Times New Roman" panose="02020603050405020304" pitchFamily="18" charset="0"/>
+                          </a:rPr>
+                          <m:t>𝑚𝑖𝑛</m:t>
+                        </m:r>
+                      </m:sub>
+                    </m:sSub>
+                    <m:r>
+                      <a:rPr lang="en-US" altLang="zh-CN" b="0" i="1" smtClean="0">
+                        <a:latin typeface="Cambria Math" panose="02040503050406030204" pitchFamily="18" charset="0"/>
+                        <a:cs typeface="Times New Roman" panose="02020603050405020304" pitchFamily="18" charset="0"/>
+                      </a:rPr>
+                      <m:t>=10</m:t>
+                    </m:r>
+                  </m:oMath>
+                </a14:m>
+                <a:r>
+                  <a:rPr lang="zh-CN" altLang="en-US" dirty="0">
+                    <a:latin typeface="Times New Roman" panose="02020603050405020304" pitchFamily="18" charset="0"/>
+                    <a:cs typeface="Times New Roman" panose="02020603050405020304" pitchFamily="18" charset="0"/>
+                  </a:rPr>
+                  <a:t> </a:t>
+                </a:r>
+                <a:r>
+                  <a:rPr lang="en-US" altLang="zh-CN" dirty="0">
+                    <a:latin typeface="Times New Roman" panose="02020603050405020304" pitchFamily="18" charset="0"/>
+                    <a:cs typeface="Times New Roman" panose="02020603050405020304" pitchFamily="18" charset="0"/>
+                  </a:rPr>
+                  <a:t>MeV</a:t>
+                </a:r>
+                <a:endParaRPr lang="zh-CN" altLang="en-US" dirty="0" err="1">
+                  <a:latin typeface="Times New Roman" panose="02020603050405020304" pitchFamily="18" charset="0"/>
+                  <a:cs typeface="Times New Roman" panose="02020603050405020304" pitchFamily="18" charset="0"/>
+                </a:endParaRPr>
+              </a:p>
+            </p:txBody>
+          </p:sp>
+        </mc:Choice>
+        <mc:Fallback xmlns="">
+          <p:sp>
+            <p:nvSpPr>
+              <p:cNvPr id="10" name="文本框 9">
+                <a:extLst>
+                  <a:ext uri="{FF2B5EF4-FFF2-40B4-BE49-F238E27FC236}">
+                    <a16:creationId xmlns:a16="http://schemas.microsoft.com/office/drawing/2014/main" id="{7B1C6115-FDC3-F21E-D9DB-A3B094BEEB46}"/>
+                  </a:ext>
+                </a:extLst>
+              </p:cNvPr>
+              <p:cNvSpPr txBox="1">
+                <a:spLocks noRot="1" noChangeAspect="1" noMove="1" noResize="1" noEditPoints="1" noAdjustHandles="1" noChangeArrowheads="1" noChangeShapeType="1" noTextEdit="1"/>
+              </p:cNvSpPr>
+              <p:nvPr/>
+            </p:nvSpPr>
+            <p:spPr>
+              <a:xfrm>
+                <a:off x="-15533" y="3441442"/>
+                <a:ext cx="1809345" cy="369332"/>
+              </a:xfrm>
+              <a:prstGeom prst="rect">
+                <a:avLst/>
+              </a:prstGeom>
+              <a:blipFill>
+                <a:blip r:embed="rId6"/>
+                <a:stretch>
+                  <a:fillRect t="-10000" b="-26667"/>
+                </a:stretch>
+              </a:blipFill>
+            </p:spPr>
+            <p:txBody>
+              <a:bodyPr/>
+              <a:lstStyle/>
+              <a:p>
+                <a:r>
+                  <a:rPr lang="zh-CN" altLang="en-US">
+                    <a:noFill/>
+                  </a:rPr>
+                  <a:t> </a:t>
+                </a:r>
+              </a:p>
+            </p:txBody>
+          </p:sp>
+        </mc:Fallback>
+      </mc:AlternateContent>
+      <mc:AlternateContent xmlns:mc="http://schemas.openxmlformats.org/markup-compatibility/2006" xmlns:a14="http://schemas.microsoft.com/office/drawing/2010/main">
+        <mc:Choice Requires="a14">
+          <p:sp>
+            <p:nvSpPr>
+              <p:cNvPr id="14" name="文本框 13">
+                <a:extLst>
+                  <a:ext uri="{FF2B5EF4-FFF2-40B4-BE49-F238E27FC236}">
+                    <a16:creationId xmlns:a16="http://schemas.microsoft.com/office/drawing/2014/main" id="{F5B408FB-B017-F9E5-36CD-1E311B4A8B1D}"/>
+                  </a:ext>
+                </a:extLst>
+              </p:cNvPr>
+              <p:cNvSpPr txBox="1"/>
+              <p:nvPr/>
+            </p:nvSpPr>
+            <p:spPr>
+              <a:xfrm>
+                <a:off x="-31065" y="1349814"/>
+                <a:ext cx="2239244" cy="369332"/>
+              </a:xfrm>
+              <a:prstGeom prst="rect">
+                <a:avLst/>
+              </a:prstGeom>
+              <a:noFill/>
+            </p:spPr>
+            <p:txBody>
+              <a:bodyPr wrap="square" rtlCol="0">
+                <a:spAutoFit/>
+              </a:bodyPr>
+              <a:lstStyle/>
+              <a:p>
+                <a:pPr algn="l"/>
+                <a14:m>
+                  <m:oMath xmlns:m="http://schemas.openxmlformats.org/officeDocument/2006/math">
+                    <m:sSub>
+                      <m:sSubPr>
+                        <m:ctrlPr>
+                          <a:rPr lang="en-US" altLang="zh-CN" b="0" i="1" smtClean="0">
+                            <a:latin typeface="Cambria Math" panose="02040503050406030204" pitchFamily="18" charset="0"/>
+                            <a:cs typeface="Times New Roman" panose="02020603050405020304" pitchFamily="18" charset="0"/>
+                          </a:rPr>
+                        </m:ctrlPr>
+                      </m:sSubPr>
+                      <m:e>
+                        <m:r>
+                          <a:rPr lang="en-US" altLang="zh-CN" b="0" i="1" smtClean="0">
+                            <a:latin typeface="Cambria Math" panose="02040503050406030204" pitchFamily="18" charset="0"/>
+                            <a:cs typeface="Times New Roman" panose="02020603050405020304" pitchFamily="18" charset="0"/>
+                          </a:rPr>
+                          <m:t>𝐸</m:t>
+                        </m:r>
+                      </m:e>
+                      <m:sub>
+                        <m:r>
+                          <a:rPr lang="en-US" altLang="zh-CN" b="0" i="1" smtClean="0">
+                            <a:latin typeface="Cambria Math" panose="02040503050406030204" pitchFamily="18" charset="0"/>
+                            <a:cs typeface="Times New Roman" panose="02020603050405020304" pitchFamily="18" charset="0"/>
+                          </a:rPr>
+                          <m:t>𝑚𝑖𝑛</m:t>
+                        </m:r>
+                      </m:sub>
+                    </m:sSub>
+                    <m:r>
+                      <a:rPr lang="en-US" altLang="zh-CN" b="0" i="1" smtClean="0">
+                        <a:latin typeface="Cambria Math" panose="02040503050406030204" pitchFamily="18" charset="0"/>
+                        <a:cs typeface="Times New Roman" panose="02020603050405020304" pitchFamily="18" charset="0"/>
+                      </a:rPr>
+                      <m:t>=100</m:t>
+                    </m:r>
+                  </m:oMath>
+                </a14:m>
+                <a:r>
+                  <a:rPr lang="zh-CN" altLang="en-US" dirty="0">
+                    <a:latin typeface="Times New Roman" panose="02020603050405020304" pitchFamily="18" charset="0"/>
+                    <a:cs typeface="Times New Roman" panose="02020603050405020304" pitchFamily="18" charset="0"/>
+                  </a:rPr>
+                  <a:t> </a:t>
+                </a:r>
+                <a:r>
+                  <a:rPr lang="en-US" altLang="zh-CN" dirty="0">
+                    <a:latin typeface="Times New Roman" panose="02020603050405020304" pitchFamily="18" charset="0"/>
+                    <a:cs typeface="Times New Roman" panose="02020603050405020304" pitchFamily="18" charset="0"/>
+                  </a:rPr>
+                  <a:t>MeV</a:t>
+                </a:r>
+                <a:endParaRPr lang="zh-CN" altLang="en-US" dirty="0" err="1">
+                  <a:latin typeface="Times New Roman" panose="02020603050405020304" pitchFamily="18" charset="0"/>
+                  <a:cs typeface="Times New Roman" panose="02020603050405020304" pitchFamily="18" charset="0"/>
+                </a:endParaRPr>
+              </a:p>
+            </p:txBody>
+          </p:sp>
+        </mc:Choice>
+        <mc:Fallback xmlns="">
+          <p:sp>
+            <p:nvSpPr>
+              <p:cNvPr id="14" name="文本框 13">
+                <a:extLst>
+                  <a:ext uri="{FF2B5EF4-FFF2-40B4-BE49-F238E27FC236}">
+                    <a16:creationId xmlns:a16="http://schemas.microsoft.com/office/drawing/2014/main" id="{F5B408FB-B017-F9E5-36CD-1E311B4A8B1D}"/>
+                  </a:ext>
+                </a:extLst>
+              </p:cNvPr>
+              <p:cNvSpPr txBox="1">
+                <a:spLocks noRot="1" noChangeAspect="1" noMove="1" noResize="1" noEditPoints="1" noAdjustHandles="1" noChangeArrowheads="1" noChangeShapeType="1" noTextEdit="1"/>
+              </p:cNvSpPr>
+              <p:nvPr/>
+            </p:nvSpPr>
+            <p:spPr>
+              <a:xfrm>
+                <a:off x="-31065" y="1349814"/>
+                <a:ext cx="2239244" cy="369332"/>
+              </a:xfrm>
+              <a:prstGeom prst="rect">
+                <a:avLst/>
+              </a:prstGeom>
+              <a:blipFill>
+                <a:blip r:embed="rId7"/>
+                <a:stretch>
+                  <a:fillRect t="-8197" b="-24590"/>
+                </a:stretch>
+              </a:blipFill>
+            </p:spPr>
+            <p:txBody>
+              <a:bodyPr/>
+              <a:lstStyle/>
+              <a:p>
+                <a:r>
+                  <a:rPr lang="zh-CN" altLang="en-US">
+                    <a:noFill/>
+                  </a:rPr>
+                  <a:t> </a:t>
+                </a:r>
+              </a:p>
+            </p:txBody>
+          </p:sp>
+        </mc:Fallback>
+      </mc:AlternateContent>
+      <p:cxnSp>
+        <p:nvCxnSpPr>
+          <p:cNvPr id="8" name="直接箭头连接符 7">
+            <a:extLst>
+              <a:ext uri="{FF2B5EF4-FFF2-40B4-BE49-F238E27FC236}">
+                <a16:creationId xmlns:a16="http://schemas.microsoft.com/office/drawing/2014/main" id="{1CF1985B-CA78-A523-DE86-8674F7D984C0}"/>
+              </a:ext>
+            </a:extLst>
+          </p:cNvPr>
+          <p:cNvCxnSpPr>
+            <a:cxnSpLocks/>
+          </p:cNvCxnSpPr>
+          <p:nvPr/>
+        </p:nvCxnSpPr>
+        <p:spPr>
+          <a:xfrm flipH="1">
+            <a:off x="7509753" y="1553329"/>
+            <a:ext cx="344391" cy="898041"/>
+          </a:xfrm>
+          <a:prstGeom prst="straightConnector1">
+            <a:avLst/>
+          </a:prstGeom>
+          <a:ln>
+            <a:tailEnd type="triangle"/>
+          </a:ln>
+        </p:spPr>
+        <p:style>
+          <a:lnRef idx="3">
+            <a:schemeClr val="accent2"/>
+          </a:lnRef>
+          <a:fillRef idx="0">
+            <a:schemeClr val="accent2"/>
+          </a:fillRef>
+          <a:effectRef idx="2">
+            <a:schemeClr val="accent2"/>
+          </a:effectRef>
+          <a:fontRef idx="minor">
+            <a:schemeClr val="tx1"/>
+          </a:fontRef>
+        </p:style>
+      </p:cxnSp>
+      <p:cxnSp>
+        <p:nvCxnSpPr>
+          <p:cNvPr id="9" name="直接箭头连接符 8">
+            <a:extLst>
+              <a:ext uri="{FF2B5EF4-FFF2-40B4-BE49-F238E27FC236}">
+                <a16:creationId xmlns:a16="http://schemas.microsoft.com/office/drawing/2014/main" id="{41B84FAC-C7C2-2C3F-A6BE-A07D4AF1B8E2}"/>
+              </a:ext>
+            </a:extLst>
+          </p:cNvPr>
+          <p:cNvCxnSpPr>
+            <a:cxnSpLocks/>
+          </p:cNvCxnSpPr>
+          <p:nvPr/>
+        </p:nvCxnSpPr>
+        <p:spPr>
+          <a:xfrm>
+            <a:off x="10179864" y="1603861"/>
+            <a:ext cx="755646" cy="1056929"/>
+          </a:xfrm>
+          <a:prstGeom prst="straightConnector1">
+            <a:avLst/>
+          </a:prstGeom>
+          <a:ln>
+            <a:tailEnd type="triangle"/>
+          </a:ln>
+        </p:spPr>
+        <p:style>
+          <a:lnRef idx="3">
+            <a:schemeClr val="accent2"/>
+          </a:lnRef>
+          <a:fillRef idx="0">
+            <a:schemeClr val="accent2"/>
+          </a:fillRef>
+          <a:effectRef idx="2">
+            <a:schemeClr val="accent2"/>
+          </a:effectRef>
+          <a:fontRef idx="minor">
+            <a:schemeClr val="tx1"/>
+          </a:fontRef>
+        </p:style>
+      </p:cxnSp>
+      <p:pic>
+        <p:nvPicPr>
+          <p:cNvPr id="32" name="图片 31">
+            <a:extLst>
+              <a:ext uri="{FF2B5EF4-FFF2-40B4-BE49-F238E27FC236}">
+                <a16:creationId xmlns:a16="http://schemas.microsoft.com/office/drawing/2014/main" id="{8D8C2B97-E012-ACDA-4D39-B404F072E2AE}"/>
+              </a:ext>
+            </a:extLst>
+          </p:cNvPr>
+          <p:cNvPicPr>
+            <a:picLocks noChangeAspect="1"/>
+          </p:cNvPicPr>
+          <p:nvPr/>
+        </p:nvPicPr>
+        <p:blipFill>
+          <a:blip r:embed="rId8">
+            <a:extLst>
+              <a:ext uri="{28A0092B-C50C-407E-A947-70E740481C1C}">
+                <a14:useLocalDpi xmlns:a14="http://schemas.microsoft.com/office/drawing/2010/main" val="0"/>
+              </a:ext>
+            </a:extLst>
+          </a:blip>
+          <a:stretch>
+            <a:fillRect/>
+          </a:stretch>
+        </p:blipFill>
+        <p:spPr>
+          <a:xfrm>
+            <a:off x="0" y="5747155"/>
+            <a:ext cx="12175893" cy="1103469"/>
+          </a:xfrm>
+          <a:prstGeom prst="rect">
+            <a:avLst/>
+          </a:prstGeom>
+        </p:spPr>
+      </p:pic>
+    </p:spTree>
+    <p:extLst>
+      <p:ext uri="{BB962C8B-B14F-4D97-AF65-F5344CB8AC3E}">
+        <p14:creationId xmlns:p14="http://schemas.microsoft.com/office/powerpoint/2010/main" val="2135211508"/>
+      </p:ext>
+    </p:extLst>
+  </p:cSld>
+  <p:clrMapOvr>
+    <a:masterClrMapping/>
+  </p:clrMapOvr>
+</p:sld>
+</file>
+
+<file path=ppt/slides/slide26.xml><?xml version="1.0" encoding="utf-8"?>
+<p:sld xmlns:a="http://schemas.openxmlformats.org/drawingml/2006/main" xmlns:r="http://schemas.openxmlformats.org/officeDocument/2006/relationships" xmlns:p="http://schemas.openxmlformats.org/presentationml/2006/main">
+  <p:cSld>
+    <p:spTree>
+      <p:nvGrpSpPr>
+        <p:cNvPr id="1" name=""/>
+        <p:cNvGrpSpPr/>
+        <p:nvPr/>
+      </p:nvGrpSpPr>
+      <p:grpSpPr>
+        <a:xfrm>
+          <a:off x="0" y="0"/>
+          <a:ext cx="0" cy="0"/>
+          <a:chOff x="0" y="0"/>
+          <a:chExt cx="0" cy="0"/>
+        </a:xfrm>
+      </p:grpSpPr>
+      <p:sp>
+        <p:nvSpPr>
+          <p:cNvPr id="2" name="标题 1">
+            <a:extLst>
+              <a:ext uri="{FF2B5EF4-FFF2-40B4-BE49-F238E27FC236}">
+                <a16:creationId xmlns:a16="http://schemas.microsoft.com/office/drawing/2014/main" id="{9EB1A1FE-5E2C-09F9-D73E-99CA39C149A9}"/>
+              </a:ext>
+            </a:extLst>
+          </p:cNvPr>
+          <p:cNvSpPr>
+            <a:spLocks noGrp="1"/>
+          </p:cNvSpPr>
+          <p:nvPr>
+            <p:ph type="title"/>
+          </p:nvPr>
+        </p:nvSpPr>
+        <p:spPr>
+          <a:xfrm>
+            <a:off x="1245951" y="924128"/>
+            <a:ext cx="2080098" cy="603115"/>
+          </a:xfrm>
+        </p:spPr>
+        <p:txBody>
+          <a:bodyPr>
+            <a:normAutofit/>
+          </a:bodyPr>
+          <a:lstStyle/>
+          <a:p>
+            <a:r>
+              <a:rPr lang="en-US" altLang="zh-CN" sz="3200" dirty="0"/>
+              <a:t>100 MeV</a:t>
+            </a:r>
+            <a:endParaRPr lang="zh-CN" altLang="en-US" sz="3200" dirty="0"/>
+          </a:p>
+        </p:txBody>
+      </p:sp>
+      <p:pic>
+        <p:nvPicPr>
+          <p:cNvPr id="9" name="图形 8">
+            <a:extLst>
+              <a:ext uri="{FF2B5EF4-FFF2-40B4-BE49-F238E27FC236}">
+                <a16:creationId xmlns:a16="http://schemas.microsoft.com/office/drawing/2014/main" id="{4F68C05D-BBA0-B8B3-276A-A00F7222364B}"/>
+              </a:ext>
+            </a:extLst>
+          </p:cNvPr>
+          <p:cNvPicPr>
+            <a:picLocks noChangeAspect="1"/>
+          </p:cNvPicPr>
+          <p:nvPr/>
+        </p:nvPicPr>
+        <p:blipFill>
+          <a:blip r:embed="rId2">
+            <a:extLst>
+              <a:ext uri="{96DAC541-7B7A-43D3-8B79-37D633B846F1}">
+                <asvg:svgBlip xmlns:asvg="http://schemas.microsoft.com/office/drawing/2016/SVG/main" r:embed="rId3"/>
+              </a:ext>
+            </a:extLst>
+          </a:blip>
+          <a:stretch>
+            <a:fillRect/>
+          </a:stretch>
+        </p:blipFill>
+        <p:spPr>
+          <a:xfrm>
+            <a:off x="0" y="997491"/>
+            <a:ext cx="4572000" cy="2781300"/>
+          </a:xfrm>
+          <a:prstGeom prst="rect">
+            <a:avLst/>
+          </a:prstGeom>
+        </p:spPr>
+      </p:pic>
+      <p:pic>
+        <p:nvPicPr>
+          <p:cNvPr id="11" name="图形 10">
+            <a:extLst>
+              <a:ext uri="{FF2B5EF4-FFF2-40B4-BE49-F238E27FC236}">
+                <a16:creationId xmlns:a16="http://schemas.microsoft.com/office/drawing/2014/main" id="{C5913B6B-D32E-A358-8327-C120ADAF0DEB}"/>
+              </a:ext>
+            </a:extLst>
+          </p:cNvPr>
+          <p:cNvPicPr>
+            <a:picLocks noChangeAspect="1"/>
+          </p:cNvPicPr>
+          <p:nvPr/>
+        </p:nvPicPr>
+        <p:blipFill>
+          <a:blip r:embed="rId4">
+            <a:extLst>
+              <a:ext uri="{96DAC541-7B7A-43D3-8B79-37D633B846F1}">
+                <asvg:svgBlip xmlns:asvg="http://schemas.microsoft.com/office/drawing/2016/SVG/main" r:embed="rId5"/>
+              </a:ext>
+            </a:extLst>
+          </a:blip>
+          <a:stretch>
+            <a:fillRect/>
+          </a:stretch>
+        </p:blipFill>
+        <p:spPr>
+          <a:xfrm>
+            <a:off x="5084324" y="997491"/>
+            <a:ext cx="4572000" cy="2781300"/>
+          </a:xfrm>
+          <a:prstGeom prst="rect">
+            <a:avLst/>
+          </a:prstGeom>
+        </p:spPr>
+      </p:pic>
+      <p:pic>
+        <p:nvPicPr>
+          <p:cNvPr id="13" name="图形 12">
+            <a:extLst>
+              <a:ext uri="{FF2B5EF4-FFF2-40B4-BE49-F238E27FC236}">
+                <a16:creationId xmlns:a16="http://schemas.microsoft.com/office/drawing/2014/main" id="{AE72C8F9-A383-F0B3-2498-CEDA1281E7F1}"/>
+              </a:ext>
+            </a:extLst>
+          </p:cNvPr>
+          <p:cNvPicPr>
+            <a:picLocks noChangeAspect="1"/>
+          </p:cNvPicPr>
+          <p:nvPr/>
+        </p:nvPicPr>
+        <p:blipFill>
+          <a:blip r:embed="rId6">
+            <a:extLst>
+              <a:ext uri="{96DAC541-7B7A-43D3-8B79-37D633B846F1}">
+                <asvg:svgBlip xmlns:asvg="http://schemas.microsoft.com/office/drawing/2016/SVG/main" r:embed="rId7"/>
+              </a:ext>
+            </a:extLst>
+          </a:blip>
+          <a:stretch>
+            <a:fillRect/>
+          </a:stretch>
+        </p:blipFill>
+        <p:spPr>
+          <a:xfrm>
+            <a:off x="5084324" y="3814459"/>
+            <a:ext cx="4572000" cy="2781300"/>
+          </a:xfrm>
+          <a:prstGeom prst="rect">
+            <a:avLst/>
+          </a:prstGeom>
+        </p:spPr>
+      </p:pic>
+      <p:sp>
+        <p:nvSpPr>
+          <p:cNvPr id="14" name="标题 1">
+            <a:extLst>
+              <a:ext uri="{FF2B5EF4-FFF2-40B4-BE49-F238E27FC236}">
+                <a16:creationId xmlns:a16="http://schemas.microsoft.com/office/drawing/2014/main" id="{ECA4238D-A0CB-3183-931E-B8C46EA07EDD}"/>
+              </a:ext>
+            </a:extLst>
+          </p:cNvPr>
+          <p:cNvSpPr txBox="1">
+            <a:spLocks/>
+          </p:cNvSpPr>
+          <p:nvPr/>
+        </p:nvSpPr>
+        <p:spPr>
+          <a:xfrm>
+            <a:off x="6661015" y="997491"/>
+            <a:ext cx="2080098" cy="603115"/>
+          </a:xfrm>
+          <a:prstGeom prst="rect">
+            <a:avLst/>
+          </a:prstGeom>
+        </p:spPr>
+        <p:txBody>
+          <a:bodyPr vert="horz" lIns="91440" tIns="45720" rIns="91440" bIns="45720" rtlCol="0" anchor="ctr">
+            <a:normAutofit/>
+          </a:bodyPr>
+          <a:lstStyle>
+            <a:lvl1pPr algn="l" defTabSz="914400" rtl="0" eaLnBrk="1" latinLnBrk="0" hangingPunct="1">
+              <a:lnSpc>
+                <a:spcPct val="90000"/>
+              </a:lnSpc>
+              <a:spcBef>
+                <a:spcPct val="0"/>
+              </a:spcBef>
+              <a:buNone/>
+              <a:defRPr sz="4400" kern="1200">
+                <a:solidFill>
+                  <a:schemeClr val="tx1"/>
+                </a:solidFill>
+                <a:latin typeface="+mj-lt"/>
+                <a:ea typeface="+mj-ea"/>
+                <a:cs typeface="+mj-cs"/>
+              </a:defRPr>
+            </a:lvl1pPr>
+          </a:lstStyle>
+          <a:p>
+            <a:r>
+              <a:rPr lang="en-US" altLang="zh-CN" sz="3200" dirty="0"/>
+              <a:t>10 MeV</a:t>
+            </a:r>
+            <a:endParaRPr lang="zh-CN" altLang="en-US" sz="3200" dirty="0"/>
+          </a:p>
+        </p:txBody>
+      </p:sp>
+      <p:sp>
+        <p:nvSpPr>
+          <p:cNvPr id="15" name="标题 1">
+            <a:extLst>
+              <a:ext uri="{FF2B5EF4-FFF2-40B4-BE49-F238E27FC236}">
+                <a16:creationId xmlns:a16="http://schemas.microsoft.com/office/drawing/2014/main" id="{4BEC5120-33BE-E6B4-08E1-B197D1195477}"/>
+              </a:ext>
+            </a:extLst>
+          </p:cNvPr>
+          <p:cNvSpPr txBox="1">
+            <a:spLocks/>
+          </p:cNvSpPr>
+          <p:nvPr/>
+        </p:nvSpPr>
+        <p:spPr>
+          <a:xfrm>
+            <a:off x="6661015" y="4101830"/>
+            <a:ext cx="2080098" cy="603115"/>
+          </a:xfrm>
+          <a:prstGeom prst="rect">
+            <a:avLst/>
+          </a:prstGeom>
+        </p:spPr>
+        <p:txBody>
+          <a:bodyPr vert="horz" lIns="91440" tIns="45720" rIns="91440" bIns="45720" rtlCol="0" anchor="ctr">
+            <a:normAutofit/>
+          </a:bodyPr>
+          <a:lstStyle>
+            <a:lvl1pPr algn="l" defTabSz="914400" rtl="0" eaLnBrk="1" latinLnBrk="0" hangingPunct="1">
+              <a:lnSpc>
+                <a:spcPct val="90000"/>
+              </a:lnSpc>
+              <a:spcBef>
+                <a:spcPct val="0"/>
+              </a:spcBef>
+              <a:buNone/>
+              <a:defRPr sz="4400" kern="1200">
+                <a:solidFill>
+                  <a:schemeClr val="tx1"/>
+                </a:solidFill>
+                <a:latin typeface="+mj-lt"/>
+                <a:ea typeface="+mj-ea"/>
+                <a:cs typeface="+mj-cs"/>
+              </a:defRPr>
+            </a:lvl1pPr>
+          </a:lstStyle>
+          <a:p>
+            <a:r>
+              <a:rPr lang="en-US" altLang="zh-CN" sz="3200" dirty="0"/>
+              <a:t>1 MeV</a:t>
+            </a:r>
+            <a:endParaRPr lang="zh-CN" altLang="en-US" sz="3200" dirty="0"/>
+          </a:p>
+        </p:txBody>
+      </p:sp>
+      <p:sp>
+        <p:nvSpPr>
+          <p:cNvPr id="16" name="文本框 15">
+            <a:extLst>
+              <a:ext uri="{FF2B5EF4-FFF2-40B4-BE49-F238E27FC236}">
+                <a16:creationId xmlns:a16="http://schemas.microsoft.com/office/drawing/2014/main" id="{32AB1CF1-F714-F71D-227B-F69214844685}"/>
+              </a:ext>
+            </a:extLst>
+          </p:cNvPr>
+          <p:cNvSpPr txBox="1"/>
+          <p:nvPr/>
+        </p:nvSpPr>
+        <p:spPr>
+          <a:xfrm>
+            <a:off x="0" y="7094"/>
+            <a:ext cx="8579796" cy="369332"/>
+          </a:xfrm>
+          <a:prstGeom prst="rect">
+            <a:avLst/>
+          </a:prstGeom>
+          <a:noFill/>
+        </p:spPr>
+        <p:txBody>
+          <a:bodyPr wrap="square" rtlCol="0">
+            <a:spAutoFit/>
+          </a:bodyPr>
+          <a:lstStyle/>
+          <a:p>
+            <a:pPr algn="l"/>
+            <a:r>
+              <a:rPr lang="en-US" altLang="zh-CN" dirty="0">
+                <a:latin typeface="Times New Roman" panose="02020603050405020304" pitchFamily="18" charset="0"/>
+                <a:cs typeface="Times New Roman" panose="02020603050405020304" pitchFamily="18" charset="0"/>
+              </a:rPr>
+              <a:t>Minimum energy of shower particle</a:t>
+            </a:r>
+            <a:endParaRPr lang="zh-CN" altLang="en-US" dirty="0" err="1">
+              <a:latin typeface="Times New Roman" panose="02020603050405020304" pitchFamily="18" charset="0"/>
+              <a:cs typeface="Times New Roman" panose="02020603050405020304" pitchFamily="18" charset="0"/>
+            </a:endParaRPr>
+          </a:p>
+        </p:txBody>
+      </p:sp>
+      <p:sp>
+        <p:nvSpPr>
+          <p:cNvPr id="17" name="文本框 16">
+            <a:extLst>
+              <a:ext uri="{FF2B5EF4-FFF2-40B4-BE49-F238E27FC236}">
+                <a16:creationId xmlns:a16="http://schemas.microsoft.com/office/drawing/2014/main" id="{E4820564-CE73-ECE5-8242-9CA9ECCCA153}"/>
+              </a:ext>
+            </a:extLst>
+          </p:cNvPr>
+          <p:cNvSpPr txBox="1"/>
+          <p:nvPr/>
+        </p:nvSpPr>
+        <p:spPr>
+          <a:xfrm>
+            <a:off x="5321839" y="83091"/>
+            <a:ext cx="4572000" cy="369332"/>
+          </a:xfrm>
+          <a:prstGeom prst="rect">
+            <a:avLst/>
+          </a:prstGeom>
+          <a:noFill/>
+        </p:spPr>
+        <p:txBody>
+          <a:bodyPr wrap="square" rtlCol="0">
+            <a:spAutoFit/>
+          </a:bodyPr>
+          <a:lstStyle/>
+          <a:p>
+            <a:pPr algn="l"/>
+            <a:r>
+              <a:rPr lang="en-US" altLang="zh-CN" b="1" dirty="0">
+                <a:latin typeface="Times New Roman" panose="02020603050405020304" pitchFamily="18" charset="0"/>
+                <a:cs typeface="Times New Roman" panose="02020603050405020304" pitchFamily="18" charset="0"/>
+              </a:rPr>
+              <a:t>Forwarded electron’s energy distribution</a:t>
+            </a:r>
+            <a:endParaRPr lang="zh-CN" altLang="en-US" b="1" dirty="0" err="1">
+              <a:latin typeface="Times New Roman" panose="02020603050405020304" pitchFamily="18" charset="0"/>
+              <a:cs typeface="Times New Roman" panose="02020603050405020304" pitchFamily="18" charset="0"/>
+            </a:endParaRPr>
+          </a:p>
+        </p:txBody>
+      </p:sp>
+    </p:spTree>
+    <p:extLst>
+      <p:ext uri="{BB962C8B-B14F-4D97-AF65-F5344CB8AC3E}">
+        <p14:creationId xmlns:p14="http://schemas.microsoft.com/office/powerpoint/2010/main" val="4042547681"/>
+      </p:ext>
+    </p:extLst>
+  </p:cSld>
+  <p:clrMapOvr>
+    <a:masterClrMapping/>
+  </p:clrMapOvr>
+</p:sld>
+</file>
+
+<file path=ppt/slides/slide27.xml><?xml version="1.0" encoding="utf-8"?>
+<p:sld xmlns:a="http://schemas.openxmlformats.org/drawingml/2006/main" xmlns:r="http://schemas.openxmlformats.org/officeDocument/2006/relationships" xmlns:p="http://schemas.openxmlformats.org/presentationml/2006/main">
+  <p:cSld>
+    <p:spTree>
+      <p:nvGrpSpPr>
+        <p:cNvPr id="1" name=""/>
+        <p:cNvGrpSpPr/>
+        <p:nvPr/>
+      </p:nvGrpSpPr>
+      <p:grpSpPr>
+        <a:xfrm>
+          <a:off x="0" y="0"/>
+          <a:ext cx="0" cy="0"/>
+          <a:chOff x="0" y="0"/>
+          <a:chExt cx="0" cy="0"/>
+        </a:xfrm>
+      </p:grpSpPr>
+      <p:sp>
+        <p:nvSpPr>
+          <p:cNvPr id="2" name="标题 1">
+            <a:extLst>
+              <a:ext uri="{FF2B5EF4-FFF2-40B4-BE49-F238E27FC236}">
+                <a16:creationId xmlns:a16="http://schemas.microsoft.com/office/drawing/2014/main" id="{9EB1A1FE-5E2C-09F9-D73E-99CA39C149A9}"/>
+              </a:ext>
+            </a:extLst>
+          </p:cNvPr>
+          <p:cNvSpPr>
+            <a:spLocks noGrp="1"/>
+          </p:cNvSpPr>
+          <p:nvPr>
+            <p:ph type="title"/>
+          </p:nvPr>
+        </p:nvSpPr>
+        <p:spPr>
+          <a:xfrm>
+            <a:off x="1245951" y="924128"/>
+            <a:ext cx="2080098" cy="603115"/>
+          </a:xfrm>
+        </p:spPr>
+        <p:txBody>
+          <a:bodyPr>
+            <a:normAutofit/>
+          </a:bodyPr>
+          <a:lstStyle/>
+          <a:p>
+            <a:r>
+              <a:rPr lang="en-US" altLang="zh-CN" sz="3200" dirty="0"/>
+              <a:t>100 MeV</a:t>
+            </a:r>
+            <a:endParaRPr lang="zh-CN" altLang="en-US" sz="3200" dirty="0"/>
+          </a:p>
+        </p:txBody>
+      </p:sp>
+      <p:sp>
+        <p:nvSpPr>
+          <p:cNvPr id="14" name="标题 1">
+            <a:extLst>
+              <a:ext uri="{FF2B5EF4-FFF2-40B4-BE49-F238E27FC236}">
+                <a16:creationId xmlns:a16="http://schemas.microsoft.com/office/drawing/2014/main" id="{ECA4238D-A0CB-3183-931E-B8C46EA07EDD}"/>
+              </a:ext>
+            </a:extLst>
+          </p:cNvPr>
+          <p:cNvSpPr txBox="1">
+            <a:spLocks/>
+          </p:cNvSpPr>
+          <p:nvPr/>
+        </p:nvSpPr>
+        <p:spPr>
+          <a:xfrm>
+            <a:off x="6661015" y="997491"/>
+            <a:ext cx="2080098" cy="603115"/>
+          </a:xfrm>
+          <a:prstGeom prst="rect">
+            <a:avLst/>
+          </a:prstGeom>
+        </p:spPr>
+        <p:txBody>
+          <a:bodyPr vert="horz" lIns="91440" tIns="45720" rIns="91440" bIns="45720" rtlCol="0" anchor="ctr">
+            <a:normAutofit/>
+          </a:bodyPr>
+          <a:lstStyle>
+            <a:lvl1pPr algn="l" defTabSz="914400" rtl="0" eaLnBrk="1" latinLnBrk="0" hangingPunct="1">
+              <a:lnSpc>
+                <a:spcPct val="90000"/>
+              </a:lnSpc>
+              <a:spcBef>
+                <a:spcPct val="0"/>
+              </a:spcBef>
+              <a:buNone/>
+              <a:defRPr sz="4400" kern="1200">
+                <a:solidFill>
+                  <a:schemeClr val="tx1"/>
+                </a:solidFill>
+                <a:latin typeface="+mj-lt"/>
+                <a:ea typeface="+mj-ea"/>
+                <a:cs typeface="+mj-cs"/>
+              </a:defRPr>
+            </a:lvl1pPr>
+          </a:lstStyle>
+          <a:p>
+            <a:r>
+              <a:rPr lang="en-US" altLang="zh-CN" sz="3200" dirty="0"/>
+              <a:t>10 MeV</a:t>
+            </a:r>
+            <a:endParaRPr lang="zh-CN" altLang="en-US" sz="3200" dirty="0"/>
+          </a:p>
+        </p:txBody>
+      </p:sp>
+      <p:sp>
+        <p:nvSpPr>
+          <p:cNvPr id="15" name="标题 1">
+            <a:extLst>
+              <a:ext uri="{FF2B5EF4-FFF2-40B4-BE49-F238E27FC236}">
+                <a16:creationId xmlns:a16="http://schemas.microsoft.com/office/drawing/2014/main" id="{4BEC5120-33BE-E6B4-08E1-B197D1195477}"/>
+              </a:ext>
+            </a:extLst>
+          </p:cNvPr>
+          <p:cNvSpPr txBox="1">
+            <a:spLocks/>
+          </p:cNvSpPr>
+          <p:nvPr/>
+        </p:nvSpPr>
+        <p:spPr>
+          <a:xfrm>
+            <a:off x="6661015" y="4101830"/>
+            <a:ext cx="2080098" cy="603115"/>
+          </a:xfrm>
+          <a:prstGeom prst="rect">
+            <a:avLst/>
+          </a:prstGeom>
+        </p:spPr>
+        <p:txBody>
+          <a:bodyPr vert="horz" lIns="91440" tIns="45720" rIns="91440" bIns="45720" rtlCol="0" anchor="ctr">
+            <a:normAutofit/>
+          </a:bodyPr>
+          <a:lstStyle>
+            <a:lvl1pPr algn="l" defTabSz="914400" rtl="0" eaLnBrk="1" latinLnBrk="0" hangingPunct="1">
+              <a:lnSpc>
+                <a:spcPct val="90000"/>
+              </a:lnSpc>
+              <a:spcBef>
+                <a:spcPct val="0"/>
+              </a:spcBef>
+              <a:buNone/>
+              <a:defRPr sz="4400" kern="1200">
+                <a:solidFill>
+                  <a:schemeClr val="tx1"/>
+                </a:solidFill>
+                <a:latin typeface="+mj-lt"/>
+                <a:ea typeface="+mj-ea"/>
+                <a:cs typeface="+mj-cs"/>
+              </a:defRPr>
+            </a:lvl1pPr>
+          </a:lstStyle>
+          <a:p>
+            <a:r>
+              <a:rPr lang="en-US" altLang="zh-CN" sz="3200" dirty="0"/>
+              <a:t>1 MeV</a:t>
+            </a:r>
+            <a:endParaRPr lang="zh-CN" altLang="en-US" sz="3200" dirty="0"/>
+          </a:p>
+        </p:txBody>
+      </p:sp>
+      <p:sp>
+        <p:nvSpPr>
+          <p:cNvPr id="16" name="文本框 15">
+            <a:extLst>
+              <a:ext uri="{FF2B5EF4-FFF2-40B4-BE49-F238E27FC236}">
+                <a16:creationId xmlns:a16="http://schemas.microsoft.com/office/drawing/2014/main" id="{32AB1CF1-F714-F71D-227B-F69214844685}"/>
+              </a:ext>
+            </a:extLst>
+          </p:cNvPr>
+          <p:cNvSpPr txBox="1"/>
+          <p:nvPr/>
+        </p:nvSpPr>
+        <p:spPr>
+          <a:xfrm>
+            <a:off x="0" y="7094"/>
+            <a:ext cx="8579796" cy="369332"/>
+          </a:xfrm>
+          <a:prstGeom prst="rect">
+            <a:avLst/>
+          </a:prstGeom>
+          <a:noFill/>
+        </p:spPr>
+        <p:txBody>
+          <a:bodyPr wrap="square" rtlCol="0">
+            <a:spAutoFit/>
+          </a:bodyPr>
+          <a:lstStyle/>
+          <a:p>
+            <a:pPr algn="l"/>
+            <a:r>
+              <a:rPr lang="en-US" altLang="zh-CN" dirty="0">
+                <a:latin typeface="Times New Roman" panose="02020603050405020304" pitchFamily="18" charset="0"/>
+                <a:cs typeface="Times New Roman" panose="02020603050405020304" pitchFamily="18" charset="0"/>
+              </a:rPr>
+              <a:t>Minimum energy of shower particle</a:t>
+            </a:r>
+            <a:endParaRPr lang="zh-CN" altLang="en-US" dirty="0" err="1">
+              <a:latin typeface="Times New Roman" panose="02020603050405020304" pitchFamily="18" charset="0"/>
+              <a:cs typeface="Times New Roman" panose="02020603050405020304" pitchFamily="18" charset="0"/>
+            </a:endParaRPr>
+          </a:p>
+        </p:txBody>
+      </p:sp>
+      <p:pic>
+        <p:nvPicPr>
+          <p:cNvPr id="4" name="图形 3">
+            <a:extLst>
+              <a:ext uri="{FF2B5EF4-FFF2-40B4-BE49-F238E27FC236}">
+                <a16:creationId xmlns:a16="http://schemas.microsoft.com/office/drawing/2014/main" id="{BF523369-BF51-F499-0476-DFAAA7536834}"/>
+              </a:ext>
+            </a:extLst>
+          </p:cNvPr>
+          <p:cNvPicPr>
+            <a:picLocks noChangeAspect="1"/>
+          </p:cNvPicPr>
+          <p:nvPr/>
+        </p:nvPicPr>
+        <p:blipFill>
+          <a:blip r:embed="rId2">
+            <a:extLst>
+              <a:ext uri="{96DAC541-7B7A-43D3-8B79-37D633B846F1}">
+                <asvg:svgBlip xmlns:asvg="http://schemas.microsoft.com/office/drawing/2016/SVG/main" r:embed="rId3"/>
+              </a:ext>
+            </a:extLst>
+          </a:blip>
+          <a:stretch>
+            <a:fillRect/>
+          </a:stretch>
+        </p:blipFill>
+        <p:spPr>
+          <a:xfrm>
+            <a:off x="152400" y="924128"/>
+            <a:ext cx="4572000" cy="2857500"/>
+          </a:xfrm>
+          <a:prstGeom prst="rect">
+            <a:avLst/>
+          </a:prstGeom>
+        </p:spPr>
+      </p:pic>
+      <p:pic>
+        <p:nvPicPr>
+          <p:cNvPr id="6" name="图形 5">
+            <a:extLst>
+              <a:ext uri="{FF2B5EF4-FFF2-40B4-BE49-F238E27FC236}">
+                <a16:creationId xmlns:a16="http://schemas.microsoft.com/office/drawing/2014/main" id="{E95D8161-E218-847E-82DC-4A51D4F42F09}"/>
+              </a:ext>
+            </a:extLst>
+          </p:cNvPr>
+          <p:cNvPicPr>
+            <a:picLocks noChangeAspect="1"/>
+          </p:cNvPicPr>
+          <p:nvPr/>
+        </p:nvPicPr>
+        <p:blipFill>
+          <a:blip r:embed="rId4">
+            <a:extLst>
+              <a:ext uri="{96DAC541-7B7A-43D3-8B79-37D633B846F1}">
+                <asvg:svgBlip xmlns:asvg="http://schemas.microsoft.com/office/drawing/2016/SVG/main" r:embed="rId5"/>
+              </a:ext>
+            </a:extLst>
+          </a:blip>
+          <a:stretch>
+            <a:fillRect/>
+          </a:stretch>
+        </p:blipFill>
+        <p:spPr>
+          <a:xfrm>
+            <a:off x="5181602" y="924128"/>
+            <a:ext cx="4572000" cy="2857500"/>
+          </a:xfrm>
+          <a:prstGeom prst="rect">
+            <a:avLst/>
+          </a:prstGeom>
+        </p:spPr>
+      </p:pic>
+      <p:pic>
+        <p:nvPicPr>
+          <p:cNvPr id="8" name="图形 7">
+            <a:extLst>
+              <a:ext uri="{FF2B5EF4-FFF2-40B4-BE49-F238E27FC236}">
+                <a16:creationId xmlns:a16="http://schemas.microsoft.com/office/drawing/2014/main" id="{46AEF38F-F0A5-0A7B-D53F-3DDEBDCDCF15}"/>
+              </a:ext>
+            </a:extLst>
+          </p:cNvPr>
+          <p:cNvPicPr>
+            <a:picLocks noChangeAspect="1"/>
+          </p:cNvPicPr>
+          <p:nvPr/>
+        </p:nvPicPr>
+        <p:blipFill>
+          <a:blip r:embed="rId6">
+            <a:extLst>
+              <a:ext uri="{96DAC541-7B7A-43D3-8B79-37D633B846F1}">
+                <asvg:svgBlip xmlns:asvg="http://schemas.microsoft.com/office/drawing/2016/SVG/main" r:embed="rId7"/>
+              </a:ext>
+            </a:extLst>
+          </a:blip>
+          <a:stretch>
+            <a:fillRect/>
+          </a:stretch>
+        </p:blipFill>
+        <p:spPr>
+          <a:xfrm>
+            <a:off x="5181602" y="3993406"/>
+            <a:ext cx="4572000" cy="2857500"/>
+          </a:xfrm>
+          <a:prstGeom prst="rect">
+            <a:avLst/>
+          </a:prstGeom>
+        </p:spPr>
+      </p:pic>
+      <p:sp>
+        <p:nvSpPr>
+          <p:cNvPr id="10" name="文本框 9">
+            <a:extLst>
+              <a:ext uri="{FF2B5EF4-FFF2-40B4-BE49-F238E27FC236}">
+                <a16:creationId xmlns:a16="http://schemas.microsoft.com/office/drawing/2014/main" id="{2A84E7C8-9691-B83B-F062-AB2EBB08C7EF}"/>
+              </a:ext>
+            </a:extLst>
+          </p:cNvPr>
+          <p:cNvSpPr txBox="1"/>
+          <p:nvPr/>
+        </p:nvSpPr>
+        <p:spPr>
+          <a:xfrm>
+            <a:off x="5321839" y="83091"/>
+            <a:ext cx="4572000" cy="369332"/>
+          </a:xfrm>
+          <a:prstGeom prst="rect">
+            <a:avLst/>
+          </a:prstGeom>
+          <a:noFill/>
+        </p:spPr>
+        <p:txBody>
+          <a:bodyPr wrap="square" rtlCol="0">
+            <a:spAutoFit/>
+          </a:bodyPr>
+          <a:lstStyle/>
+          <a:p>
+            <a:pPr algn="l"/>
+            <a:r>
+              <a:rPr lang="en-US" altLang="zh-CN" b="1" dirty="0">
+                <a:latin typeface="Times New Roman" panose="02020603050405020304" pitchFamily="18" charset="0"/>
+                <a:cs typeface="Times New Roman" panose="02020603050405020304" pitchFamily="18" charset="0"/>
+              </a:rPr>
+              <a:t>Forwarded electron’s energy distribution</a:t>
+            </a:r>
+            <a:endParaRPr lang="zh-CN" altLang="en-US" b="1" dirty="0" err="1">
+              <a:latin typeface="Times New Roman" panose="02020603050405020304" pitchFamily="18" charset="0"/>
+              <a:cs typeface="Times New Roman" panose="02020603050405020304" pitchFamily="18" charset="0"/>
+            </a:endParaRPr>
+          </a:p>
+        </p:txBody>
+      </p:sp>
+    </p:spTree>
+    <p:extLst>
+      <p:ext uri="{BB962C8B-B14F-4D97-AF65-F5344CB8AC3E}">
+        <p14:creationId xmlns:p14="http://schemas.microsoft.com/office/powerpoint/2010/main" val="1184765843"/>
+      </p:ext>
+    </p:extLst>
+  </p:cSld>
+  <p:clrMapOvr>
+    <a:masterClrMapping/>
+  </p:clrMapOvr>
+</p:sld>
+</file>
+
+<file path=ppt/slides/slide28.xml><?xml version="1.0" encoding="utf-8"?>
+<p:sld xmlns:a="http://schemas.openxmlformats.org/drawingml/2006/main" xmlns:r="http://schemas.openxmlformats.org/officeDocument/2006/relationships" xmlns:p="http://schemas.openxmlformats.org/presentationml/2006/main">
+  <p:cSld>
+    <p:spTree>
+      <p:nvGrpSpPr>
+        <p:cNvPr id="1" name=""/>
+        <p:cNvGrpSpPr/>
+        <p:nvPr/>
+      </p:nvGrpSpPr>
+      <p:grpSpPr>
+        <a:xfrm>
+          <a:off x="0" y="0"/>
+          <a:ext cx="0" cy="0"/>
+          <a:chOff x="0" y="0"/>
+          <a:chExt cx="0" cy="0"/>
+        </a:xfrm>
+      </p:grpSpPr>
+      <p:sp>
+        <p:nvSpPr>
+          <p:cNvPr id="2" name="标题 1">
+            <a:extLst>
+              <a:ext uri="{FF2B5EF4-FFF2-40B4-BE49-F238E27FC236}">
+                <a16:creationId xmlns:a16="http://schemas.microsoft.com/office/drawing/2014/main" id="{6A362576-DCE5-0AA7-8536-6463147FA5B5}"/>
+              </a:ext>
+            </a:extLst>
+          </p:cNvPr>
+          <p:cNvSpPr>
+            <a:spLocks noGrp="1"/>
+          </p:cNvSpPr>
+          <p:nvPr>
+            <p:ph type="title"/>
+          </p:nvPr>
+        </p:nvSpPr>
+        <p:spPr>
+          <a:xfrm>
+            <a:off x="750651" y="26077"/>
+            <a:ext cx="10515600" cy="906696"/>
+          </a:xfrm>
+        </p:spPr>
+        <p:txBody>
+          <a:bodyPr/>
+          <a:lstStyle/>
+          <a:p>
+            <a:r>
+              <a:rPr lang="en-US" altLang="zh-CN" dirty="0"/>
+              <a:t>Conditional probability</a:t>
+            </a:r>
+            <a:endParaRPr lang="zh-CN" altLang="en-US" dirty="0"/>
+          </a:p>
+        </p:txBody>
+      </p:sp>
+      <p:sp>
+        <p:nvSpPr>
+          <p:cNvPr id="3" name="内容占位符 2">
+            <a:extLst>
+              <a:ext uri="{FF2B5EF4-FFF2-40B4-BE49-F238E27FC236}">
+                <a16:creationId xmlns:a16="http://schemas.microsoft.com/office/drawing/2014/main" id="{C1FA42B8-9A1D-070C-C95C-D36233D4F646}"/>
+              </a:ext>
+            </a:extLst>
+          </p:cNvPr>
+          <p:cNvSpPr>
+            <a:spLocks noGrp="1"/>
+          </p:cNvSpPr>
+          <p:nvPr>
+            <p:ph idx="1"/>
+          </p:nvPr>
+        </p:nvSpPr>
+        <p:spPr>
+          <a:xfrm>
+            <a:off x="750651" y="5030963"/>
+            <a:ext cx="10515600" cy="1163058"/>
+          </a:xfrm>
+        </p:spPr>
+        <p:txBody>
+          <a:bodyPr/>
+          <a:lstStyle/>
+          <a:p>
+            <a:r>
+              <a:rPr lang="en-US" altLang="zh-CN" dirty="0"/>
+              <a:t>Ignore conditional probability</a:t>
+            </a:r>
+          </a:p>
+          <a:p>
+            <a:pPr lvl="1"/>
+            <a:r>
+              <a:rPr lang="en-US" altLang="zh-CN" dirty="0"/>
+              <a:t>cross sections can be just added</a:t>
+            </a:r>
+            <a:endParaRPr lang="zh-CN" altLang="en-US" dirty="0"/>
+          </a:p>
+        </p:txBody>
+      </p:sp>
+      <p:cxnSp>
+        <p:nvCxnSpPr>
+          <p:cNvPr id="5" name="直接连接符 4">
+            <a:extLst>
+              <a:ext uri="{FF2B5EF4-FFF2-40B4-BE49-F238E27FC236}">
+                <a16:creationId xmlns:a16="http://schemas.microsoft.com/office/drawing/2014/main" id="{9F796CD3-5B53-1788-6E98-C879DBCF0728}"/>
+              </a:ext>
+            </a:extLst>
+          </p:cNvPr>
+          <p:cNvCxnSpPr/>
+          <p:nvPr/>
+        </p:nvCxnSpPr>
+        <p:spPr>
+          <a:xfrm>
+            <a:off x="466928" y="3287949"/>
+            <a:ext cx="894944" cy="0"/>
+          </a:xfrm>
+          <a:prstGeom prst="line">
+            <a:avLst/>
+          </a:prstGeom>
+        </p:spPr>
+        <p:style>
+          <a:lnRef idx="2">
+            <a:schemeClr val="accent1"/>
+          </a:lnRef>
+          <a:fillRef idx="0">
+            <a:schemeClr val="accent1"/>
+          </a:fillRef>
+          <a:effectRef idx="1">
+            <a:schemeClr val="accent1"/>
+          </a:effectRef>
+          <a:fontRef idx="minor">
+            <a:schemeClr val="tx1"/>
+          </a:fontRef>
+        </p:style>
+      </p:cxnSp>
+      <p:cxnSp>
+        <p:nvCxnSpPr>
+          <p:cNvPr id="7" name="直接连接符 6">
+            <a:extLst>
+              <a:ext uri="{FF2B5EF4-FFF2-40B4-BE49-F238E27FC236}">
+                <a16:creationId xmlns:a16="http://schemas.microsoft.com/office/drawing/2014/main" id="{4188BEBC-2F9C-E6A3-B7EA-8EE34C66EC4B}"/>
+              </a:ext>
+            </a:extLst>
+          </p:cNvPr>
+          <p:cNvCxnSpPr/>
+          <p:nvPr/>
+        </p:nvCxnSpPr>
+        <p:spPr>
+          <a:xfrm flipV="1">
+            <a:off x="1361872" y="2801566"/>
+            <a:ext cx="710119" cy="486383"/>
+          </a:xfrm>
+          <a:prstGeom prst="line">
+            <a:avLst/>
+          </a:prstGeom>
+        </p:spPr>
+        <p:style>
+          <a:lnRef idx="2">
+            <a:schemeClr val="accent1"/>
+          </a:lnRef>
+          <a:fillRef idx="0">
+            <a:schemeClr val="accent1"/>
+          </a:fillRef>
+          <a:effectRef idx="1">
+            <a:schemeClr val="accent1"/>
+          </a:effectRef>
+          <a:fontRef idx="minor">
+            <a:schemeClr val="tx1"/>
+          </a:fontRef>
+        </p:style>
+      </p:cxnSp>
+      <p:cxnSp>
+        <p:nvCxnSpPr>
+          <p:cNvPr id="9" name="连接符: 曲线 8">
+            <a:extLst>
+              <a:ext uri="{FF2B5EF4-FFF2-40B4-BE49-F238E27FC236}">
+                <a16:creationId xmlns:a16="http://schemas.microsoft.com/office/drawing/2014/main" id="{BC7D2494-257E-4D92-854E-FEFDEB4CD530}"/>
+              </a:ext>
+            </a:extLst>
+          </p:cNvPr>
+          <p:cNvCxnSpPr/>
+          <p:nvPr/>
+        </p:nvCxnSpPr>
+        <p:spPr>
+          <a:xfrm>
+            <a:off x="1361872" y="3287949"/>
+            <a:ext cx="311285" cy="282102"/>
+          </a:xfrm>
+          <a:prstGeom prst="curvedConnector3">
+            <a:avLst/>
+          </a:prstGeom>
+        </p:spPr>
+        <p:style>
+          <a:lnRef idx="2">
+            <a:schemeClr val="accent1"/>
+          </a:lnRef>
+          <a:fillRef idx="0">
+            <a:schemeClr val="accent1"/>
+          </a:fillRef>
+          <a:effectRef idx="1">
+            <a:schemeClr val="accent1"/>
+          </a:effectRef>
+          <a:fontRef idx="minor">
+            <a:schemeClr val="tx1"/>
+          </a:fontRef>
+        </p:style>
+      </p:cxnSp>
+      <p:cxnSp>
+        <p:nvCxnSpPr>
+          <p:cNvPr id="10" name="连接符: 曲线 9">
+            <a:extLst>
+              <a:ext uri="{FF2B5EF4-FFF2-40B4-BE49-F238E27FC236}">
+                <a16:creationId xmlns:a16="http://schemas.microsoft.com/office/drawing/2014/main" id="{96603DCD-53EC-CCA6-2A9C-D5990C3C7B46}"/>
+              </a:ext>
+            </a:extLst>
+          </p:cNvPr>
+          <p:cNvCxnSpPr/>
+          <p:nvPr/>
+        </p:nvCxnSpPr>
+        <p:spPr>
+          <a:xfrm>
+            <a:off x="1663429" y="3573665"/>
+            <a:ext cx="311285" cy="282102"/>
+          </a:xfrm>
+          <a:prstGeom prst="curvedConnector3">
+            <a:avLst/>
+          </a:prstGeom>
+        </p:spPr>
+        <p:style>
+          <a:lnRef idx="2">
+            <a:schemeClr val="accent1"/>
+          </a:lnRef>
+          <a:fillRef idx="0">
+            <a:schemeClr val="accent1"/>
+          </a:fillRef>
+          <a:effectRef idx="1">
+            <a:schemeClr val="accent1"/>
+          </a:effectRef>
+          <a:fontRef idx="minor">
+            <a:schemeClr val="tx1"/>
+          </a:fontRef>
+        </p:style>
+      </p:cxnSp>
+      <p:cxnSp>
+        <p:nvCxnSpPr>
+          <p:cNvPr id="11" name="直接连接符 10">
+            <a:extLst>
+              <a:ext uri="{FF2B5EF4-FFF2-40B4-BE49-F238E27FC236}">
+                <a16:creationId xmlns:a16="http://schemas.microsoft.com/office/drawing/2014/main" id="{3279FC33-B91C-FB90-E3AE-0FC3867F8E34}"/>
+              </a:ext>
+            </a:extLst>
+          </p:cNvPr>
+          <p:cNvCxnSpPr>
+            <a:cxnSpLocks/>
+          </p:cNvCxnSpPr>
+          <p:nvPr/>
+        </p:nvCxnSpPr>
+        <p:spPr>
+          <a:xfrm flipV="1">
+            <a:off x="2071991" y="2459173"/>
+            <a:ext cx="749030" cy="342392"/>
+          </a:xfrm>
+          <a:prstGeom prst="line">
+            <a:avLst/>
+          </a:prstGeom>
+        </p:spPr>
+        <p:style>
+          <a:lnRef idx="2">
+            <a:schemeClr val="accent1"/>
+          </a:lnRef>
+          <a:fillRef idx="0">
+            <a:schemeClr val="accent1"/>
+          </a:fillRef>
+          <a:effectRef idx="1">
+            <a:schemeClr val="accent1"/>
+          </a:effectRef>
+          <a:fontRef idx="minor">
+            <a:schemeClr val="tx1"/>
+          </a:fontRef>
+        </p:style>
+      </p:cxnSp>
+      <p:cxnSp>
+        <p:nvCxnSpPr>
+          <p:cNvPr id="12" name="连接符: 曲线 11">
+            <a:extLst>
+              <a:ext uri="{FF2B5EF4-FFF2-40B4-BE49-F238E27FC236}">
+                <a16:creationId xmlns:a16="http://schemas.microsoft.com/office/drawing/2014/main" id="{69E9A589-FA8E-9CB2-0D31-41A4E9BE4630}"/>
+              </a:ext>
+            </a:extLst>
+          </p:cNvPr>
+          <p:cNvCxnSpPr>
+            <a:cxnSpLocks/>
+          </p:cNvCxnSpPr>
+          <p:nvPr/>
+        </p:nvCxnSpPr>
+        <p:spPr>
+          <a:xfrm>
+            <a:off x="2071991" y="2801565"/>
+            <a:ext cx="311285" cy="282102"/>
+          </a:xfrm>
+          <a:prstGeom prst="curvedConnector3">
+            <a:avLst/>
+          </a:prstGeom>
+        </p:spPr>
+        <p:style>
+          <a:lnRef idx="2">
+            <a:schemeClr val="accent1"/>
+          </a:lnRef>
+          <a:fillRef idx="0">
+            <a:schemeClr val="accent1"/>
+          </a:fillRef>
+          <a:effectRef idx="1">
+            <a:schemeClr val="accent1"/>
+          </a:effectRef>
+          <a:fontRef idx="minor">
+            <a:schemeClr val="tx1"/>
+          </a:fontRef>
+        </p:style>
+      </p:cxnSp>
+      <p:cxnSp>
+        <p:nvCxnSpPr>
+          <p:cNvPr id="13" name="连接符: 曲线 12">
+            <a:extLst>
+              <a:ext uri="{FF2B5EF4-FFF2-40B4-BE49-F238E27FC236}">
+                <a16:creationId xmlns:a16="http://schemas.microsoft.com/office/drawing/2014/main" id="{E89328D9-1FB7-6405-5BCC-D3D90177EF56}"/>
+              </a:ext>
+            </a:extLst>
+          </p:cNvPr>
+          <p:cNvCxnSpPr>
+            <a:cxnSpLocks/>
+          </p:cNvCxnSpPr>
+          <p:nvPr/>
+        </p:nvCxnSpPr>
+        <p:spPr>
+          <a:xfrm>
+            <a:off x="2373548" y="3087281"/>
+            <a:ext cx="311285" cy="282102"/>
+          </a:xfrm>
+          <a:prstGeom prst="curvedConnector3">
+            <a:avLst/>
+          </a:prstGeom>
+        </p:spPr>
+        <p:style>
+          <a:lnRef idx="2">
+            <a:schemeClr val="accent1"/>
+          </a:lnRef>
+          <a:fillRef idx="0">
+            <a:schemeClr val="accent1"/>
+          </a:fillRef>
+          <a:effectRef idx="1">
+            <a:schemeClr val="accent1"/>
+          </a:effectRef>
+          <a:fontRef idx="minor">
+            <a:schemeClr val="tx1"/>
+          </a:fontRef>
+        </p:style>
+      </p:cxnSp>
+      <p:cxnSp>
+        <p:nvCxnSpPr>
+          <p:cNvPr id="17" name="直接连接符 16">
+            <a:extLst>
+              <a:ext uri="{FF2B5EF4-FFF2-40B4-BE49-F238E27FC236}">
+                <a16:creationId xmlns:a16="http://schemas.microsoft.com/office/drawing/2014/main" id="{581CEF11-6D59-5164-9E57-89F1F8F216C8}"/>
+              </a:ext>
+            </a:extLst>
+          </p:cNvPr>
+          <p:cNvCxnSpPr/>
+          <p:nvPr/>
+        </p:nvCxnSpPr>
+        <p:spPr>
+          <a:xfrm flipV="1">
+            <a:off x="2830748" y="1962217"/>
+            <a:ext cx="710119" cy="486383"/>
+          </a:xfrm>
+          <a:prstGeom prst="line">
+            <a:avLst/>
+          </a:prstGeom>
+        </p:spPr>
+        <p:style>
+          <a:lnRef idx="2">
+            <a:schemeClr val="accent1"/>
+          </a:lnRef>
+          <a:fillRef idx="0">
+            <a:schemeClr val="accent1"/>
+          </a:fillRef>
+          <a:effectRef idx="1">
+            <a:schemeClr val="accent1"/>
+          </a:effectRef>
+          <a:fontRef idx="minor">
+            <a:schemeClr val="tx1"/>
+          </a:fontRef>
+        </p:style>
+      </p:cxnSp>
+      <p:cxnSp>
+        <p:nvCxnSpPr>
+          <p:cNvPr id="18" name="连接符: 曲线 17">
+            <a:extLst>
+              <a:ext uri="{FF2B5EF4-FFF2-40B4-BE49-F238E27FC236}">
+                <a16:creationId xmlns:a16="http://schemas.microsoft.com/office/drawing/2014/main" id="{3633ADE9-16B1-086B-2BC6-BD24B7CEB833}"/>
+              </a:ext>
+            </a:extLst>
+          </p:cNvPr>
+          <p:cNvCxnSpPr/>
+          <p:nvPr/>
+        </p:nvCxnSpPr>
+        <p:spPr>
+          <a:xfrm>
+            <a:off x="2830748" y="2448600"/>
+            <a:ext cx="311285" cy="282102"/>
+          </a:xfrm>
+          <a:prstGeom prst="curvedConnector3">
+            <a:avLst/>
+          </a:prstGeom>
+        </p:spPr>
+        <p:style>
+          <a:lnRef idx="2">
+            <a:schemeClr val="accent1"/>
+          </a:lnRef>
+          <a:fillRef idx="0">
+            <a:schemeClr val="accent1"/>
+          </a:fillRef>
+          <a:effectRef idx="1">
+            <a:schemeClr val="accent1"/>
+          </a:effectRef>
+          <a:fontRef idx="minor">
+            <a:schemeClr val="tx1"/>
+          </a:fontRef>
+        </p:style>
+      </p:cxnSp>
+      <p:cxnSp>
+        <p:nvCxnSpPr>
+          <p:cNvPr id="19" name="连接符: 曲线 18">
+            <a:extLst>
+              <a:ext uri="{FF2B5EF4-FFF2-40B4-BE49-F238E27FC236}">
+                <a16:creationId xmlns:a16="http://schemas.microsoft.com/office/drawing/2014/main" id="{81D0C89E-011B-1A9B-498D-9B91289E9C2B}"/>
+              </a:ext>
+            </a:extLst>
+          </p:cNvPr>
+          <p:cNvCxnSpPr/>
+          <p:nvPr/>
+        </p:nvCxnSpPr>
+        <p:spPr>
+          <a:xfrm>
+            <a:off x="3132305" y="2734316"/>
+            <a:ext cx="311285" cy="282102"/>
+          </a:xfrm>
+          <a:prstGeom prst="curvedConnector3">
+            <a:avLst/>
+          </a:prstGeom>
+        </p:spPr>
+        <p:style>
+          <a:lnRef idx="2">
+            <a:schemeClr val="accent1"/>
+          </a:lnRef>
+          <a:fillRef idx="0">
+            <a:schemeClr val="accent1"/>
+          </a:fillRef>
+          <a:effectRef idx="1">
+            <a:schemeClr val="accent1"/>
+          </a:effectRef>
+          <a:fontRef idx="minor">
+            <a:schemeClr val="tx1"/>
+          </a:fontRef>
+        </p:style>
+      </p:cxnSp>
+      <p:cxnSp>
+        <p:nvCxnSpPr>
+          <p:cNvPr id="21" name="直接箭头连接符 20">
+            <a:extLst>
+              <a:ext uri="{FF2B5EF4-FFF2-40B4-BE49-F238E27FC236}">
+                <a16:creationId xmlns:a16="http://schemas.microsoft.com/office/drawing/2014/main" id="{FA4613C9-A15E-798C-0B7A-25CE90661EC8}"/>
+              </a:ext>
+            </a:extLst>
+          </p:cNvPr>
+          <p:cNvCxnSpPr>
+            <a:cxnSpLocks/>
+          </p:cNvCxnSpPr>
+          <p:nvPr/>
+        </p:nvCxnSpPr>
+        <p:spPr>
+          <a:xfrm>
+            <a:off x="972766" y="1851303"/>
+            <a:ext cx="0" cy="1358825"/>
+          </a:xfrm>
+          <a:prstGeom prst="straightConnector1">
+            <a:avLst/>
+          </a:prstGeom>
+          <a:ln>
+            <a:tailEnd type="triangle"/>
+          </a:ln>
+        </p:spPr>
+        <p:style>
+          <a:lnRef idx="2">
+            <a:schemeClr val="accent1"/>
+          </a:lnRef>
+          <a:fillRef idx="0">
+            <a:schemeClr val="accent1"/>
+          </a:fillRef>
+          <a:effectRef idx="1">
+            <a:schemeClr val="accent1"/>
+          </a:effectRef>
+          <a:fontRef idx="minor">
+            <a:schemeClr val="tx1"/>
+          </a:fontRef>
+        </p:style>
+      </p:cxnSp>
+      <p:cxnSp>
+        <p:nvCxnSpPr>
+          <p:cNvPr id="23" name="直接箭头连接符 22">
+            <a:extLst>
+              <a:ext uri="{FF2B5EF4-FFF2-40B4-BE49-F238E27FC236}">
+                <a16:creationId xmlns:a16="http://schemas.microsoft.com/office/drawing/2014/main" id="{963270D0-EFB9-047F-B731-2CAF9B67FB67}"/>
+              </a:ext>
+            </a:extLst>
+          </p:cNvPr>
+          <p:cNvCxnSpPr>
+            <a:cxnSpLocks/>
+          </p:cNvCxnSpPr>
+          <p:nvPr/>
+        </p:nvCxnSpPr>
+        <p:spPr>
+          <a:xfrm>
+            <a:off x="1585609" y="1851303"/>
+            <a:ext cx="87548" cy="1076722"/>
+          </a:xfrm>
+          <a:prstGeom prst="straightConnector1">
+            <a:avLst/>
+          </a:prstGeom>
+          <a:ln>
+            <a:tailEnd type="triangle"/>
+          </a:ln>
+        </p:spPr>
+        <p:style>
+          <a:lnRef idx="2">
+            <a:schemeClr val="accent1"/>
+          </a:lnRef>
+          <a:fillRef idx="0">
+            <a:schemeClr val="accent1"/>
+          </a:fillRef>
+          <a:effectRef idx="1">
+            <a:schemeClr val="accent1"/>
+          </a:effectRef>
+          <a:fontRef idx="minor">
+            <a:schemeClr val="tx1"/>
+          </a:fontRef>
+        </p:style>
+      </p:cxnSp>
+      <p:cxnSp>
+        <p:nvCxnSpPr>
+          <p:cNvPr id="24" name="直接箭头连接符 23">
+            <a:extLst>
+              <a:ext uri="{FF2B5EF4-FFF2-40B4-BE49-F238E27FC236}">
+                <a16:creationId xmlns:a16="http://schemas.microsoft.com/office/drawing/2014/main" id="{D60123AC-D4C4-51F8-56F1-A42A80B67809}"/>
+              </a:ext>
+            </a:extLst>
+          </p:cNvPr>
+          <p:cNvCxnSpPr>
+            <a:cxnSpLocks/>
+          </p:cNvCxnSpPr>
+          <p:nvPr/>
+        </p:nvCxnSpPr>
+        <p:spPr>
+          <a:xfrm>
+            <a:off x="2130358" y="1796125"/>
+            <a:ext cx="252918" cy="730297"/>
+          </a:xfrm>
+          <a:prstGeom prst="straightConnector1">
+            <a:avLst/>
+          </a:prstGeom>
+          <a:ln>
+            <a:tailEnd type="triangle"/>
+          </a:ln>
+        </p:spPr>
+        <p:style>
+          <a:lnRef idx="2">
+            <a:schemeClr val="accent1"/>
+          </a:lnRef>
+          <a:fillRef idx="0">
+            <a:schemeClr val="accent1"/>
+          </a:fillRef>
+          <a:effectRef idx="1">
+            <a:schemeClr val="accent1"/>
+          </a:effectRef>
+          <a:fontRef idx="minor">
+            <a:schemeClr val="tx1"/>
+          </a:fontRef>
+        </p:style>
+      </p:cxnSp>
+      <p:cxnSp>
+        <p:nvCxnSpPr>
+          <p:cNvPr id="25" name="直接箭头连接符 24">
+            <a:extLst>
+              <a:ext uri="{FF2B5EF4-FFF2-40B4-BE49-F238E27FC236}">
+                <a16:creationId xmlns:a16="http://schemas.microsoft.com/office/drawing/2014/main" id="{1D09A47F-7DE6-06C4-B45C-C6947C3ED73E}"/>
+              </a:ext>
+            </a:extLst>
+          </p:cNvPr>
+          <p:cNvCxnSpPr>
+            <a:cxnSpLocks/>
+          </p:cNvCxnSpPr>
+          <p:nvPr/>
+        </p:nvCxnSpPr>
+        <p:spPr>
+          <a:xfrm>
+            <a:off x="2684833" y="1717590"/>
+            <a:ext cx="447472" cy="407600"/>
+          </a:xfrm>
+          <a:prstGeom prst="straightConnector1">
+            <a:avLst/>
+          </a:prstGeom>
+          <a:ln>
+            <a:tailEnd type="triangle"/>
+          </a:ln>
+        </p:spPr>
+        <p:style>
+          <a:lnRef idx="2">
+            <a:schemeClr val="accent1"/>
+          </a:lnRef>
+          <a:fillRef idx="0">
+            <a:schemeClr val="accent1"/>
+          </a:fillRef>
+          <a:effectRef idx="1">
+            <a:schemeClr val="accent1"/>
+          </a:effectRef>
+          <a:fontRef idx="minor">
+            <a:schemeClr val="tx1"/>
+          </a:fontRef>
+        </p:style>
+      </p:cxnSp>
+      <mc:AlternateContent xmlns:mc="http://schemas.openxmlformats.org/markup-compatibility/2006" xmlns:a14="http://schemas.microsoft.com/office/drawing/2010/main">
+        <mc:Choice Requires="a14">
+          <p:sp>
+            <p:nvSpPr>
+              <p:cNvPr id="30" name="文本框 29">
+                <a:extLst>
+                  <a:ext uri="{FF2B5EF4-FFF2-40B4-BE49-F238E27FC236}">
+                    <a16:creationId xmlns:a16="http://schemas.microsoft.com/office/drawing/2014/main" id="{67AF08FC-B570-96D5-8849-3E67F4EF0A71}"/>
+                  </a:ext>
+                </a:extLst>
+              </p:cNvPr>
+              <p:cNvSpPr txBox="1"/>
+              <p:nvPr/>
+            </p:nvSpPr>
+            <p:spPr>
+              <a:xfrm>
+                <a:off x="214014" y="1050951"/>
+                <a:ext cx="3822964" cy="646331"/>
+              </a:xfrm>
+              <a:prstGeom prst="rect">
+                <a:avLst/>
+              </a:prstGeom>
+              <a:noFill/>
+            </p:spPr>
+            <p:txBody>
+              <a:bodyPr wrap="square" rtlCol="0">
+                <a:spAutoFit/>
+              </a:bodyPr>
+              <a:lstStyle/>
+              <a:p>
+                <a:pPr algn="l"/>
+                <a:r>
+                  <a:rPr lang="en-US" altLang="zh-CN" dirty="0">
+                    <a:latin typeface="Times New Roman" panose="02020603050405020304" pitchFamily="18" charset="0"/>
+                    <a:cs typeface="Times New Roman" panose="02020603050405020304" pitchFamily="18" charset="0"/>
+                  </a:rPr>
+                  <a:t>Each real electron has a probability </a:t>
+                </a:r>
+                <a14:m>
+                  <m:oMath xmlns:m="http://schemas.openxmlformats.org/officeDocument/2006/math">
+                    <m:r>
+                      <a:rPr lang="en-US" altLang="zh-CN" b="0" i="1" smtClean="0">
+                        <a:latin typeface="Cambria Math" panose="02040503050406030204" pitchFamily="18" charset="0"/>
+                        <a:cs typeface="Times New Roman" panose="02020603050405020304" pitchFamily="18" charset="0"/>
+                      </a:rPr>
+                      <m:t>𝑝</m:t>
+                    </m:r>
+                  </m:oMath>
+                </a14:m>
+                <a:r>
+                  <a:rPr lang="en-US" altLang="zh-CN" dirty="0">
+                    <a:latin typeface="Times New Roman" panose="02020603050405020304" pitchFamily="18" charset="0"/>
+                    <a:cs typeface="Times New Roman" panose="02020603050405020304" pitchFamily="18" charset="0"/>
+                  </a:rPr>
+                  <a:t> to radiate a pair of </a:t>
+                </a:r>
+                <a:r>
+                  <a:rPr lang="en-US" altLang="zh-CN" dirty="0" err="1">
+                    <a:latin typeface="Times New Roman" panose="02020603050405020304" pitchFamily="18" charset="0"/>
+                    <a:cs typeface="Times New Roman" panose="02020603050405020304" pitchFamily="18" charset="0"/>
+                  </a:rPr>
+                  <a:t>mCP</a:t>
+                </a:r>
+                <a:endParaRPr lang="zh-CN" altLang="en-US" dirty="0" err="1">
+                  <a:latin typeface="Times New Roman" panose="02020603050405020304" pitchFamily="18" charset="0"/>
+                  <a:cs typeface="Times New Roman" panose="02020603050405020304" pitchFamily="18" charset="0"/>
+                </a:endParaRPr>
+              </a:p>
+            </p:txBody>
+          </p:sp>
+        </mc:Choice>
+        <mc:Fallback xmlns="">
+          <p:sp>
+            <p:nvSpPr>
+              <p:cNvPr id="30" name="文本框 29">
+                <a:extLst>
+                  <a:ext uri="{FF2B5EF4-FFF2-40B4-BE49-F238E27FC236}">
+                    <a16:creationId xmlns:a16="http://schemas.microsoft.com/office/drawing/2014/main" id="{67AF08FC-B570-96D5-8849-3E67F4EF0A71}"/>
+                  </a:ext>
+                </a:extLst>
+              </p:cNvPr>
+              <p:cNvSpPr txBox="1">
+                <a:spLocks noRot="1" noChangeAspect="1" noMove="1" noResize="1" noEditPoints="1" noAdjustHandles="1" noChangeArrowheads="1" noChangeShapeType="1" noTextEdit="1"/>
+              </p:cNvSpPr>
+              <p:nvPr/>
+            </p:nvSpPr>
+            <p:spPr>
+              <a:xfrm>
+                <a:off x="214014" y="1050951"/>
+                <a:ext cx="3822964" cy="646331"/>
+              </a:xfrm>
+              <a:prstGeom prst="rect">
+                <a:avLst/>
+              </a:prstGeom>
+              <a:blipFill>
+                <a:blip r:embed="rId2"/>
+                <a:stretch>
+                  <a:fillRect l="-1276" t="-4717" b="-14151"/>
+                </a:stretch>
+              </a:blipFill>
+            </p:spPr>
+            <p:txBody>
+              <a:bodyPr/>
+              <a:lstStyle/>
+              <a:p>
+                <a:r>
+                  <a:rPr lang="zh-CN" altLang="en-US">
+                    <a:noFill/>
+                  </a:rPr>
+                  <a:t> </a:t>
+                </a:r>
+              </a:p>
+            </p:txBody>
+          </p:sp>
+        </mc:Fallback>
+      </mc:AlternateContent>
+      <mc:AlternateContent xmlns:mc="http://schemas.openxmlformats.org/markup-compatibility/2006" xmlns:a14="http://schemas.microsoft.com/office/drawing/2010/main">
+        <mc:Choice Requires="a14">
+          <p:sp>
+            <p:nvSpPr>
+              <p:cNvPr id="36" name="文本框 35">
+                <a:extLst>
+                  <a:ext uri="{FF2B5EF4-FFF2-40B4-BE49-F238E27FC236}">
+                    <a16:creationId xmlns:a16="http://schemas.microsoft.com/office/drawing/2014/main" id="{FCCF8D32-7729-1920-AF97-39A3E47B8A8D}"/>
+                  </a:ext>
+                </a:extLst>
+              </p:cNvPr>
+              <p:cNvSpPr txBox="1"/>
+              <p:nvPr/>
+            </p:nvSpPr>
+            <p:spPr>
+              <a:xfrm>
+                <a:off x="647698" y="4198769"/>
+                <a:ext cx="4074269" cy="369332"/>
+              </a:xfrm>
+              <a:prstGeom prst="rect">
+                <a:avLst/>
+              </a:prstGeom>
+              <a:noFill/>
+            </p:spPr>
+            <p:txBody>
+              <a:bodyPr wrap="square" rtlCol="0">
+                <a:spAutoFit/>
+              </a:bodyPr>
+              <a:lstStyle/>
+              <a:p>
+                <a:pPr algn="l"/>
+                <a:r>
+                  <a:rPr lang="en-US" altLang="zh-CN" b="0" dirty="0">
+                    <a:cs typeface="Times New Roman" panose="02020603050405020304" pitchFamily="18" charset="0"/>
+                  </a:rPr>
+                  <a:t>But </a:t>
+                </a:r>
+                <a14:m>
+                  <m:oMath xmlns:m="http://schemas.openxmlformats.org/officeDocument/2006/math">
+                    <m:r>
+                      <a:rPr lang="en-US" altLang="zh-CN" b="0" i="1" smtClean="0">
+                        <a:latin typeface="Cambria Math" panose="02040503050406030204" pitchFamily="18" charset="0"/>
+                        <a:cs typeface="Times New Roman" panose="02020603050405020304" pitchFamily="18" charset="0"/>
+                      </a:rPr>
+                      <m:t>𝑝</m:t>
+                    </m:r>
+                  </m:oMath>
+                </a14:m>
+                <a:r>
+                  <a:rPr lang="en-US" altLang="zh-CN" b="0" dirty="0">
+                    <a:cs typeface="Times New Roman" panose="02020603050405020304" pitchFamily="18" charset="0"/>
+                  </a:rPr>
+                  <a:t> is very small </a:t>
+                </a:r>
+                <a14:m>
+                  <m:oMath xmlns:m="http://schemas.openxmlformats.org/officeDocument/2006/math">
+                    <m:d>
+                      <m:dPr>
+                        <m:ctrlPr>
+                          <a:rPr lang="en-US" altLang="zh-CN" b="0" i="1" smtClean="0">
+                            <a:latin typeface="Cambria Math" panose="02040503050406030204" pitchFamily="18" charset="0"/>
+                            <a:cs typeface="Times New Roman" panose="02020603050405020304" pitchFamily="18" charset="0"/>
+                          </a:rPr>
+                        </m:ctrlPr>
+                      </m:dPr>
+                      <m:e>
+                        <m:r>
+                          <a:rPr lang="en-US" altLang="zh-CN" b="0" i="1" smtClean="0">
+                            <a:latin typeface="Cambria Math" panose="02040503050406030204" pitchFamily="18" charset="0"/>
+                            <a:cs typeface="Times New Roman" panose="02020603050405020304" pitchFamily="18" charset="0"/>
+                          </a:rPr>
+                          <m:t>1−</m:t>
+                        </m:r>
+                        <m:r>
+                          <a:rPr lang="en-US" altLang="zh-CN" b="0" i="1" smtClean="0">
+                            <a:latin typeface="Cambria Math" panose="02040503050406030204" pitchFamily="18" charset="0"/>
+                            <a:cs typeface="Times New Roman" panose="02020603050405020304" pitchFamily="18" charset="0"/>
+                          </a:rPr>
+                          <m:t>𝑝</m:t>
+                        </m:r>
+                      </m:e>
+                    </m:d>
+                    <m:r>
+                      <a:rPr lang="en-US" altLang="zh-CN" b="0" i="1" smtClean="0">
+                        <a:latin typeface="Cambria Math" panose="02040503050406030204" pitchFamily="18" charset="0"/>
+                        <a:cs typeface="Times New Roman" panose="02020603050405020304" pitchFamily="18" charset="0"/>
+                      </a:rPr>
+                      <m:t>∗</m:t>
+                    </m:r>
+                    <m:r>
+                      <a:rPr lang="en-US" altLang="zh-CN" b="0" i="1" smtClean="0">
+                        <a:latin typeface="Cambria Math" panose="02040503050406030204" pitchFamily="18" charset="0"/>
+                        <a:cs typeface="Times New Roman" panose="02020603050405020304" pitchFamily="18" charset="0"/>
+                      </a:rPr>
+                      <m:t>𝑝</m:t>
+                    </m:r>
+                    <m:r>
+                      <a:rPr lang="en-US" altLang="zh-CN" b="0" i="1" smtClean="0">
+                        <a:latin typeface="Cambria Math" panose="02040503050406030204" pitchFamily="18" charset="0"/>
+                        <a:cs typeface="Times New Roman" panose="02020603050405020304" pitchFamily="18" charset="0"/>
+                      </a:rPr>
+                      <m:t>≈1∗</m:t>
+                    </m:r>
+                    <m:r>
+                      <a:rPr lang="en-US" altLang="zh-CN" b="0" i="1" smtClean="0">
+                        <a:latin typeface="Cambria Math" panose="02040503050406030204" pitchFamily="18" charset="0"/>
+                        <a:cs typeface="Times New Roman" panose="02020603050405020304" pitchFamily="18" charset="0"/>
+                      </a:rPr>
+                      <m:t>𝑝</m:t>
+                    </m:r>
+                  </m:oMath>
+                </a14:m>
+                <a:endParaRPr lang="zh-CN" altLang="en-US" dirty="0" err="1">
+                  <a:latin typeface="Times New Roman" panose="02020603050405020304" pitchFamily="18" charset="0"/>
+                  <a:cs typeface="Times New Roman" panose="02020603050405020304" pitchFamily="18" charset="0"/>
+                </a:endParaRPr>
+              </a:p>
+            </p:txBody>
+          </p:sp>
+        </mc:Choice>
+        <mc:Fallback xmlns="">
+          <p:sp>
+            <p:nvSpPr>
+              <p:cNvPr id="36" name="文本框 35">
+                <a:extLst>
+                  <a:ext uri="{FF2B5EF4-FFF2-40B4-BE49-F238E27FC236}">
+                    <a16:creationId xmlns:a16="http://schemas.microsoft.com/office/drawing/2014/main" id="{FCCF8D32-7729-1920-AF97-39A3E47B8A8D}"/>
+                  </a:ext>
+                </a:extLst>
+              </p:cNvPr>
+              <p:cNvSpPr txBox="1">
+                <a:spLocks noRot="1" noChangeAspect="1" noMove="1" noResize="1" noEditPoints="1" noAdjustHandles="1" noChangeArrowheads="1" noChangeShapeType="1" noTextEdit="1"/>
+              </p:cNvSpPr>
+              <p:nvPr/>
+            </p:nvSpPr>
+            <p:spPr>
+              <a:xfrm>
+                <a:off x="647698" y="4198769"/>
+                <a:ext cx="4074269" cy="369332"/>
+              </a:xfrm>
+              <a:prstGeom prst="rect">
+                <a:avLst/>
+              </a:prstGeom>
+              <a:blipFill>
+                <a:blip r:embed="rId3"/>
+                <a:stretch>
+                  <a:fillRect l="-1196" t="-10000" b="-26667"/>
+                </a:stretch>
+              </a:blipFill>
+            </p:spPr>
+            <p:txBody>
+              <a:bodyPr/>
+              <a:lstStyle/>
+              <a:p>
+                <a:r>
+                  <a:rPr lang="zh-CN" altLang="en-US">
+                    <a:noFill/>
+                  </a:rPr>
+                  <a:t> </a:t>
+                </a:r>
+              </a:p>
+            </p:txBody>
+          </p:sp>
+        </mc:Fallback>
+      </mc:AlternateContent>
+      <mc:AlternateContent xmlns:mc="http://schemas.openxmlformats.org/markup-compatibility/2006" xmlns:a14="http://schemas.microsoft.com/office/drawing/2010/main">
+        <mc:Choice Requires="a14">
+          <p:sp>
+            <p:nvSpPr>
+              <p:cNvPr id="37" name="文本框 36">
+                <a:extLst>
+                  <a:ext uri="{FF2B5EF4-FFF2-40B4-BE49-F238E27FC236}">
+                    <a16:creationId xmlns:a16="http://schemas.microsoft.com/office/drawing/2014/main" id="{5BA9DB08-AA3E-7D5C-DD86-34C3762D9F8A}"/>
+                  </a:ext>
+                </a:extLst>
+              </p:cNvPr>
+              <p:cNvSpPr txBox="1"/>
+              <p:nvPr/>
+            </p:nvSpPr>
+            <p:spPr>
+              <a:xfrm>
+                <a:off x="6337565" y="1327950"/>
+                <a:ext cx="5640421" cy="369332"/>
+              </a:xfrm>
+              <a:prstGeom prst="rect">
+                <a:avLst/>
+              </a:prstGeom>
+              <a:noFill/>
+            </p:spPr>
+            <p:txBody>
+              <a:bodyPr wrap="square" rtlCol="0">
+                <a:spAutoFit/>
+              </a:bodyPr>
+              <a:lstStyle/>
+              <a:p>
+                <a:pPr algn="l"/>
+                <a:r>
+                  <a:rPr lang="en-US" altLang="zh-CN" dirty="0">
+                    <a:latin typeface="Times New Roman" panose="02020603050405020304" pitchFamily="18" charset="0"/>
+                    <a:cs typeface="Times New Roman" panose="02020603050405020304" pitchFamily="18" charset="0"/>
+                  </a:rPr>
+                  <a:t>1 electron </a:t>
+                </a:r>
+                <a14:m>
+                  <m:oMath xmlns:m="http://schemas.openxmlformats.org/officeDocument/2006/math">
+                    <m:r>
+                      <a:rPr lang="en-US" altLang="zh-CN" b="0" i="1" smtClean="0">
+                        <a:latin typeface="Cambria Math" panose="02040503050406030204" pitchFamily="18" charset="0"/>
+                        <a:cs typeface="Times New Roman" panose="02020603050405020304" pitchFamily="18" charset="0"/>
+                      </a:rPr>
+                      <m:t>→</m:t>
+                    </m:r>
+                  </m:oMath>
+                </a14:m>
+                <a:r>
+                  <a:rPr lang="zh-CN" altLang="en-US" dirty="0">
+                    <a:latin typeface="Times New Roman" panose="02020603050405020304" pitchFamily="18" charset="0"/>
+                    <a:cs typeface="Times New Roman" panose="02020603050405020304" pitchFamily="18" charset="0"/>
+                  </a:rPr>
+                  <a:t> </a:t>
+                </a:r>
+                <a:r>
+                  <a:rPr lang="en-US" altLang="zh-CN" dirty="0">
+                    <a:latin typeface="Times New Roman" panose="02020603050405020304" pitchFamily="18" charset="0"/>
+                    <a:cs typeface="Times New Roman" panose="02020603050405020304" pitchFamily="18" charset="0"/>
+                  </a:rPr>
+                  <a:t>30 electron</a:t>
+                </a:r>
+                <a:endParaRPr lang="zh-CN" altLang="en-US" dirty="0" err="1">
+                  <a:latin typeface="Times New Roman" panose="02020603050405020304" pitchFamily="18" charset="0"/>
+                  <a:cs typeface="Times New Roman" panose="02020603050405020304" pitchFamily="18" charset="0"/>
+                </a:endParaRPr>
+              </a:p>
+            </p:txBody>
+          </p:sp>
+        </mc:Choice>
+        <mc:Fallback xmlns="">
+          <p:sp>
+            <p:nvSpPr>
+              <p:cNvPr id="37" name="文本框 36">
+                <a:extLst>
+                  <a:ext uri="{FF2B5EF4-FFF2-40B4-BE49-F238E27FC236}">
+                    <a16:creationId xmlns:a16="http://schemas.microsoft.com/office/drawing/2014/main" id="{5BA9DB08-AA3E-7D5C-DD86-34C3762D9F8A}"/>
+                  </a:ext>
+                </a:extLst>
+              </p:cNvPr>
+              <p:cNvSpPr txBox="1">
+                <a:spLocks noRot="1" noChangeAspect="1" noMove="1" noResize="1" noEditPoints="1" noAdjustHandles="1" noChangeArrowheads="1" noChangeShapeType="1" noTextEdit="1"/>
+              </p:cNvSpPr>
+              <p:nvPr/>
+            </p:nvSpPr>
+            <p:spPr>
+              <a:xfrm>
+                <a:off x="6337565" y="1327950"/>
+                <a:ext cx="5640421" cy="369332"/>
+              </a:xfrm>
+              <a:prstGeom prst="rect">
+                <a:avLst/>
+              </a:prstGeom>
+              <a:blipFill>
+                <a:blip r:embed="rId4"/>
+                <a:stretch>
+                  <a:fillRect l="-973" t="-10000" b="-26667"/>
+                </a:stretch>
+              </a:blipFill>
+            </p:spPr>
+            <p:txBody>
+              <a:bodyPr/>
+              <a:lstStyle/>
+              <a:p>
+                <a:r>
+                  <a:rPr lang="zh-CN" altLang="en-US">
+                    <a:noFill/>
+                  </a:rPr>
+                  <a:t> </a:t>
+                </a:r>
+              </a:p>
+            </p:txBody>
+          </p:sp>
+        </mc:Fallback>
+      </mc:AlternateContent>
+    </p:spTree>
+    <p:extLst>
+      <p:ext uri="{BB962C8B-B14F-4D97-AF65-F5344CB8AC3E}">
+        <p14:creationId xmlns:p14="http://schemas.microsoft.com/office/powerpoint/2010/main" val="1414902311"/>
+      </p:ext>
+    </p:extLst>
+  </p:cSld>
+  <p:clrMapOvr>
+    <a:masterClrMapping/>
+  </p:clrMapOvr>
+</p:sld>
+</file>
+
+<file path=ppt/slides/slide29.xml><?xml version="1.0" encoding="utf-8"?>
+<p:sld xmlns:a="http://schemas.openxmlformats.org/drawingml/2006/main" xmlns:r="http://schemas.openxmlformats.org/officeDocument/2006/relationships" xmlns:p="http://schemas.openxmlformats.org/presentationml/2006/main">
+  <p:cSld>
+    <p:spTree>
+      <p:nvGrpSpPr>
+        <p:cNvPr id="1" name=""/>
+        <p:cNvGrpSpPr/>
+        <p:nvPr/>
+      </p:nvGrpSpPr>
+      <p:grpSpPr>
+        <a:xfrm>
+          <a:off x="0" y="0"/>
+          <a:ext cx="0" cy="0"/>
+          <a:chOff x="0" y="0"/>
+          <a:chExt cx="0" cy="0"/>
+        </a:xfrm>
+      </p:grpSpPr>
+      <p:sp>
+        <p:nvSpPr>
+          <p:cNvPr id="2" name="标题 1">
+            <a:extLst>
+              <a:ext uri="{FF2B5EF4-FFF2-40B4-BE49-F238E27FC236}">
+                <a16:creationId xmlns:a16="http://schemas.microsoft.com/office/drawing/2014/main" id="{CB1A2404-7558-A167-B590-70FD0A9F19D1}"/>
+              </a:ext>
+            </a:extLst>
+          </p:cNvPr>
+          <p:cNvSpPr>
+            <a:spLocks noGrp="1"/>
+          </p:cNvSpPr>
+          <p:nvPr>
+            <p:ph type="title"/>
+          </p:nvPr>
+        </p:nvSpPr>
+        <p:spPr>
+          <a:xfrm>
+            <a:off x="711741" y="0"/>
+            <a:ext cx="10515600" cy="1325563"/>
+          </a:xfrm>
+        </p:spPr>
+        <p:txBody>
+          <a:bodyPr/>
+          <a:lstStyle/>
+          <a:p>
+            <a:r>
+              <a:rPr lang="en-US" altLang="zh-CN" dirty="0"/>
+              <a:t>To Do</a:t>
+            </a:r>
+            <a:endParaRPr lang="zh-CN" altLang="en-US" dirty="0"/>
+          </a:p>
+        </p:txBody>
+      </p:sp>
+      <mc:AlternateContent xmlns:mc="http://schemas.openxmlformats.org/markup-compatibility/2006" xmlns:a14="http://schemas.microsoft.com/office/drawing/2010/main">
+        <mc:Choice Requires="a14">
+          <p:sp>
+            <p:nvSpPr>
+              <p:cNvPr id="3" name="内容占位符 2">
+                <a:extLst>
+                  <a:ext uri="{FF2B5EF4-FFF2-40B4-BE49-F238E27FC236}">
+                    <a16:creationId xmlns:a16="http://schemas.microsoft.com/office/drawing/2014/main" id="{C0950256-F3A6-DB1D-6DDC-7C0DDA8A757F}"/>
+                  </a:ext>
+                </a:extLst>
+              </p:cNvPr>
+              <p:cNvSpPr>
+                <a:spLocks noGrp="1"/>
+              </p:cNvSpPr>
+              <p:nvPr>
+                <p:ph idx="1"/>
+              </p:nvPr>
+            </p:nvSpPr>
+            <p:spPr>
+              <a:xfrm>
+                <a:off x="600683" y="1115507"/>
+                <a:ext cx="10990634" cy="2590731"/>
+              </a:xfrm>
+            </p:spPr>
+            <p:txBody>
+              <a:bodyPr/>
+              <a:lstStyle/>
+              <a:p>
+                <a:r>
+                  <a:rPr lang="en-US" altLang="zh-CN" dirty="0"/>
+                  <a:t>Use the energy distribution to generate </a:t>
+                </a:r>
+                <a14:m>
+                  <m:oMath xmlns:m="http://schemas.openxmlformats.org/officeDocument/2006/math">
+                    <m:r>
+                      <a:rPr lang="en-US" altLang="zh-CN" i="1">
+                        <a:latin typeface="Cambria Math" panose="02040503050406030204" pitchFamily="18" charset="0"/>
+                      </a:rPr>
+                      <m:t>𝑒</m:t>
+                    </m:r>
+                    <m:r>
+                      <a:rPr lang="en-US" altLang="zh-CN" i="1">
+                        <a:latin typeface="Cambria Math" panose="02040503050406030204" pitchFamily="18" charset="0"/>
+                      </a:rPr>
+                      <m:t> </m:t>
+                    </m:r>
+                    <m:r>
+                      <a:rPr lang="en-US" altLang="zh-CN" i="1">
+                        <a:latin typeface="Cambria Math" panose="02040503050406030204" pitchFamily="18" charset="0"/>
+                      </a:rPr>
+                      <m:t>𝑁</m:t>
+                    </m:r>
+                    <m:r>
+                      <a:rPr lang="en-US" altLang="zh-CN" i="1">
+                        <a:latin typeface="Cambria Math" panose="02040503050406030204" pitchFamily="18" charset="0"/>
+                      </a:rPr>
+                      <m:t>→</m:t>
+                    </m:r>
+                    <m:r>
+                      <a:rPr lang="en-US" altLang="zh-CN" i="1">
+                        <a:latin typeface="Cambria Math" panose="02040503050406030204" pitchFamily="18" charset="0"/>
+                      </a:rPr>
+                      <m:t>𝑒</m:t>
+                    </m:r>
+                    <m:r>
+                      <a:rPr lang="en-US" altLang="zh-CN" i="1">
+                        <a:latin typeface="Cambria Math" panose="02040503050406030204" pitchFamily="18" charset="0"/>
+                      </a:rPr>
+                      <m:t> </m:t>
+                    </m:r>
+                    <m:r>
+                      <a:rPr lang="en-US" altLang="zh-CN" i="1">
+                        <a:latin typeface="Cambria Math" panose="02040503050406030204" pitchFamily="18" charset="0"/>
+                      </a:rPr>
+                      <m:t>𝑁</m:t>
+                    </m:r>
+                    <m:r>
+                      <a:rPr lang="en-US" altLang="zh-CN" i="1">
+                        <a:latin typeface="Cambria Math" panose="02040503050406030204" pitchFamily="18" charset="0"/>
+                      </a:rPr>
+                      <m:t> </m:t>
+                    </m:r>
+                    <m:sSup>
+                      <m:sSupPr>
+                        <m:ctrlPr>
+                          <a:rPr lang="en-US" altLang="zh-CN" i="1">
+                            <a:latin typeface="Cambria Math" panose="02040503050406030204" pitchFamily="18" charset="0"/>
+                          </a:rPr>
+                        </m:ctrlPr>
+                      </m:sSupPr>
+                      <m:e>
+                        <m:r>
+                          <a:rPr lang="en-US" altLang="zh-CN" i="1">
+                            <a:latin typeface="Cambria Math" panose="02040503050406030204" pitchFamily="18" charset="0"/>
+                          </a:rPr>
+                          <m:t>𝛾</m:t>
+                        </m:r>
+                      </m:e>
+                      <m:sup>
+                        <m:r>
+                          <a:rPr lang="en-US" altLang="zh-CN" i="1">
+                            <a:latin typeface="Cambria Math" panose="02040503050406030204" pitchFamily="18" charset="0"/>
+                          </a:rPr>
+                          <m:t>∗</m:t>
+                        </m:r>
+                      </m:sup>
+                    </m:sSup>
+                    <m:r>
+                      <a:rPr lang="en-US" altLang="zh-CN" i="1">
+                        <a:latin typeface="Cambria Math" panose="02040503050406030204" pitchFamily="18" charset="0"/>
+                      </a:rPr>
+                      <m:t>, (</m:t>
+                    </m:r>
+                    <m:sSup>
+                      <m:sSupPr>
+                        <m:ctrlPr>
+                          <a:rPr lang="en-US" altLang="zh-CN" i="1">
+                            <a:latin typeface="Cambria Math" panose="02040503050406030204" pitchFamily="18" charset="0"/>
+                          </a:rPr>
+                        </m:ctrlPr>
+                      </m:sSupPr>
+                      <m:e>
+                        <m:r>
+                          <a:rPr lang="en-US" altLang="zh-CN" i="1">
+                            <a:latin typeface="Cambria Math" panose="02040503050406030204" pitchFamily="18" charset="0"/>
+                          </a:rPr>
+                          <m:t>𝛾</m:t>
+                        </m:r>
+                      </m:e>
+                      <m:sup>
+                        <m:r>
+                          <a:rPr lang="en-US" altLang="zh-CN" i="1">
+                            <a:latin typeface="Cambria Math" panose="02040503050406030204" pitchFamily="18" charset="0"/>
+                          </a:rPr>
+                          <m:t>∗</m:t>
+                        </m:r>
+                      </m:sup>
+                    </m:sSup>
+                    <m:r>
+                      <a:rPr lang="en-US" altLang="zh-CN" i="1">
+                        <a:latin typeface="Cambria Math" panose="02040503050406030204" pitchFamily="18" charset="0"/>
+                      </a:rPr>
+                      <m:t>→</m:t>
+                    </m:r>
+                    <m:r>
+                      <a:rPr lang="en-US" altLang="zh-CN" i="1">
+                        <a:latin typeface="Cambria Math" panose="02040503050406030204" pitchFamily="18" charset="0"/>
+                      </a:rPr>
+                      <m:t>𝜒</m:t>
+                    </m:r>
+                    <m:acc>
+                      <m:accPr>
+                        <m:chr m:val="̅"/>
+                        <m:ctrlPr>
+                          <a:rPr lang="en-US" altLang="zh-CN" i="1">
+                            <a:latin typeface="Cambria Math" panose="02040503050406030204" pitchFamily="18" charset="0"/>
+                          </a:rPr>
+                        </m:ctrlPr>
+                      </m:accPr>
+                      <m:e>
+                        <m:r>
+                          <a:rPr lang="en-US" altLang="zh-CN" i="1">
+                            <a:latin typeface="Cambria Math" panose="02040503050406030204" pitchFamily="18" charset="0"/>
+                          </a:rPr>
+                          <m:t>𝜒</m:t>
+                        </m:r>
+                      </m:e>
+                    </m:acc>
+                    <m:r>
+                      <a:rPr lang="en-US" altLang="zh-CN" i="1">
+                        <a:latin typeface="Cambria Math" panose="02040503050406030204" pitchFamily="18" charset="0"/>
+                      </a:rPr>
+                      <m:t>)</m:t>
+                    </m:r>
+                  </m:oMath>
+                </a14:m>
+                <a:r>
+                  <a:rPr lang="en-US" altLang="zh-CN" dirty="0"/>
+                  <a:t> sample</a:t>
+                </a:r>
+              </a:p>
+              <a:p>
+                <a:pPr lvl="1"/>
+                <a:r>
+                  <a:rPr lang="en-US" altLang="zh-CN" dirty="0"/>
+                  <a:t>Single electron shower give low statistics but can repeat to gain statistic and get smooth energy distribution.</a:t>
+                </a:r>
+              </a:p>
+              <a:p>
+                <a:pPr lvl="1"/>
+                <a:r>
+                  <a:rPr lang="en-US" altLang="zh-CN" dirty="0"/>
+                  <a:t>correct the total production of </a:t>
+                </a:r>
+                <a:r>
+                  <a:rPr lang="en-US" altLang="zh-CN" dirty="0" err="1"/>
+                  <a:t>mCP</a:t>
+                </a:r>
+                <a:endParaRPr lang="en-US" altLang="zh-CN" dirty="0"/>
+              </a:p>
+              <a:p>
+                <a:pPr lvl="1"/>
+                <a:r>
+                  <a:rPr lang="en-US" altLang="zh-CN" dirty="0"/>
+                  <a:t>Change the material (from graphite to Al)</a:t>
+                </a:r>
+              </a:p>
+              <a:p>
+                <a:endParaRPr lang="zh-CN" altLang="en-US" dirty="0"/>
+              </a:p>
+            </p:txBody>
+          </p:sp>
+        </mc:Choice>
+        <mc:Fallback xmlns="">
+          <p:sp>
+            <p:nvSpPr>
+              <p:cNvPr id="3" name="内容占位符 2">
+                <a:extLst>
+                  <a:ext uri="{FF2B5EF4-FFF2-40B4-BE49-F238E27FC236}">
+                    <a16:creationId xmlns:a16="http://schemas.microsoft.com/office/drawing/2014/main" id="{C0950256-F3A6-DB1D-6DDC-7C0DDA8A757F}"/>
+                  </a:ext>
+                </a:extLst>
+              </p:cNvPr>
+              <p:cNvSpPr>
+                <a:spLocks noGrp="1" noRot="1" noChangeAspect="1" noMove="1" noResize="1" noEditPoints="1" noAdjustHandles="1" noChangeArrowheads="1" noChangeShapeType="1" noTextEdit="1"/>
+              </p:cNvSpPr>
+              <p:nvPr>
+                <p:ph idx="1"/>
+              </p:nvPr>
+            </p:nvSpPr>
+            <p:spPr>
+              <a:xfrm>
+                <a:off x="600683" y="1115507"/>
+                <a:ext cx="10990634" cy="2590731"/>
+              </a:xfrm>
+              <a:blipFill>
+                <a:blip r:embed="rId2"/>
+                <a:stretch>
+                  <a:fillRect l="-999" t="-4235"/>
+                </a:stretch>
+              </a:blipFill>
+            </p:spPr>
+            <p:txBody>
+              <a:bodyPr/>
+              <a:lstStyle/>
+              <a:p>
+                <a:r>
+                  <a:rPr lang="zh-CN" altLang="en-US">
+                    <a:noFill/>
+                  </a:rPr>
+                  <a:t> </a:t>
+                </a:r>
+              </a:p>
+            </p:txBody>
+          </p:sp>
+        </mc:Fallback>
+      </mc:AlternateContent>
+    </p:spTree>
+    <p:extLst>
+      <p:ext uri="{BB962C8B-B14F-4D97-AF65-F5344CB8AC3E}">
+        <p14:creationId xmlns:p14="http://schemas.microsoft.com/office/powerpoint/2010/main" val="2975540328"/>
+      </p:ext>
+    </p:extLst>
+  </p:cSld>
+  <p:clrMapOvr>
+    <a:masterClrMapping/>
+  </p:clrMapOvr>
+</p:sld>
+</file>
+
 <file path=ppt/slides/slide3.xml><?xml version="1.0" encoding="utf-8"?>
 <p:sld xmlns:a="http://schemas.openxmlformats.org/drawingml/2006/main" xmlns:r="http://schemas.openxmlformats.org/officeDocument/2006/relationships" xmlns:p="http://schemas.openxmlformats.org/presentationml/2006/main">
   <p:cSld>
@@ -5529,8 +13692,8 @@
         </p:nvSpPr>
         <p:spPr>
           <a:xfrm>
-            <a:off x="1389329" y="5885234"/>
-            <a:ext cx="575660" cy="369332"/>
+            <a:off x="810026" y="5885234"/>
+            <a:ext cx="2370919" cy="369332"/>
           </a:xfrm>
           <a:prstGeom prst="rect">
             <a:avLst/>
@@ -5552,7 +13715,7 @@
                 <a:latin typeface="Times New Roman" panose="02020603050405020304" pitchFamily="18" charset="0"/>
                 <a:cs typeface="Times New Roman" panose="02020603050405020304" pitchFamily="18" charset="0"/>
               </a:rPr>
-              <a:t>Al</a:t>
+              <a:t>Al with 3m thickness</a:t>
             </a:r>
             <a:endParaRPr lang="zh-CN" altLang="en-US" dirty="0" err="1">
               <a:solidFill>
@@ -6251,7 +14414,7 @@
                               <a:latin typeface="Cambria Math" panose="02040503050406030204" pitchFamily="18" charset="0"/>
                               <a:cs typeface="Times New Roman" panose="02020603050405020304" pitchFamily="18" charset="0"/>
                             </a:rPr>
-                            <m:t>10,0,0,10</m:t>
+                            <m:t>11,0,0,11</m:t>
                           </m:r>
                         </m:e>
                       </m:d>
